--- a/PPT/03 ADB命令.pptx
+++ b/PPT/03 ADB命令.pptx
@@ -7,6 +7,9 @@
   <p:notesMasterIdLst>
     <p:notesMasterId r:id="rId25"/>
   </p:notesMasterIdLst>
+  <p:handoutMasterIdLst>
+    <p:handoutMasterId r:id="rId26"/>
+  </p:handoutMasterIdLst>
   <p:sldIdLst>
     <p:sldId id="290" r:id="rId2"/>
     <p:sldId id="256" r:id="rId3"/>
@@ -18,15 +21,15 @@
     <p:sldId id="301" r:id="rId9"/>
     <p:sldId id="283" r:id="rId10"/>
     <p:sldId id="292" r:id="rId11"/>
-    <p:sldId id="268" r:id="rId12"/>
+    <p:sldId id="285" r:id="rId12"/>
     <p:sldId id="269" r:id="rId13"/>
     <p:sldId id="270" r:id="rId14"/>
     <p:sldId id="271" r:id="rId15"/>
     <p:sldId id="272" r:id="rId16"/>
-    <p:sldId id="285" r:id="rId17"/>
-    <p:sldId id="293" r:id="rId18"/>
-    <p:sldId id="295" r:id="rId19"/>
-    <p:sldId id="273" r:id="rId20"/>
+    <p:sldId id="293" r:id="rId17"/>
+    <p:sldId id="302" r:id="rId18"/>
+    <p:sldId id="273" r:id="rId19"/>
+    <p:sldId id="295" r:id="rId20"/>
     <p:sldId id="297" r:id="rId21"/>
     <p:sldId id="299" r:id="rId22"/>
     <p:sldId id="286" r:id="rId23"/>
@@ -144,8 +147,200 @@
         </p15:guide>
       </p15:sldGuideLst>
     </p:ext>
+    <p:ext uri="{2D200454-40CA-4A62-9FC3-DE9A4176ACB9}">
+      <p15:notesGuideLst xmlns:p15="http://schemas.microsoft.com/office/powerpoint/2012/main"/>
+    </p:ext>
   </p:extLst>
 </p:presentation>
+</file>
+
+<file path=ppt/handoutMasters/handoutMaster1.xml><?xml version="1.0" encoding="utf-8"?>
+<p:handoutMaster xmlns:a="http://schemas.openxmlformats.org/drawingml/2006/main" xmlns:r="http://schemas.openxmlformats.org/officeDocument/2006/relationships" xmlns:p="http://schemas.openxmlformats.org/presentationml/2006/main">
+  <p:cSld>
+    <p:bg>
+      <p:bgRef idx="1001">
+        <a:schemeClr val="bg1"/>
+      </p:bgRef>
+    </p:bg>
+    <p:spTree>
+      <p:nvGrpSpPr>
+        <p:cNvPr id="1" name=""/>
+        <p:cNvGrpSpPr/>
+        <p:nvPr/>
+      </p:nvGrpSpPr>
+      <p:grpSpPr>
+        <a:xfrm>
+          <a:off x="0" y="0"/>
+          <a:ext cx="0" cy="0"/>
+          <a:chOff x="0" y="0"/>
+          <a:chExt cx="0" cy="0"/>
+        </a:xfrm>
+      </p:grpSpPr>
+      <p:sp>
+        <p:nvSpPr>
+          <p:cNvPr id="2" name="页眉占位符 1">
+            <a:extLst>
+              <a:ext uri="{FF2B5EF4-FFF2-40B4-BE49-F238E27FC236}">
+                <a16:creationId xmlns:a16="http://schemas.microsoft.com/office/drawing/2014/main" id="{4FBE2E85-4C57-4C3E-A5D9-7C6973EB296A}"/>
+              </a:ext>
+            </a:extLst>
+          </p:cNvPr>
+          <p:cNvSpPr>
+            <a:spLocks noGrp="1"/>
+          </p:cNvSpPr>
+          <p:nvPr>
+            <p:ph type="hdr" sz="quarter"/>
+          </p:nvPr>
+        </p:nvSpPr>
+        <p:spPr>
+          <a:xfrm>
+            <a:off x="0" y="0"/>
+            <a:ext cx="2971800" cy="458788"/>
+          </a:xfrm>
+          <a:prstGeom prst="rect">
+            <a:avLst/>
+          </a:prstGeom>
+        </p:spPr>
+        <p:txBody>
+          <a:bodyPr vert="horz" lIns="91440" tIns="45720" rIns="91440" bIns="45720" rtlCol="0"/>
+          <a:lstStyle>
+            <a:lvl1pPr algn="l">
+              <a:defRPr sz="1200"/>
+            </a:lvl1pPr>
+          </a:lstStyle>
+          <a:p>
+            <a:endParaRPr lang="zh-CN" altLang="en-US"/>
+          </a:p>
+        </p:txBody>
+      </p:sp>
+      <p:sp>
+        <p:nvSpPr>
+          <p:cNvPr id="3" name="日期占位符 2">
+            <a:extLst>
+              <a:ext uri="{FF2B5EF4-FFF2-40B4-BE49-F238E27FC236}">
+                <a16:creationId xmlns:a16="http://schemas.microsoft.com/office/drawing/2014/main" id="{1EAAC26D-2573-4932-92BC-6F9ABF0A0180}"/>
+              </a:ext>
+            </a:extLst>
+          </p:cNvPr>
+          <p:cNvSpPr>
+            <a:spLocks noGrp="1"/>
+          </p:cNvSpPr>
+          <p:nvPr>
+            <p:ph type="dt" sz="quarter" idx="1"/>
+          </p:nvPr>
+        </p:nvSpPr>
+        <p:spPr>
+          <a:xfrm>
+            <a:off x="3884613" y="0"/>
+            <a:ext cx="2971800" cy="458788"/>
+          </a:xfrm>
+          <a:prstGeom prst="rect">
+            <a:avLst/>
+          </a:prstGeom>
+        </p:spPr>
+        <p:txBody>
+          <a:bodyPr vert="horz" lIns="91440" tIns="45720" rIns="91440" bIns="45720" rtlCol="0"/>
+          <a:lstStyle>
+            <a:lvl1pPr algn="r">
+              <a:defRPr sz="1200"/>
+            </a:lvl1pPr>
+          </a:lstStyle>
+          <a:p>
+            <a:fld id="{0FABC3B0-4CCE-4664-B45F-191DF2CB542D}" type="datetimeFigureOut">
+              <a:rPr lang="zh-CN" altLang="en-US" smtClean="0"/>
+              <a:t>2020/10/13</a:t>
+            </a:fld>
+            <a:endParaRPr lang="zh-CN" altLang="en-US"/>
+          </a:p>
+        </p:txBody>
+      </p:sp>
+      <p:sp>
+        <p:nvSpPr>
+          <p:cNvPr id="4" name="页脚占位符 3">
+            <a:extLst>
+              <a:ext uri="{FF2B5EF4-FFF2-40B4-BE49-F238E27FC236}">
+                <a16:creationId xmlns:a16="http://schemas.microsoft.com/office/drawing/2014/main" id="{E7D46C24-6055-47CD-A3E7-5AE15DC5A889}"/>
+              </a:ext>
+            </a:extLst>
+          </p:cNvPr>
+          <p:cNvSpPr>
+            <a:spLocks noGrp="1"/>
+          </p:cNvSpPr>
+          <p:nvPr>
+            <p:ph type="ftr" sz="quarter" idx="2"/>
+          </p:nvPr>
+        </p:nvSpPr>
+        <p:spPr>
+          <a:xfrm>
+            <a:off x="0" y="8685213"/>
+            <a:ext cx="2971800" cy="458787"/>
+          </a:xfrm>
+          <a:prstGeom prst="rect">
+            <a:avLst/>
+          </a:prstGeom>
+        </p:spPr>
+        <p:txBody>
+          <a:bodyPr vert="horz" lIns="91440" tIns="45720" rIns="91440" bIns="45720" rtlCol="0" anchor="b"/>
+          <a:lstStyle>
+            <a:lvl1pPr algn="l">
+              <a:defRPr sz="1200"/>
+            </a:lvl1pPr>
+          </a:lstStyle>
+          <a:p>
+            <a:endParaRPr lang="zh-CN" altLang="en-US"/>
+          </a:p>
+        </p:txBody>
+      </p:sp>
+      <p:sp>
+        <p:nvSpPr>
+          <p:cNvPr id="5" name="灯片编号占位符 4">
+            <a:extLst>
+              <a:ext uri="{FF2B5EF4-FFF2-40B4-BE49-F238E27FC236}">
+                <a16:creationId xmlns:a16="http://schemas.microsoft.com/office/drawing/2014/main" id="{EA4C8DB9-2159-44E1-9D8A-95B461EE9B36}"/>
+              </a:ext>
+            </a:extLst>
+          </p:cNvPr>
+          <p:cNvSpPr>
+            <a:spLocks noGrp="1"/>
+          </p:cNvSpPr>
+          <p:nvPr>
+            <p:ph type="sldNum" sz="quarter" idx="3"/>
+          </p:nvPr>
+        </p:nvSpPr>
+        <p:spPr>
+          <a:xfrm>
+            <a:off x="3884613" y="8685213"/>
+            <a:ext cx="2971800" cy="458787"/>
+          </a:xfrm>
+          <a:prstGeom prst="rect">
+            <a:avLst/>
+          </a:prstGeom>
+        </p:spPr>
+        <p:txBody>
+          <a:bodyPr vert="horz" lIns="91440" tIns="45720" rIns="91440" bIns="45720" rtlCol="0" anchor="b"/>
+          <a:lstStyle>
+            <a:lvl1pPr algn="r">
+              <a:defRPr sz="1200"/>
+            </a:lvl1pPr>
+          </a:lstStyle>
+          <a:p>
+            <a:fld id="{58C42364-A666-4B91-BD2F-359C59042E3B}" type="slidenum">
+              <a:rPr lang="zh-CN" altLang="en-US" smtClean="0"/>
+              <a:t>‹#›</a:t>
+            </a:fld>
+            <a:endParaRPr lang="zh-CN" altLang="en-US"/>
+          </a:p>
+        </p:txBody>
+      </p:sp>
+    </p:spTree>
+    <p:extLst>
+      <p:ext uri="{BB962C8B-B14F-4D97-AF65-F5344CB8AC3E}">
+        <p14:creationId xmlns:p14="http://schemas.microsoft.com/office/powerpoint/2010/main" val="4275714813"/>
+      </p:ext>
+    </p:extLst>
+  </p:cSld>
+  <p:clrMap bg1="lt1" tx1="dk1" bg2="lt2" tx2="dk2" accent1="accent1" accent2="accent2" accent3="accent3" accent4="accent4" accent5="accent5" accent6="accent6" hlink="hlink" folHlink="folHlink"/>
+</p:handoutMaster>
 </file>
 
 <file path=ppt/notesMasters/notesMaster1.xml><?xml version="1.0" encoding="utf-8"?>
@@ -230,7 +425,7 @@
           <a:p>
             <a:fld id="{DC8C3A3E-B14E-4586-9C40-0C2D600A28A7}" type="datetimeFigureOut">
               <a:rPr lang="zh-CN" altLang="en-US" smtClean="0"/>
-              <a:t>2020/10/12</a:t>
+              <a:t>2020/10/13</a:t>
             </a:fld>
             <a:endParaRPr lang="zh-CN" altLang="en-US"/>
           </a:p>
@@ -1233,7 +1428,7 @@
           <a:p>
             <a:fld id="{346FB8BA-F77B-4DA9-8DC9-43794474E10D}" type="slidenum">
               <a:rPr lang="zh-CN" altLang="en-US" smtClean="0"/>
-              <a:t>17</a:t>
+              <a:t>16</a:t>
             </a:fld>
             <a:endParaRPr lang="zh-CN" altLang="en-US"/>
           </a:p>
@@ -1330,7 +1525,7 @@
           <a:p>
             <a:fld id="{346FB8BA-F77B-4DA9-8DC9-43794474E10D}" type="slidenum">
               <a:rPr lang="zh-CN" altLang="en-US" smtClean="0"/>
-              <a:t>19</a:t>
+              <a:t>18</a:t>
             </a:fld>
             <a:endParaRPr lang="zh-CN" altLang="en-US"/>
           </a:p>
@@ -1376,6 +1571,90 @@
             <p:ph type="sldImg"/>
           </p:nvPr>
         </p:nvSpPr>
+        <p:spPr/>
+      </p:sp>
+      <p:sp>
+        <p:nvSpPr>
+          <p:cNvPr id="3" name="备注占位符 2"/>
+          <p:cNvSpPr>
+            <a:spLocks noGrp="1"/>
+          </p:cNvSpPr>
+          <p:nvPr>
+            <p:ph type="body" idx="1"/>
+          </p:nvPr>
+        </p:nvSpPr>
+        <p:spPr/>
+        <p:txBody>
+          <a:bodyPr/>
+          <a:lstStyle/>
+          <a:p>
+            <a:endParaRPr lang="zh-CN" altLang="en-US" dirty="0"/>
+          </a:p>
+        </p:txBody>
+      </p:sp>
+      <p:sp>
+        <p:nvSpPr>
+          <p:cNvPr id="4" name="灯片编号占位符 3"/>
+          <p:cNvSpPr>
+            <a:spLocks noGrp="1"/>
+          </p:cNvSpPr>
+          <p:nvPr>
+            <p:ph type="sldNum" sz="quarter" idx="5"/>
+          </p:nvPr>
+        </p:nvSpPr>
+        <p:spPr/>
+        <p:txBody>
+          <a:bodyPr/>
+          <a:lstStyle/>
+          <a:p>
+            <a:fld id="{346FB8BA-F77B-4DA9-8DC9-43794474E10D}" type="slidenum">
+              <a:rPr lang="zh-CN" altLang="en-US" smtClean="0"/>
+              <a:t>19</a:t>
+            </a:fld>
+            <a:endParaRPr lang="zh-CN" altLang="en-US"/>
+          </a:p>
+        </p:txBody>
+      </p:sp>
+    </p:spTree>
+    <p:extLst>
+      <p:ext uri="{BB962C8B-B14F-4D97-AF65-F5344CB8AC3E}">
+        <p14:creationId xmlns:p14="http://schemas.microsoft.com/office/powerpoint/2010/main" val="2910012416"/>
+      </p:ext>
+    </p:extLst>
+  </p:cSld>
+  <p:clrMapOvr>
+    <a:masterClrMapping/>
+  </p:clrMapOvr>
+</p:notes>
+</file>
+
+<file path=ppt/notesSlides/notesSlide9.xml><?xml version="1.0" encoding="utf-8"?>
+<p:notes xmlns:a="http://schemas.openxmlformats.org/drawingml/2006/main" xmlns:r="http://schemas.openxmlformats.org/officeDocument/2006/relationships" xmlns:p="http://schemas.openxmlformats.org/presentationml/2006/main">
+  <p:cSld>
+    <p:spTree>
+      <p:nvGrpSpPr>
+        <p:cNvPr id="1" name=""/>
+        <p:cNvGrpSpPr/>
+        <p:nvPr/>
+      </p:nvGrpSpPr>
+      <p:grpSpPr>
+        <a:xfrm>
+          <a:off x="0" y="0"/>
+          <a:ext cx="0" cy="0"/>
+          <a:chOff x="0" y="0"/>
+          <a:chExt cx="0" cy="0"/>
+        </a:xfrm>
+      </p:grpSpPr>
+      <p:sp>
+        <p:nvSpPr>
+          <p:cNvPr id="2" name="幻灯片图像占位符 1"/>
+          <p:cNvSpPr>
+            <a:spLocks noGrp="1" noRot="1" noChangeAspect="1"/>
+          </p:cNvSpPr>
+          <p:nvPr>
+            <p:ph type="sldImg"/>
+          </p:nvPr>
+        </p:nvSpPr>
         <p:spPr>
           <a:xfrm>
             <a:off x="381000" y="685800"/>
@@ -1480,7 +1759,7 @@
           <a:p>
             <a:fld id="{530820CF-B880-4189-942D-D702A7CBA730}" type="datetimeFigureOut">
               <a:rPr lang="zh-CN" altLang="en-US" smtClean="0"/>
-              <a:t>2020/10/12</a:t>
+              <a:t>2020/10/13</a:t>
             </a:fld>
             <a:endParaRPr lang="zh-CN" altLang="en-US"/>
           </a:p>
@@ -1786,342 +2065,6 @@
 </p:sldLayout>
 </file>
 
-<file path=ppt/slideLayouts/slideLayout10.xml><?xml version="1.0" encoding="utf-8"?>
-<p:sldLayout xmlns:a="http://schemas.openxmlformats.org/drawingml/2006/main" xmlns:r="http://schemas.openxmlformats.org/officeDocument/2006/relationships" xmlns:p="http://schemas.openxmlformats.org/presentationml/2006/main" type="vertTx" preserve="1">
-  <p:cSld name="标题和竖排文字">
-    <p:spTree>
-      <p:nvGrpSpPr>
-        <p:cNvPr id="1" name=""/>
-        <p:cNvGrpSpPr/>
-        <p:nvPr/>
-      </p:nvGrpSpPr>
-      <p:grpSpPr>
-        <a:xfrm>
-          <a:off x="0" y="0"/>
-          <a:ext cx="0" cy="0"/>
-          <a:chOff x="0" y="0"/>
-          <a:chExt cx="0" cy="0"/>
-        </a:xfrm>
-      </p:grpSpPr>
-      <p:sp>
-        <p:nvSpPr>
-          <p:cNvPr id="2" name="标题 1"/>
-          <p:cNvSpPr>
-            <a:spLocks noGrp="1"/>
-          </p:cNvSpPr>
-          <p:nvPr>
-            <p:ph type="title"/>
-          </p:nvPr>
-        </p:nvSpPr>
-        <p:spPr/>
-        <p:txBody>
-          <a:bodyPr/>
-          <a:lstStyle/>
-          <a:p>
-            <a:r>
-              <a:rPr lang="zh-CN" altLang="en-US"/>
-              <a:t>单击此处编辑母版标题样式</a:t>
-            </a:r>
-          </a:p>
-        </p:txBody>
-      </p:sp>
-      <p:sp>
-        <p:nvSpPr>
-          <p:cNvPr id="3" name="竖排文字占位符 2"/>
-          <p:cNvSpPr>
-            <a:spLocks noGrp="1"/>
-          </p:cNvSpPr>
-          <p:nvPr>
-            <p:ph type="body" orient="vert" idx="1"/>
-          </p:nvPr>
-        </p:nvSpPr>
-        <p:spPr/>
-        <p:txBody>
-          <a:bodyPr vert="eaVert"/>
-          <a:lstStyle/>
-          <a:p>
-            <a:pPr lvl="0"/>
-            <a:r>
-              <a:rPr lang="zh-CN" altLang="en-US"/>
-              <a:t>单击此处编辑母版文本样式</a:t>
-            </a:r>
-          </a:p>
-          <a:p>
-            <a:pPr lvl="1"/>
-            <a:r>
-              <a:rPr lang="zh-CN" altLang="en-US"/>
-              <a:t>第二级</a:t>
-            </a:r>
-          </a:p>
-          <a:p>
-            <a:pPr lvl="2"/>
-            <a:r>
-              <a:rPr lang="zh-CN" altLang="en-US"/>
-              <a:t>第三级</a:t>
-            </a:r>
-          </a:p>
-          <a:p>
-            <a:pPr lvl="3"/>
-            <a:r>
-              <a:rPr lang="zh-CN" altLang="en-US"/>
-              <a:t>第四级</a:t>
-            </a:r>
-          </a:p>
-          <a:p>
-            <a:pPr lvl="4"/>
-            <a:r>
-              <a:rPr lang="zh-CN" altLang="en-US"/>
-              <a:t>第五级</a:t>
-            </a:r>
-          </a:p>
-        </p:txBody>
-      </p:sp>
-      <p:sp>
-        <p:nvSpPr>
-          <p:cNvPr id="4" name="日期占位符 3"/>
-          <p:cNvSpPr>
-            <a:spLocks noGrp="1"/>
-          </p:cNvSpPr>
-          <p:nvPr>
-            <p:ph type="dt" sz="half" idx="10"/>
-          </p:nvPr>
-        </p:nvSpPr>
-        <p:spPr/>
-        <p:txBody>
-          <a:bodyPr/>
-          <a:lstStyle/>
-          <a:p>
-            <a:fld id="{530820CF-B880-4189-942D-D702A7CBA730}" type="datetimeFigureOut">
-              <a:rPr lang="zh-CN" altLang="en-US" smtClean="0"/>
-              <a:t>2020/10/12</a:t>
-            </a:fld>
-            <a:endParaRPr lang="zh-CN" altLang="en-US"/>
-          </a:p>
-        </p:txBody>
-      </p:sp>
-      <p:sp>
-        <p:nvSpPr>
-          <p:cNvPr id="5" name="页脚占位符 4"/>
-          <p:cNvSpPr>
-            <a:spLocks noGrp="1"/>
-          </p:cNvSpPr>
-          <p:nvPr>
-            <p:ph type="ftr" sz="quarter" idx="11"/>
-          </p:nvPr>
-        </p:nvSpPr>
-        <p:spPr/>
-        <p:txBody>
-          <a:bodyPr/>
-          <a:lstStyle/>
-          <a:p>
-            <a:endParaRPr lang="zh-CN" altLang="en-US"/>
-          </a:p>
-        </p:txBody>
-      </p:sp>
-      <p:sp>
-        <p:nvSpPr>
-          <p:cNvPr id="6" name="灯片编号占位符 5"/>
-          <p:cNvSpPr>
-            <a:spLocks noGrp="1"/>
-          </p:cNvSpPr>
-          <p:nvPr>
-            <p:ph type="sldNum" sz="quarter" idx="12"/>
-          </p:nvPr>
-        </p:nvSpPr>
-        <p:spPr/>
-        <p:txBody>
-          <a:bodyPr/>
-          <a:lstStyle/>
-          <a:p>
-            <a:fld id="{0C913308-F349-4B6D-A68A-DD1791B4A57B}" type="slidenum">
-              <a:rPr lang="zh-CN" altLang="en-US" smtClean="0"/>
-              <a:t>‹#›</a:t>
-            </a:fld>
-            <a:endParaRPr lang="zh-CN" altLang="en-US"/>
-          </a:p>
-        </p:txBody>
-      </p:sp>
-    </p:spTree>
-  </p:cSld>
-  <p:clrMapOvr>
-    <a:masterClrMapping/>
-  </p:clrMapOvr>
-</p:sldLayout>
-</file>
-
-<file path=ppt/slideLayouts/slideLayout11.xml><?xml version="1.0" encoding="utf-8"?>
-<p:sldLayout xmlns:a="http://schemas.openxmlformats.org/drawingml/2006/main" xmlns:r="http://schemas.openxmlformats.org/officeDocument/2006/relationships" xmlns:p="http://schemas.openxmlformats.org/presentationml/2006/main" type="vertTitleAndTx" preserve="1">
-  <p:cSld name="垂直排列标题与文本">
-    <p:spTree>
-      <p:nvGrpSpPr>
-        <p:cNvPr id="1" name=""/>
-        <p:cNvGrpSpPr/>
-        <p:nvPr/>
-      </p:nvGrpSpPr>
-      <p:grpSpPr>
-        <a:xfrm>
-          <a:off x="0" y="0"/>
-          <a:ext cx="0" cy="0"/>
-          <a:chOff x="0" y="0"/>
-          <a:chExt cx="0" cy="0"/>
-        </a:xfrm>
-      </p:grpSpPr>
-      <p:sp>
-        <p:nvSpPr>
-          <p:cNvPr id="2" name="竖排标题 1"/>
-          <p:cNvSpPr>
-            <a:spLocks noGrp="1"/>
-          </p:cNvSpPr>
-          <p:nvPr>
-            <p:ph type="title" orient="vert"/>
-          </p:nvPr>
-        </p:nvSpPr>
-        <p:spPr>
-          <a:xfrm>
-            <a:off x="6629400" y="205979"/>
-            <a:ext cx="2057400" cy="4388644"/>
-          </a:xfrm>
-        </p:spPr>
-        <p:txBody>
-          <a:bodyPr vert="eaVert"/>
-          <a:lstStyle/>
-          <a:p>
-            <a:r>
-              <a:rPr lang="zh-CN" altLang="en-US"/>
-              <a:t>单击此处编辑母版标题样式</a:t>
-            </a:r>
-          </a:p>
-        </p:txBody>
-      </p:sp>
-      <p:sp>
-        <p:nvSpPr>
-          <p:cNvPr id="3" name="竖排文字占位符 2"/>
-          <p:cNvSpPr>
-            <a:spLocks noGrp="1"/>
-          </p:cNvSpPr>
-          <p:nvPr>
-            <p:ph type="body" orient="vert" idx="1"/>
-          </p:nvPr>
-        </p:nvSpPr>
-        <p:spPr>
-          <a:xfrm>
-            <a:off x="457200" y="205979"/>
-            <a:ext cx="6019800" cy="4388644"/>
-          </a:xfrm>
-        </p:spPr>
-        <p:txBody>
-          <a:bodyPr vert="eaVert"/>
-          <a:lstStyle/>
-          <a:p>
-            <a:pPr lvl="0"/>
-            <a:r>
-              <a:rPr lang="zh-CN" altLang="en-US"/>
-              <a:t>单击此处编辑母版文本样式</a:t>
-            </a:r>
-          </a:p>
-          <a:p>
-            <a:pPr lvl="1"/>
-            <a:r>
-              <a:rPr lang="zh-CN" altLang="en-US"/>
-              <a:t>第二级</a:t>
-            </a:r>
-          </a:p>
-          <a:p>
-            <a:pPr lvl="2"/>
-            <a:r>
-              <a:rPr lang="zh-CN" altLang="en-US"/>
-              <a:t>第三级</a:t>
-            </a:r>
-          </a:p>
-          <a:p>
-            <a:pPr lvl="3"/>
-            <a:r>
-              <a:rPr lang="zh-CN" altLang="en-US"/>
-              <a:t>第四级</a:t>
-            </a:r>
-          </a:p>
-          <a:p>
-            <a:pPr lvl="4"/>
-            <a:r>
-              <a:rPr lang="zh-CN" altLang="en-US"/>
-              <a:t>第五级</a:t>
-            </a:r>
-          </a:p>
-        </p:txBody>
-      </p:sp>
-      <p:sp>
-        <p:nvSpPr>
-          <p:cNvPr id="4" name="日期占位符 3"/>
-          <p:cNvSpPr>
-            <a:spLocks noGrp="1"/>
-          </p:cNvSpPr>
-          <p:nvPr>
-            <p:ph type="dt" sz="half" idx="10"/>
-          </p:nvPr>
-        </p:nvSpPr>
-        <p:spPr/>
-        <p:txBody>
-          <a:bodyPr/>
-          <a:lstStyle/>
-          <a:p>
-            <a:fld id="{530820CF-B880-4189-942D-D702A7CBA730}" type="datetimeFigureOut">
-              <a:rPr lang="zh-CN" altLang="en-US" smtClean="0"/>
-              <a:t>2020/10/12</a:t>
-            </a:fld>
-            <a:endParaRPr lang="zh-CN" altLang="en-US"/>
-          </a:p>
-        </p:txBody>
-      </p:sp>
-      <p:sp>
-        <p:nvSpPr>
-          <p:cNvPr id="5" name="页脚占位符 4"/>
-          <p:cNvSpPr>
-            <a:spLocks noGrp="1"/>
-          </p:cNvSpPr>
-          <p:nvPr>
-            <p:ph type="ftr" sz="quarter" idx="11"/>
-          </p:nvPr>
-        </p:nvSpPr>
-        <p:spPr/>
-        <p:txBody>
-          <a:bodyPr/>
-          <a:lstStyle/>
-          <a:p>
-            <a:endParaRPr lang="zh-CN" altLang="en-US"/>
-          </a:p>
-        </p:txBody>
-      </p:sp>
-      <p:sp>
-        <p:nvSpPr>
-          <p:cNvPr id="6" name="灯片编号占位符 5"/>
-          <p:cNvSpPr>
-            <a:spLocks noGrp="1"/>
-          </p:cNvSpPr>
-          <p:nvPr>
-            <p:ph type="sldNum" sz="quarter" idx="12"/>
-          </p:nvPr>
-        </p:nvSpPr>
-        <p:spPr/>
-        <p:txBody>
-          <a:bodyPr/>
-          <a:lstStyle/>
-          <a:p>
-            <a:fld id="{0C913308-F349-4B6D-A68A-DD1791B4A57B}" type="slidenum">
-              <a:rPr lang="zh-CN" altLang="en-US" smtClean="0"/>
-              <a:t>‹#›</a:t>
-            </a:fld>
-            <a:endParaRPr lang="zh-CN" altLang="en-US"/>
-          </a:p>
-        </p:txBody>
-      </p:sp>
-    </p:spTree>
-  </p:cSld>
-  <p:clrMapOvr>
-    <a:masterClrMapping/>
-  </p:clrMapOvr>
-</p:sldLayout>
-</file>
-
 <file path=ppt/slideLayouts/slideLayout2.xml><?xml version="1.0" encoding="utf-8"?>
 <p:sldLayout xmlns:a="http://schemas.openxmlformats.org/drawingml/2006/main" xmlns:r="http://schemas.openxmlformats.org/officeDocument/2006/relationships" xmlns:p="http://schemas.openxmlformats.org/presentationml/2006/main" type="obj" preserve="1">
   <p:cSld name="标题和内容">
@@ -2207,7 +2150,7 @@
           <a:p>
             <a:fld id="{530820CF-B880-4189-942D-D702A7CBA730}" type="datetimeFigureOut">
               <a:rPr lang="zh-CN" altLang="en-US" smtClean="0"/>
-              <a:t>2020/10/12</a:t>
+              <a:t>2020/10/13</a:t>
             </a:fld>
             <a:endParaRPr lang="zh-CN" altLang="en-US"/>
           </a:p>
@@ -2533,7 +2476,7 @@
           <a:p>
             <a:fld id="{530820CF-B880-4189-942D-D702A7CBA730}" type="datetimeFigureOut">
               <a:rPr lang="zh-CN" altLang="en-US" smtClean="0"/>
-              <a:t>2020/10/12</a:t>
+              <a:t>2020/10/13</a:t>
             </a:fld>
             <a:endParaRPr lang="zh-CN" altLang="en-US"/>
           </a:p>
@@ -2813,7 +2756,7 @@
           <a:p>
             <a:fld id="{530820CF-B880-4189-942D-D702A7CBA730}" type="datetimeFigureOut">
               <a:rPr lang="zh-CN" altLang="en-US" smtClean="0"/>
-              <a:t>2020/10/12</a:t>
+              <a:t>2020/10/13</a:t>
             </a:fld>
             <a:endParaRPr lang="zh-CN" altLang="en-US"/>
           </a:p>
@@ -3227,7 +3170,7 @@
           <a:p>
             <a:fld id="{530820CF-B880-4189-942D-D702A7CBA730}" type="datetimeFigureOut">
               <a:rPr lang="zh-CN" altLang="en-US" smtClean="0"/>
-              <a:t>2020/10/12</a:t>
+              <a:t>2020/10/13</a:t>
             </a:fld>
             <a:endParaRPr lang="zh-CN" altLang="en-US"/>
           </a:p>
@@ -3339,7 +3282,7 @@
           <a:p>
             <a:fld id="{530820CF-B880-4189-942D-D702A7CBA730}" type="datetimeFigureOut">
               <a:rPr lang="zh-CN" altLang="en-US" smtClean="0"/>
-              <a:t>2020/10/12</a:t>
+              <a:t>2020/10/13</a:t>
             </a:fld>
             <a:endParaRPr lang="zh-CN" altLang="en-US"/>
           </a:p>
@@ -3367,616 +3310,6 @@
       <p:sp>
         <p:nvSpPr>
           <p:cNvPr id="5" name="灯片编号占位符 4"/>
-          <p:cNvSpPr>
-            <a:spLocks noGrp="1"/>
-          </p:cNvSpPr>
-          <p:nvPr>
-            <p:ph type="sldNum" sz="quarter" idx="12"/>
-          </p:nvPr>
-        </p:nvSpPr>
-        <p:spPr/>
-        <p:txBody>
-          <a:bodyPr/>
-          <a:lstStyle/>
-          <a:p>
-            <a:fld id="{0C913308-F349-4B6D-A68A-DD1791B4A57B}" type="slidenum">
-              <a:rPr lang="zh-CN" altLang="en-US" smtClean="0"/>
-              <a:t>‹#›</a:t>
-            </a:fld>
-            <a:endParaRPr lang="zh-CN" altLang="en-US"/>
-          </a:p>
-        </p:txBody>
-      </p:sp>
-    </p:spTree>
-  </p:cSld>
-  <p:clrMapOvr>
-    <a:masterClrMapping/>
-  </p:clrMapOvr>
-</p:sldLayout>
-</file>
-
-<file path=ppt/slideLayouts/slideLayout7.xml><?xml version="1.0" encoding="utf-8"?>
-<p:sldLayout xmlns:a="http://schemas.openxmlformats.org/drawingml/2006/main" xmlns:r="http://schemas.openxmlformats.org/officeDocument/2006/relationships" xmlns:p="http://schemas.openxmlformats.org/presentationml/2006/main" type="blank" preserve="1">
-  <p:cSld name="空白">
-    <p:spTree>
-      <p:nvGrpSpPr>
-        <p:cNvPr id="1" name=""/>
-        <p:cNvGrpSpPr/>
-        <p:nvPr/>
-      </p:nvGrpSpPr>
-      <p:grpSpPr>
-        <a:xfrm>
-          <a:off x="0" y="0"/>
-          <a:ext cx="0" cy="0"/>
-          <a:chOff x="0" y="0"/>
-          <a:chExt cx="0" cy="0"/>
-        </a:xfrm>
-      </p:grpSpPr>
-      <p:sp>
-        <p:nvSpPr>
-          <p:cNvPr id="2" name="日期占位符 1"/>
-          <p:cNvSpPr>
-            <a:spLocks noGrp="1"/>
-          </p:cNvSpPr>
-          <p:nvPr>
-            <p:ph type="dt" sz="half" idx="10"/>
-          </p:nvPr>
-        </p:nvSpPr>
-        <p:spPr/>
-        <p:txBody>
-          <a:bodyPr/>
-          <a:lstStyle/>
-          <a:p>
-            <a:fld id="{530820CF-B880-4189-942D-D702A7CBA730}" type="datetimeFigureOut">
-              <a:rPr lang="zh-CN" altLang="en-US" smtClean="0"/>
-              <a:t>2020/10/12</a:t>
-            </a:fld>
-            <a:endParaRPr lang="zh-CN" altLang="en-US"/>
-          </a:p>
-        </p:txBody>
-      </p:sp>
-      <p:sp>
-        <p:nvSpPr>
-          <p:cNvPr id="3" name="页脚占位符 2"/>
-          <p:cNvSpPr>
-            <a:spLocks noGrp="1"/>
-          </p:cNvSpPr>
-          <p:nvPr>
-            <p:ph type="ftr" sz="quarter" idx="11"/>
-          </p:nvPr>
-        </p:nvSpPr>
-        <p:spPr/>
-        <p:txBody>
-          <a:bodyPr/>
-          <a:lstStyle/>
-          <a:p>
-            <a:endParaRPr lang="zh-CN" altLang="en-US"/>
-          </a:p>
-        </p:txBody>
-      </p:sp>
-      <p:sp>
-        <p:nvSpPr>
-          <p:cNvPr id="4" name="灯片编号占位符 3"/>
-          <p:cNvSpPr>
-            <a:spLocks noGrp="1"/>
-          </p:cNvSpPr>
-          <p:nvPr>
-            <p:ph type="sldNum" sz="quarter" idx="12"/>
-          </p:nvPr>
-        </p:nvSpPr>
-        <p:spPr/>
-        <p:txBody>
-          <a:bodyPr/>
-          <a:lstStyle/>
-          <a:p>
-            <a:fld id="{0C913308-F349-4B6D-A68A-DD1791B4A57B}" type="slidenum">
-              <a:rPr lang="zh-CN" altLang="en-US" smtClean="0"/>
-              <a:t>‹#›</a:t>
-            </a:fld>
-            <a:endParaRPr lang="zh-CN" altLang="en-US"/>
-          </a:p>
-        </p:txBody>
-      </p:sp>
-    </p:spTree>
-  </p:cSld>
-  <p:clrMapOvr>
-    <a:masterClrMapping/>
-  </p:clrMapOvr>
-</p:sldLayout>
-</file>
-
-<file path=ppt/slideLayouts/slideLayout8.xml><?xml version="1.0" encoding="utf-8"?>
-<p:sldLayout xmlns:a="http://schemas.openxmlformats.org/drawingml/2006/main" xmlns:r="http://schemas.openxmlformats.org/officeDocument/2006/relationships" xmlns:p="http://schemas.openxmlformats.org/presentationml/2006/main" type="objTx" preserve="1">
-  <p:cSld name="内容与标题">
-    <p:spTree>
-      <p:nvGrpSpPr>
-        <p:cNvPr id="1" name=""/>
-        <p:cNvGrpSpPr/>
-        <p:nvPr/>
-      </p:nvGrpSpPr>
-      <p:grpSpPr>
-        <a:xfrm>
-          <a:off x="0" y="0"/>
-          <a:ext cx="0" cy="0"/>
-          <a:chOff x="0" y="0"/>
-          <a:chExt cx="0" cy="0"/>
-        </a:xfrm>
-      </p:grpSpPr>
-      <p:sp>
-        <p:nvSpPr>
-          <p:cNvPr id="2" name="标题 1"/>
-          <p:cNvSpPr>
-            <a:spLocks noGrp="1"/>
-          </p:cNvSpPr>
-          <p:nvPr>
-            <p:ph type="title"/>
-          </p:nvPr>
-        </p:nvSpPr>
-        <p:spPr>
-          <a:xfrm>
-            <a:off x="457201" y="204787"/>
-            <a:ext cx="3008313" cy="871538"/>
-          </a:xfrm>
-        </p:spPr>
-        <p:txBody>
-          <a:bodyPr anchor="b"/>
-          <a:lstStyle>
-            <a:lvl1pPr algn="l">
-              <a:defRPr sz="2000" b="1"/>
-            </a:lvl1pPr>
-          </a:lstStyle>
-          <a:p>
-            <a:r>
-              <a:rPr lang="zh-CN" altLang="en-US"/>
-              <a:t>单击此处编辑母版标题样式</a:t>
-            </a:r>
-          </a:p>
-        </p:txBody>
-      </p:sp>
-      <p:sp>
-        <p:nvSpPr>
-          <p:cNvPr id="3" name="内容占位符 2"/>
-          <p:cNvSpPr>
-            <a:spLocks noGrp="1"/>
-          </p:cNvSpPr>
-          <p:nvPr>
-            <p:ph idx="1"/>
-          </p:nvPr>
-        </p:nvSpPr>
-        <p:spPr>
-          <a:xfrm>
-            <a:off x="3575050" y="204788"/>
-            <a:ext cx="5111750" cy="4389835"/>
-          </a:xfrm>
-        </p:spPr>
-        <p:txBody>
-          <a:bodyPr/>
-          <a:lstStyle>
-            <a:lvl1pPr>
-              <a:defRPr sz="3200"/>
-            </a:lvl1pPr>
-            <a:lvl2pPr>
-              <a:defRPr sz="2800"/>
-            </a:lvl2pPr>
-            <a:lvl3pPr>
-              <a:defRPr sz="2400"/>
-            </a:lvl3pPr>
-            <a:lvl4pPr>
-              <a:defRPr sz="2000"/>
-            </a:lvl4pPr>
-            <a:lvl5pPr>
-              <a:defRPr sz="2000"/>
-            </a:lvl5pPr>
-            <a:lvl6pPr>
-              <a:defRPr sz="2000"/>
-            </a:lvl6pPr>
-            <a:lvl7pPr>
-              <a:defRPr sz="2000"/>
-            </a:lvl7pPr>
-            <a:lvl8pPr>
-              <a:defRPr sz="2000"/>
-            </a:lvl8pPr>
-            <a:lvl9pPr>
-              <a:defRPr sz="2000"/>
-            </a:lvl9pPr>
-          </a:lstStyle>
-          <a:p>
-            <a:pPr lvl="0"/>
-            <a:r>
-              <a:rPr lang="zh-CN" altLang="en-US"/>
-              <a:t>单击此处编辑母版文本样式</a:t>
-            </a:r>
-          </a:p>
-          <a:p>
-            <a:pPr lvl="1"/>
-            <a:r>
-              <a:rPr lang="zh-CN" altLang="en-US"/>
-              <a:t>第二级</a:t>
-            </a:r>
-          </a:p>
-          <a:p>
-            <a:pPr lvl="2"/>
-            <a:r>
-              <a:rPr lang="zh-CN" altLang="en-US"/>
-              <a:t>第三级</a:t>
-            </a:r>
-          </a:p>
-          <a:p>
-            <a:pPr lvl="3"/>
-            <a:r>
-              <a:rPr lang="zh-CN" altLang="en-US"/>
-              <a:t>第四级</a:t>
-            </a:r>
-          </a:p>
-          <a:p>
-            <a:pPr lvl="4"/>
-            <a:r>
-              <a:rPr lang="zh-CN" altLang="en-US"/>
-              <a:t>第五级</a:t>
-            </a:r>
-          </a:p>
-        </p:txBody>
-      </p:sp>
-      <p:sp>
-        <p:nvSpPr>
-          <p:cNvPr id="4" name="文本占位符 3"/>
-          <p:cNvSpPr>
-            <a:spLocks noGrp="1"/>
-          </p:cNvSpPr>
-          <p:nvPr>
-            <p:ph type="body" sz="half" idx="2"/>
-          </p:nvPr>
-        </p:nvSpPr>
-        <p:spPr>
-          <a:xfrm>
-            <a:off x="457201" y="1076326"/>
-            <a:ext cx="3008313" cy="3518297"/>
-          </a:xfrm>
-        </p:spPr>
-        <p:txBody>
-          <a:bodyPr/>
-          <a:lstStyle>
-            <a:lvl1pPr marL="0" indent="0">
-              <a:buNone/>
-              <a:defRPr sz="1400"/>
-            </a:lvl1pPr>
-            <a:lvl2pPr marL="457200" indent="0">
-              <a:buNone/>
-              <a:defRPr sz="1200"/>
-            </a:lvl2pPr>
-            <a:lvl3pPr marL="914400" indent="0">
-              <a:buNone/>
-              <a:defRPr sz="1000"/>
-            </a:lvl3pPr>
-            <a:lvl4pPr marL="1371600" indent="0">
-              <a:buNone/>
-              <a:defRPr sz="900"/>
-            </a:lvl4pPr>
-            <a:lvl5pPr marL="1828800" indent="0">
-              <a:buNone/>
-              <a:defRPr sz="900"/>
-            </a:lvl5pPr>
-            <a:lvl6pPr marL="2286000" indent="0">
-              <a:buNone/>
-              <a:defRPr sz="900"/>
-            </a:lvl6pPr>
-            <a:lvl7pPr marL="2743200" indent="0">
-              <a:buNone/>
-              <a:defRPr sz="900"/>
-            </a:lvl7pPr>
-            <a:lvl8pPr marL="3200400" indent="0">
-              <a:buNone/>
-              <a:defRPr sz="900"/>
-            </a:lvl8pPr>
-            <a:lvl9pPr marL="3657600" indent="0">
-              <a:buNone/>
-              <a:defRPr sz="900"/>
-            </a:lvl9pPr>
-          </a:lstStyle>
-          <a:p>
-            <a:pPr lvl="0"/>
-            <a:r>
-              <a:rPr lang="zh-CN" altLang="en-US"/>
-              <a:t>单击此处编辑母版文本样式</a:t>
-            </a:r>
-          </a:p>
-        </p:txBody>
-      </p:sp>
-      <p:sp>
-        <p:nvSpPr>
-          <p:cNvPr id="5" name="日期占位符 4"/>
-          <p:cNvSpPr>
-            <a:spLocks noGrp="1"/>
-          </p:cNvSpPr>
-          <p:nvPr>
-            <p:ph type="dt" sz="half" idx="10"/>
-          </p:nvPr>
-        </p:nvSpPr>
-        <p:spPr/>
-        <p:txBody>
-          <a:bodyPr/>
-          <a:lstStyle/>
-          <a:p>
-            <a:fld id="{530820CF-B880-4189-942D-D702A7CBA730}" type="datetimeFigureOut">
-              <a:rPr lang="zh-CN" altLang="en-US" smtClean="0"/>
-              <a:t>2020/10/12</a:t>
-            </a:fld>
-            <a:endParaRPr lang="zh-CN" altLang="en-US"/>
-          </a:p>
-        </p:txBody>
-      </p:sp>
-      <p:sp>
-        <p:nvSpPr>
-          <p:cNvPr id="6" name="页脚占位符 5"/>
-          <p:cNvSpPr>
-            <a:spLocks noGrp="1"/>
-          </p:cNvSpPr>
-          <p:nvPr>
-            <p:ph type="ftr" sz="quarter" idx="11"/>
-          </p:nvPr>
-        </p:nvSpPr>
-        <p:spPr/>
-        <p:txBody>
-          <a:bodyPr/>
-          <a:lstStyle/>
-          <a:p>
-            <a:endParaRPr lang="zh-CN" altLang="en-US"/>
-          </a:p>
-        </p:txBody>
-      </p:sp>
-      <p:sp>
-        <p:nvSpPr>
-          <p:cNvPr id="7" name="灯片编号占位符 6"/>
-          <p:cNvSpPr>
-            <a:spLocks noGrp="1"/>
-          </p:cNvSpPr>
-          <p:nvPr>
-            <p:ph type="sldNum" sz="quarter" idx="12"/>
-          </p:nvPr>
-        </p:nvSpPr>
-        <p:spPr/>
-        <p:txBody>
-          <a:bodyPr/>
-          <a:lstStyle/>
-          <a:p>
-            <a:fld id="{0C913308-F349-4B6D-A68A-DD1791B4A57B}" type="slidenum">
-              <a:rPr lang="zh-CN" altLang="en-US" smtClean="0"/>
-              <a:t>‹#›</a:t>
-            </a:fld>
-            <a:endParaRPr lang="zh-CN" altLang="en-US"/>
-          </a:p>
-        </p:txBody>
-      </p:sp>
-    </p:spTree>
-  </p:cSld>
-  <p:clrMapOvr>
-    <a:masterClrMapping/>
-  </p:clrMapOvr>
-</p:sldLayout>
-</file>
-
-<file path=ppt/slideLayouts/slideLayout9.xml><?xml version="1.0" encoding="utf-8"?>
-<p:sldLayout xmlns:a="http://schemas.openxmlformats.org/drawingml/2006/main" xmlns:r="http://schemas.openxmlformats.org/officeDocument/2006/relationships" xmlns:p="http://schemas.openxmlformats.org/presentationml/2006/main" type="picTx" preserve="1">
-  <p:cSld name="图片与标题">
-    <p:spTree>
-      <p:nvGrpSpPr>
-        <p:cNvPr id="1" name=""/>
-        <p:cNvGrpSpPr/>
-        <p:nvPr/>
-      </p:nvGrpSpPr>
-      <p:grpSpPr>
-        <a:xfrm>
-          <a:off x="0" y="0"/>
-          <a:ext cx="0" cy="0"/>
-          <a:chOff x="0" y="0"/>
-          <a:chExt cx="0" cy="0"/>
-        </a:xfrm>
-      </p:grpSpPr>
-      <p:sp>
-        <p:nvSpPr>
-          <p:cNvPr id="2" name="标题 1"/>
-          <p:cNvSpPr>
-            <a:spLocks noGrp="1"/>
-          </p:cNvSpPr>
-          <p:nvPr>
-            <p:ph type="title"/>
-          </p:nvPr>
-        </p:nvSpPr>
-        <p:spPr>
-          <a:xfrm>
-            <a:off x="1792288" y="3600450"/>
-            <a:ext cx="5486400" cy="425054"/>
-          </a:xfrm>
-        </p:spPr>
-        <p:txBody>
-          <a:bodyPr anchor="b"/>
-          <a:lstStyle>
-            <a:lvl1pPr algn="l">
-              <a:defRPr sz="2000" b="1"/>
-            </a:lvl1pPr>
-          </a:lstStyle>
-          <a:p>
-            <a:r>
-              <a:rPr lang="zh-CN" altLang="en-US"/>
-              <a:t>单击此处编辑母版标题样式</a:t>
-            </a:r>
-          </a:p>
-        </p:txBody>
-      </p:sp>
-      <p:sp>
-        <p:nvSpPr>
-          <p:cNvPr id="3" name="图片占位符 2"/>
-          <p:cNvSpPr>
-            <a:spLocks noGrp="1"/>
-          </p:cNvSpPr>
-          <p:nvPr>
-            <p:ph type="pic" idx="1"/>
-          </p:nvPr>
-        </p:nvSpPr>
-        <p:spPr>
-          <a:xfrm>
-            <a:off x="1792288" y="459581"/>
-            <a:ext cx="5486400" cy="3086100"/>
-          </a:xfrm>
-        </p:spPr>
-        <p:txBody>
-          <a:bodyPr/>
-          <a:lstStyle>
-            <a:lvl1pPr marL="0" indent="0">
-              <a:buNone/>
-              <a:defRPr sz="3200"/>
-            </a:lvl1pPr>
-            <a:lvl2pPr marL="457200" indent="0">
-              <a:buNone/>
-              <a:defRPr sz="2800"/>
-            </a:lvl2pPr>
-            <a:lvl3pPr marL="914400" indent="0">
-              <a:buNone/>
-              <a:defRPr sz="2400"/>
-            </a:lvl3pPr>
-            <a:lvl4pPr marL="1371600" indent="0">
-              <a:buNone/>
-              <a:defRPr sz="2000"/>
-            </a:lvl4pPr>
-            <a:lvl5pPr marL="1828800" indent="0">
-              <a:buNone/>
-              <a:defRPr sz="2000"/>
-            </a:lvl5pPr>
-            <a:lvl6pPr marL="2286000" indent="0">
-              <a:buNone/>
-              <a:defRPr sz="2000"/>
-            </a:lvl6pPr>
-            <a:lvl7pPr marL="2743200" indent="0">
-              <a:buNone/>
-              <a:defRPr sz="2000"/>
-            </a:lvl7pPr>
-            <a:lvl8pPr marL="3200400" indent="0">
-              <a:buNone/>
-              <a:defRPr sz="2000"/>
-            </a:lvl8pPr>
-            <a:lvl9pPr marL="3657600" indent="0">
-              <a:buNone/>
-              <a:defRPr sz="2000"/>
-            </a:lvl9pPr>
-          </a:lstStyle>
-          <a:p>
-            <a:r>
-              <a:rPr lang="zh-CN" altLang="en-US"/>
-              <a:t>单击图标添加图片</a:t>
-            </a:r>
-          </a:p>
-        </p:txBody>
-      </p:sp>
-      <p:sp>
-        <p:nvSpPr>
-          <p:cNvPr id="4" name="文本占位符 3"/>
-          <p:cNvSpPr>
-            <a:spLocks noGrp="1"/>
-          </p:cNvSpPr>
-          <p:nvPr>
-            <p:ph type="body" sz="half" idx="2"/>
-          </p:nvPr>
-        </p:nvSpPr>
-        <p:spPr>
-          <a:xfrm>
-            <a:off x="1792288" y="4025503"/>
-            <a:ext cx="5486400" cy="603647"/>
-          </a:xfrm>
-        </p:spPr>
-        <p:txBody>
-          <a:bodyPr/>
-          <a:lstStyle>
-            <a:lvl1pPr marL="0" indent="0">
-              <a:buNone/>
-              <a:defRPr sz="1400"/>
-            </a:lvl1pPr>
-            <a:lvl2pPr marL="457200" indent="0">
-              <a:buNone/>
-              <a:defRPr sz="1200"/>
-            </a:lvl2pPr>
-            <a:lvl3pPr marL="914400" indent="0">
-              <a:buNone/>
-              <a:defRPr sz="1000"/>
-            </a:lvl3pPr>
-            <a:lvl4pPr marL="1371600" indent="0">
-              <a:buNone/>
-              <a:defRPr sz="900"/>
-            </a:lvl4pPr>
-            <a:lvl5pPr marL="1828800" indent="0">
-              <a:buNone/>
-              <a:defRPr sz="900"/>
-            </a:lvl5pPr>
-            <a:lvl6pPr marL="2286000" indent="0">
-              <a:buNone/>
-              <a:defRPr sz="900"/>
-            </a:lvl6pPr>
-            <a:lvl7pPr marL="2743200" indent="0">
-              <a:buNone/>
-              <a:defRPr sz="900"/>
-            </a:lvl7pPr>
-            <a:lvl8pPr marL="3200400" indent="0">
-              <a:buNone/>
-              <a:defRPr sz="900"/>
-            </a:lvl8pPr>
-            <a:lvl9pPr marL="3657600" indent="0">
-              <a:buNone/>
-              <a:defRPr sz="900"/>
-            </a:lvl9pPr>
-          </a:lstStyle>
-          <a:p>
-            <a:pPr lvl="0"/>
-            <a:r>
-              <a:rPr lang="zh-CN" altLang="en-US"/>
-              <a:t>单击此处编辑母版文本样式</a:t>
-            </a:r>
-          </a:p>
-        </p:txBody>
-      </p:sp>
-      <p:sp>
-        <p:nvSpPr>
-          <p:cNvPr id="5" name="日期占位符 4"/>
-          <p:cNvSpPr>
-            <a:spLocks noGrp="1"/>
-          </p:cNvSpPr>
-          <p:nvPr>
-            <p:ph type="dt" sz="half" idx="10"/>
-          </p:nvPr>
-        </p:nvSpPr>
-        <p:spPr/>
-        <p:txBody>
-          <a:bodyPr/>
-          <a:lstStyle/>
-          <a:p>
-            <a:fld id="{530820CF-B880-4189-942D-D702A7CBA730}" type="datetimeFigureOut">
-              <a:rPr lang="zh-CN" altLang="en-US" smtClean="0"/>
-              <a:t>2020/10/12</a:t>
-            </a:fld>
-            <a:endParaRPr lang="zh-CN" altLang="en-US"/>
-          </a:p>
-        </p:txBody>
-      </p:sp>
-      <p:sp>
-        <p:nvSpPr>
-          <p:cNvPr id="6" name="页脚占位符 5"/>
-          <p:cNvSpPr>
-            <a:spLocks noGrp="1"/>
-          </p:cNvSpPr>
-          <p:nvPr>
-            <p:ph type="ftr" sz="quarter" idx="11"/>
-          </p:nvPr>
-        </p:nvSpPr>
-        <p:spPr/>
-        <p:txBody>
-          <a:bodyPr/>
-          <a:lstStyle/>
-          <a:p>
-            <a:endParaRPr lang="zh-CN" altLang="en-US"/>
-          </a:p>
-        </p:txBody>
-      </p:sp>
-      <p:sp>
-        <p:nvSpPr>
-          <p:cNvPr id="7" name="灯片编号占位符 6"/>
           <p:cNvSpPr>
             <a:spLocks noGrp="1"/>
           </p:cNvSpPr>
@@ -4155,7 +3488,7 @@
           <a:p>
             <a:fld id="{530820CF-B880-4189-942D-D702A7CBA730}" type="datetimeFigureOut">
               <a:rPr lang="zh-CN" altLang="en-US" smtClean="0"/>
-              <a:t>2020/10/12</a:t>
+              <a:t>2020/10/13</a:t>
             </a:fld>
             <a:endParaRPr lang="zh-CN" altLang="en-US"/>
           </a:p>
@@ -4249,11 +3582,6 @@
     <p:sldLayoutId id="2147483664" r:id="rId4"/>
     <p:sldLayoutId id="2147483665" r:id="rId5"/>
     <p:sldLayoutId id="2147483666" r:id="rId6"/>
-    <p:sldLayoutId id="2147483667" r:id="rId7"/>
-    <p:sldLayoutId id="2147483668" r:id="rId8"/>
-    <p:sldLayoutId id="2147483669" r:id="rId9"/>
-    <p:sldLayoutId id="2147483670" r:id="rId10"/>
-    <p:sldLayoutId id="2147483671" r:id="rId11"/>
   </p:sldLayoutIdLst>
   <p:txStyles>
     <p:titleStyle>
@@ -4881,7 +4209,7 @@
       </p:grpSpPr>
       <p:sp>
         <p:nvSpPr>
-          <p:cNvPr id="3" name="内容占位符 2"/>
+          <p:cNvPr id="2" name="内容占位符 1"/>
           <p:cNvSpPr>
             <a:spLocks noGrp="1"/>
           </p:cNvSpPr>
@@ -4891,494 +4219,8 @@
         </p:nvSpPr>
         <p:spPr>
           <a:xfrm>
-            <a:off x="237258" y="699542"/>
-            <a:ext cx="8229600" cy="4210013"/>
-          </a:xfrm>
-        </p:spPr>
-        <p:txBody>
-          <a:bodyPr>
-            <a:normAutofit fontScale="55000" lnSpcReduction="20000"/>
-          </a:bodyPr>
-          <a:lstStyle/>
-          <a:p>
-            <a:pPr lvl="1">
-              <a:lnSpc>
-                <a:spcPct val="150000"/>
-              </a:lnSpc>
-              <a:buFont typeface="Arial" panose="020B0604020202020204" pitchFamily="34" charset="0"/>
-              <a:buChar char="•"/>
-            </a:pPr>
-            <a:r>
-              <a:rPr lang="zh-CN" altLang="en-US" sz="2600" dirty="0">
-                <a:latin typeface="+mn-ea"/>
-              </a:rPr>
-              <a:t>显示当前运行的虚拟设备：</a:t>
-            </a:r>
-            <a:r>
-              <a:rPr lang="en-US" altLang="zh-CN" sz="2600" dirty="0">
-                <a:latin typeface="+mn-ea"/>
-              </a:rPr>
-              <a:t>adb devices</a:t>
-            </a:r>
-          </a:p>
-          <a:p>
-            <a:pPr lvl="1">
-              <a:lnSpc>
-                <a:spcPct val="150000"/>
-              </a:lnSpc>
-              <a:buFont typeface="Arial" panose="020B0604020202020204" pitchFamily="34" charset="0"/>
-              <a:buChar char="•"/>
-            </a:pPr>
-            <a:r>
-              <a:rPr lang="zh-CN" altLang="en-US" sz="2600" dirty="0">
-                <a:latin typeface="+mn-ea"/>
-              </a:rPr>
-              <a:t>查看adb所支持的所有命令：</a:t>
-            </a:r>
-            <a:r>
-              <a:rPr lang="en-US" altLang="zh-CN" sz="2600" dirty="0" err="1">
-                <a:latin typeface="+mn-ea"/>
-              </a:rPr>
-              <a:t>adb</a:t>
-            </a:r>
-            <a:r>
-              <a:rPr lang="en-US" altLang="zh-CN" sz="2600" dirty="0">
-                <a:latin typeface="+mn-ea"/>
-              </a:rPr>
-              <a:t> –-help</a:t>
-            </a:r>
-          </a:p>
-          <a:p>
-            <a:pPr lvl="1">
-              <a:lnSpc>
-                <a:spcPct val="150000"/>
-              </a:lnSpc>
-              <a:buFont typeface="Arial" panose="020B0604020202020204" pitchFamily="34" charset="0"/>
-              <a:buChar char="•"/>
-            </a:pPr>
-            <a:r>
-              <a:rPr lang="zh-CN" altLang="en-US" sz="2600" dirty="0">
-                <a:latin typeface="+mn-ea"/>
-              </a:rPr>
-              <a:t>查看adb的版本序列号：adb version	</a:t>
-            </a:r>
-            <a:endParaRPr lang="en-US" altLang="zh-CN" sz="2600" dirty="0">
-              <a:latin typeface="+mn-ea"/>
-            </a:endParaRPr>
-          </a:p>
-          <a:p>
-            <a:pPr lvl="1">
-              <a:lnSpc>
-                <a:spcPct val="150000"/>
-              </a:lnSpc>
-              <a:buFont typeface="Arial" panose="020B0604020202020204" pitchFamily="34" charset="0"/>
-              <a:buChar char="•"/>
-            </a:pPr>
-            <a:r>
-              <a:rPr lang="zh-CN" altLang="en-US" sz="2600" dirty="0">
-                <a:latin typeface="+mn-ea"/>
-              </a:rPr>
-              <a:t>在模拟器安装软件：</a:t>
-            </a:r>
-            <a:r>
-              <a:rPr lang="en-US" altLang="zh-CN" sz="2600" dirty="0">
-                <a:latin typeface="+mn-ea"/>
-              </a:rPr>
-              <a:t>adb install –r  *.</a:t>
-            </a:r>
-            <a:r>
-              <a:rPr lang="en-US" altLang="zh-CN" sz="2600" dirty="0" err="1">
-                <a:latin typeface="+mn-ea"/>
-              </a:rPr>
-              <a:t>apk</a:t>
-            </a:r>
-            <a:endParaRPr lang="en-US" altLang="zh-CN" sz="2600" dirty="0">
-              <a:latin typeface="+mn-ea"/>
-            </a:endParaRPr>
-          </a:p>
-          <a:p>
-            <a:pPr lvl="1">
-              <a:lnSpc>
-                <a:spcPct val="150000"/>
-              </a:lnSpc>
-              <a:buFont typeface="Arial" panose="020B0604020202020204" pitchFamily="34" charset="0"/>
-              <a:buChar char="•"/>
-            </a:pPr>
-            <a:r>
-              <a:rPr lang="zh-CN" altLang="en-US" sz="2600" dirty="0">
-                <a:latin typeface="+mn-ea"/>
-              </a:rPr>
-              <a:t>在模拟器卸载软件：</a:t>
-            </a:r>
-            <a:r>
-              <a:rPr lang="en-US" altLang="zh-CN" sz="2600" dirty="0">
-                <a:latin typeface="+mn-ea"/>
-              </a:rPr>
-              <a:t>adb uninstall </a:t>
-            </a:r>
-            <a:r>
-              <a:rPr lang="zh-CN" altLang="en-US" sz="2600" dirty="0">
-                <a:latin typeface="+mn-ea"/>
-              </a:rPr>
-              <a:t>　包名　</a:t>
-            </a:r>
-            <a:endParaRPr lang="en-US" altLang="zh-CN" sz="2600" dirty="0">
-              <a:latin typeface="+mn-ea"/>
-            </a:endParaRPr>
-          </a:p>
-          <a:p>
-            <a:pPr lvl="1">
-              <a:lnSpc>
-                <a:spcPct val="150000"/>
-              </a:lnSpc>
-              <a:buFont typeface="Arial" panose="020B0604020202020204" pitchFamily="34" charset="0"/>
-              <a:buChar char="•"/>
-            </a:pPr>
-            <a:r>
-              <a:rPr lang="zh-CN" altLang="en-US" sz="2600" dirty="0">
-                <a:latin typeface="+mn-ea"/>
-              </a:rPr>
-              <a:t>向模拟器中传输文件：</a:t>
-            </a:r>
-            <a:r>
-              <a:rPr lang="en-US" altLang="zh-CN" sz="2600" dirty="0">
-                <a:latin typeface="+mn-ea"/>
-              </a:rPr>
-              <a:t>adb push</a:t>
-            </a:r>
-          </a:p>
-          <a:p>
-            <a:pPr lvl="1">
-              <a:lnSpc>
-                <a:spcPct val="150000"/>
-              </a:lnSpc>
-              <a:buFont typeface="Arial" panose="020B0604020202020204" pitchFamily="34" charset="0"/>
-              <a:buChar char="•"/>
-            </a:pPr>
-            <a:r>
-              <a:rPr lang="zh-CN" altLang="en-US" sz="2600" dirty="0">
-                <a:latin typeface="+mn-ea"/>
-              </a:rPr>
-              <a:t>从模拟器中获取文件：</a:t>
-            </a:r>
-            <a:r>
-              <a:rPr lang="en-US" altLang="zh-CN" sz="2600" dirty="0">
-                <a:latin typeface="+mn-ea"/>
-              </a:rPr>
-              <a:t>adb pull</a:t>
-            </a:r>
-          </a:p>
-          <a:p>
-            <a:pPr lvl="1">
-              <a:lnSpc>
-                <a:spcPct val="150000"/>
-              </a:lnSpc>
-              <a:buFont typeface="Arial" panose="020B0604020202020204" pitchFamily="34" charset="0"/>
-              <a:buChar char="•"/>
-            </a:pPr>
-            <a:r>
-              <a:rPr lang="zh-CN" altLang="en-US" sz="2600" dirty="0">
-                <a:latin typeface="+mn-ea"/>
-              </a:rPr>
-              <a:t>进入模拟器的</a:t>
-            </a:r>
-            <a:r>
-              <a:rPr lang="en-US" altLang="zh-CN" sz="2600" dirty="0">
-                <a:latin typeface="+mn-ea"/>
-              </a:rPr>
-              <a:t>shell</a:t>
-            </a:r>
-            <a:r>
-              <a:rPr lang="zh-CN" altLang="en-US" sz="2600" dirty="0">
-                <a:latin typeface="+mn-ea"/>
-              </a:rPr>
-              <a:t>模式：</a:t>
-            </a:r>
-            <a:r>
-              <a:rPr lang="en-US" altLang="zh-CN" sz="2600" dirty="0">
-                <a:latin typeface="+mn-ea"/>
-              </a:rPr>
-              <a:t>adb shell</a:t>
-            </a:r>
-          </a:p>
-          <a:p>
-            <a:pPr lvl="1">
-              <a:lnSpc>
-                <a:spcPct val="150000"/>
-              </a:lnSpc>
-              <a:buFont typeface="Arial" panose="020B0604020202020204" pitchFamily="34" charset="0"/>
-              <a:buChar char="•"/>
-            </a:pPr>
-            <a:r>
-              <a:rPr lang="zh-CN" altLang="en-US" sz="2600" dirty="0">
-                <a:latin typeface="+mn-ea"/>
-              </a:rPr>
-              <a:t>重启</a:t>
-            </a:r>
-            <a:r>
-              <a:rPr lang="en-US" altLang="zh-CN" sz="2600" dirty="0">
-                <a:latin typeface="+mn-ea"/>
-              </a:rPr>
-              <a:t>server</a:t>
-            </a:r>
-            <a:r>
-              <a:rPr lang="zh-CN" altLang="en-US" sz="2600" dirty="0">
-                <a:latin typeface="+mn-ea"/>
-              </a:rPr>
-              <a:t>：</a:t>
-            </a:r>
-            <a:r>
-              <a:rPr lang="en-US" altLang="zh-CN" sz="2600" dirty="0">
-                <a:latin typeface="+mn-ea"/>
-              </a:rPr>
-              <a:t>adb start-server</a:t>
-            </a:r>
-          </a:p>
-          <a:p>
-            <a:pPr lvl="1">
-              <a:lnSpc>
-                <a:spcPct val="150000"/>
-              </a:lnSpc>
-              <a:buFont typeface="Arial" panose="020B0604020202020204" pitchFamily="34" charset="0"/>
-              <a:buChar char="•"/>
-            </a:pPr>
-            <a:r>
-              <a:rPr lang="zh-CN" altLang="en-US" sz="2600" dirty="0">
-                <a:latin typeface="+mn-ea"/>
-              </a:rPr>
-              <a:t>关闭</a:t>
-            </a:r>
-            <a:r>
-              <a:rPr lang="en-US" altLang="zh-CN" sz="2600" dirty="0">
-                <a:latin typeface="+mn-ea"/>
-              </a:rPr>
-              <a:t>server</a:t>
-            </a:r>
-            <a:r>
-              <a:rPr lang="zh-CN" altLang="en-US" sz="2600" dirty="0">
-                <a:latin typeface="+mn-ea"/>
-              </a:rPr>
-              <a:t>：</a:t>
-            </a:r>
-            <a:r>
-              <a:rPr lang="en-US" altLang="zh-CN" sz="2600" dirty="0" err="1">
-                <a:latin typeface="+mn-ea"/>
-              </a:rPr>
-              <a:t>adb</a:t>
-            </a:r>
-            <a:r>
-              <a:rPr lang="en-US" altLang="zh-CN" sz="2600" dirty="0">
-                <a:latin typeface="+mn-ea"/>
-              </a:rPr>
-              <a:t> kill-server</a:t>
-            </a:r>
-          </a:p>
-          <a:p>
-            <a:pPr lvl="1">
-              <a:lnSpc>
-                <a:spcPct val="150000"/>
-              </a:lnSpc>
-              <a:buFont typeface="Arial" panose="020B0604020202020204" pitchFamily="34" charset="0"/>
-              <a:buChar char="•"/>
-            </a:pPr>
-            <a:r>
-              <a:rPr lang="zh-CN" altLang="en-US" sz="2600" dirty="0">
-                <a:latin typeface="+mn-ea"/>
-              </a:rPr>
-              <a:t>让 </a:t>
-            </a:r>
-            <a:r>
-              <a:rPr lang="en-US" altLang="zh-CN" sz="2600" dirty="0">
-                <a:latin typeface="+mn-ea"/>
-              </a:rPr>
-              <a:t>Android </a:t>
-            </a:r>
-            <a:r>
-              <a:rPr lang="zh-CN" altLang="en-US" sz="2600" dirty="0">
-                <a:latin typeface="+mn-ea"/>
-              </a:rPr>
-              <a:t>脱离 </a:t>
-            </a:r>
-            <a:r>
-              <a:rPr lang="en-US" altLang="zh-CN" sz="2600" dirty="0">
-                <a:latin typeface="+mn-ea"/>
-              </a:rPr>
-              <a:t>USB </a:t>
-            </a:r>
-            <a:r>
-              <a:rPr lang="zh-CN" altLang="en-US" sz="2600" dirty="0">
-                <a:latin typeface="+mn-ea"/>
-              </a:rPr>
-              <a:t>线的 </a:t>
-            </a:r>
-            <a:r>
-              <a:rPr lang="en-US" altLang="zh-CN" sz="2600" dirty="0">
-                <a:latin typeface="+mn-ea"/>
-              </a:rPr>
-              <a:t>TCP </a:t>
-            </a:r>
-            <a:r>
-              <a:rPr lang="zh-CN" altLang="en-US" sz="2600" dirty="0">
-                <a:latin typeface="+mn-ea"/>
-              </a:rPr>
-              <a:t>连接方式：</a:t>
-            </a:r>
-            <a:r>
-              <a:rPr lang="en-US" altLang="zh-CN" sz="2600" dirty="0">
-                <a:latin typeface="+mn-ea"/>
-              </a:rPr>
-              <a:t> </a:t>
-            </a:r>
-            <a:r>
-              <a:rPr lang="en-US" altLang="zh-CN" sz="2600" dirty="0" err="1">
-                <a:latin typeface="+mn-ea"/>
-              </a:rPr>
-              <a:t>adb</a:t>
-            </a:r>
-            <a:r>
-              <a:rPr lang="en-US" altLang="zh-CN" sz="2600" dirty="0">
-                <a:latin typeface="+mn-ea"/>
-              </a:rPr>
-              <a:t> </a:t>
-            </a:r>
-            <a:r>
-              <a:rPr lang="en-US" altLang="zh-CN" sz="2600" dirty="0" err="1">
-                <a:latin typeface="+mn-ea"/>
-              </a:rPr>
-              <a:t>tcpip</a:t>
-            </a:r>
-            <a:endParaRPr lang="en-US" altLang="zh-CN" sz="2600" dirty="0">
-              <a:latin typeface="+mn-ea"/>
-            </a:endParaRPr>
-          </a:p>
-          <a:p>
-            <a:pPr lvl="1">
-              <a:lnSpc>
-                <a:spcPct val="150000"/>
-              </a:lnSpc>
-              <a:buFont typeface="Arial" panose="020B0604020202020204" pitchFamily="34" charset="0"/>
-              <a:buChar char="•"/>
-            </a:pPr>
-            <a:r>
-              <a:rPr lang="zh-CN" altLang="en-US" sz="2600" dirty="0">
-                <a:latin typeface="+mn-ea"/>
-              </a:rPr>
-              <a:t>连接开启了 </a:t>
-            </a:r>
-            <a:r>
-              <a:rPr lang="en-US" altLang="zh-CN" sz="2600" dirty="0">
-                <a:latin typeface="+mn-ea"/>
-              </a:rPr>
-              <a:t>TCP </a:t>
-            </a:r>
-            <a:r>
-              <a:rPr lang="zh-CN" altLang="en-US" sz="2600" dirty="0">
-                <a:latin typeface="+mn-ea"/>
-              </a:rPr>
-              <a:t>连接方式的手机：</a:t>
-            </a:r>
-            <a:r>
-              <a:rPr lang="en-US" altLang="zh-CN" sz="2600" dirty="0">
-                <a:latin typeface="+mn-ea"/>
-              </a:rPr>
-              <a:t> </a:t>
-            </a:r>
-            <a:r>
-              <a:rPr lang="en-US" altLang="zh-CN" sz="2600" dirty="0" err="1">
-                <a:latin typeface="+mn-ea"/>
-              </a:rPr>
-              <a:t>adb</a:t>
-            </a:r>
-            <a:r>
-              <a:rPr lang="en-US" altLang="zh-CN" sz="2600" dirty="0">
-                <a:latin typeface="+mn-ea"/>
-              </a:rPr>
-              <a:t> connect</a:t>
-            </a:r>
-          </a:p>
-          <a:p>
-            <a:pPr lvl="1">
-              <a:lnSpc>
-                <a:spcPct val="150000"/>
-              </a:lnSpc>
-              <a:buFont typeface="Arial" panose="020B0604020202020204" pitchFamily="34" charset="0"/>
-              <a:buChar char="•"/>
-            </a:pPr>
-            <a:r>
-              <a:rPr lang="zh-CN" altLang="en-US" sz="2600" dirty="0">
-                <a:latin typeface="+mn-ea"/>
-              </a:rPr>
-              <a:t>收集日志数据，用于后续的分析，比如耗电量：</a:t>
-            </a:r>
-            <a:r>
-              <a:rPr lang="en-US" altLang="zh-CN" sz="2600" dirty="0">
-                <a:latin typeface="+mn-ea"/>
-              </a:rPr>
-              <a:t> </a:t>
-            </a:r>
-            <a:r>
-              <a:rPr lang="en-US" altLang="zh-CN" sz="2600" dirty="0" err="1">
-                <a:latin typeface="+mn-ea"/>
-              </a:rPr>
-              <a:t>adb</a:t>
-            </a:r>
-            <a:r>
-              <a:rPr lang="en-US" altLang="zh-CN" sz="2600" dirty="0">
-                <a:latin typeface="+mn-ea"/>
-              </a:rPr>
-              <a:t> </a:t>
-            </a:r>
-            <a:r>
-              <a:rPr lang="en-US" altLang="zh-CN" sz="2600" dirty="0" err="1">
-                <a:latin typeface="+mn-ea"/>
-              </a:rPr>
-              <a:t>bugreport</a:t>
-            </a:r>
-            <a:endParaRPr lang="en-US" altLang="zh-CN" sz="2600" dirty="0">
-              <a:latin typeface="+mn-ea"/>
-            </a:endParaRPr>
-          </a:p>
-          <a:p>
-            <a:pPr lvl="1">
-              <a:lnSpc>
-                <a:spcPct val="90000"/>
-              </a:lnSpc>
-            </a:pPr>
-            <a:endParaRPr lang="en-US" altLang="zh-CN" sz="2000" dirty="0">
-              <a:latin typeface="华文楷体" panose="02010600040101010101" pitchFamily="2" charset="-122"/>
-              <a:ea typeface="华文楷体" panose="02010600040101010101" pitchFamily="2" charset="-122"/>
-            </a:endParaRPr>
-          </a:p>
-          <a:p>
-            <a:pPr lvl="1">
-              <a:lnSpc>
-                <a:spcPct val="90000"/>
-              </a:lnSpc>
-            </a:pPr>
-            <a:endParaRPr lang="en-US" altLang="zh-CN" sz="2000" dirty="0">
-              <a:latin typeface="华文楷体" panose="02010600040101010101" pitchFamily="2" charset="-122"/>
-              <a:ea typeface="华文楷体" panose="02010600040101010101" pitchFamily="2" charset="-122"/>
-            </a:endParaRPr>
-          </a:p>
-          <a:p>
-            <a:endParaRPr lang="zh-CN" altLang="en-US" dirty="0"/>
-          </a:p>
-        </p:txBody>
-      </p:sp>
-      <p:sp>
-        <p:nvSpPr>
-          <p:cNvPr id="2" name="标题 1"/>
-          <p:cNvSpPr>
-            <a:spLocks noGrp="1"/>
-          </p:cNvSpPr>
-          <p:nvPr>
-            <p:ph type="title"/>
-          </p:nvPr>
-        </p:nvSpPr>
-        <p:spPr>
-          <a:xfrm>
-            <a:off x="251520" y="-74544"/>
-            <a:ext cx="8229600" cy="857250"/>
+            <a:off x="395536" y="987574"/>
+            <a:ext cx="8568952" cy="3394472"/>
           </a:xfrm>
         </p:spPr>
         <p:txBody>
@@ -5387,98 +4229,242 @@
           </a:bodyPr>
           <a:lstStyle/>
           <a:p>
-            <a:r>
-              <a:rPr lang="zh-CN" altLang="en-US" dirty="0">
+            <a:pPr marL="360000" lvl="1" indent="0">
+              <a:lnSpc>
+                <a:spcPct val="150000"/>
+              </a:lnSpc>
+              <a:spcBef>
+                <a:spcPts val="0"/>
+              </a:spcBef>
+              <a:buFont typeface="Arial" panose="020B0604020202020204" pitchFamily="34" charset="0"/>
+              <a:buChar char="•"/>
+            </a:pPr>
+            <a:r>
+              <a:rPr lang="zh-CN" altLang="en-US" sz="2400" dirty="0">
+                <a:latin typeface="+mn-ea"/>
+              </a:rPr>
+              <a:t>查看adb的版本序列号：</a:t>
+            </a:r>
+            <a:r>
+              <a:rPr lang="en-US" altLang="zh-CN" sz="2400" dirty="0">
+                <a:latin typeface="+mn-ea"/>
+              </a:rPr>
+              <a:t>	</a:t>
+            </a:r>
+            <a:r>
+              <a:rPr lang="zh-CN" altLang="en-US" sz="2400" dirty="0">
+                <a:latin typeface="+mn-ea"/>
+              </a:rPr>
+              <a:t>adb version</a:t>
+            </a:r>
+            <a:endParaRPr lang="en-US" altLang="zh-CN" sz="2400" dirty="0">
+              <a:latin typeface="+mn-ea"/>
+            </a:endParaRPr>
+          </a:p>
+          <a:p>
+            <a:pPr marL="360000" lvl="1" indent="0">
+              <a:lnSpc>
+                <a:spcPct val="150000"/>
+              </a:lnSpc>
+              <a:spcBef>
+                <a:spcPts val="0"/>
+              </a:spcBef>
+              <a:buFont typeface="Arial" panose="020B0604020202020204" pitchFamily="34" charset="0"/>
+              <a:buChar char="•"/>
+            </a:pPr>
+            <a:r>
+              <a:rPr lang="zh-CN" altLang="en-US" sz="2400" dirty="0">
+                <a:latin typeface="+mn-ea"/>
+              </a:rPr>
+              <a:t>显示当前运行的虚拟设备：</a:t>
+            </a:r>
+            <a:r>
+              <a:rPr lang="en-US" altLang="zh-CN" sz="2400" dirty="0">
+                <a:latin typeface="+mn-ea"/>
+              </a:rPr>
+              <a:t>	</a:t>
+            </a:r>
+            <a:r>
+              <a:rPr lang="en-US" altLang="zh-CN" sz="2400" dirty="0" err="1">
+                <a:latin typeface="+mn-ea"/>
+              </a:rPr>
+              <a:t>adb</a:t>
+            </a:r>
+            <a:r>
+              <a:rPr lang="en-US" altLang="zh-CN" sz="2400" dirty="0">
+                <a:latin typeface="+mn-ea"/>
+              </a:rPr>
+              <a:t> devices</a:t>
+            </a:r>
+          </a:p>
+          <a:p>
+            <a:pPr marL="360000" lvl="1" indent="0">
+              <a:lnSpc>
+                <a:spcPct val="150000"/>
+              </a:lnSpc>
+              <a:spcBef>
+                <a:spcPts val="0"/>
+              </a:spcBef>
+              <a:buFont typeface="Arial" panose="020B0604020202020204" pitchFamily="34" charset="0"/>
+              <a:buChar char="•"/>
+            </a:pPr>
+            <a:r>
+              <a:rPr lang="zh-CN" altLang="en-US" sz="2400" dirty="0">
+                <a:latin typeface="+mn-ea"/>
+              </a:rPr>
+              <a:t>查看adb所支持的所有命令：</a:t>
+            </a:r>
+            <a:r>
+              <a:rPr lang="en-US" altLang="zh-CN" sz="2400" dirty="0">
+                <a:latin typeface="+mn-ea"/>
+              </a:rPr>
+              <a:t>	</a:t>
+            </a:r>
+            <a:r>
+              <a:rPr lang="en-US" altLang="zh-CN" sz="2400" dirty="0" err="1">
+                <a:latin typeface="+mn-ea"/>
+              </a:rPr>
+              <a:t>adb</a:t>
+            </a:r>
+            <a:r>
+              <a:rPr lang="en-US" altLang="zh-CN" sz="2400" dirty="0">
+                <a:latin typeface="+mn-ea"/>
+              </a:rPr>
+              <a:t> –-help</a:t>
+            </a:r>
+          </a:p>
+          <a:p>
+            <a:pPr marL="360000" lvl="1" indent="0">
+              <a:lnSpc>
+                <a:spcPct val="160000"/>
+              </a:lnSpc>
+              <a:spcBef>
+                <a:spcPts val="0"/>
+              </a:spcBef>
+              <a:buFont typeface="Arial" panose="020B0604020202020204" pitchFamily="34" charset="0"/>
+              <a:buChar char="•"/>
+            </a:pPr>
+            <a:r>
+              <a:rPr lang="zh-CN" altLang="en-US" sz="2400" dirty="0">
+                <a:latin typeface="+mn-ea"/>
+              </a:rPr>
+              <a:t>启动adb服务进程：	</a:t>
+            </a:r>
+            <a:r>
+              <a:rPr lang="en-US" altLang="zh-CN" sz="2400" dirty="0">
+                <a:latin typeface="+mn-ea"/>
+              </a:rPr>
+              <a:t>	</a:t>
+            </a:r>
+            <a:r>
+              <a:rPr lang="zh-CN" altLang="en-US" sz="2400" dirty="0">
+                <a:latin typeface="+mn-ea"/>
+              </a:rPr>
+              <a:t>adb start-server	</a:t>
+            </a:r>
+            <a:endParaRPr lang="en-US" altLang="zh-CN" sz="2400" dirty="0">
+              <a:latin typeface="+mn-ea"/>
+            </a:endParaRPr>
+          </a:p>
+          <a:p>
+            <a:pPr marL="360000" lvl="1" indent="0">
+              <a:lnSpc>
+                <a:spcPct val="160000"/>
+              </a:lnSpc>
+              <a:spcBef>
+                <a:spcPts val="0"/>
+              </a:spcBef>
+              <a:buFont typeface="Arial" panose="020B0604020202020204" pitchFamily="34" charset="0"/>
+              <a:buChar char="•"/>
+            </a:pPr>
+            <a:r>
+              <a:rPr lang="zh-CN" altLang="en-US" sz="2400" dirty="0">
+                <a:latin typeface="+mn-ea"/>
+              </a:rPr>
+              <a:t>终止adb服务进程：</a:t>
+            </a:r>
+            <a:r>
+              <a:rPr lang="en-US" altLang="zh-CN" sz="2400" dirty="0">
+                <a:latin typeface="+mn-ea"/>
+              </a:rPr>
+              <a:t>		</a:t>
+            </a:r>
+            <a:r>
+              <a:rPr lang="zh-CN" altLang="en-US" sz="2400" dirty="0">
+                <a:latin typeface="+mn-ea"/>
+              </a:rPr>
+              <a:t>adb kill-server	</a:t>
+            </a:r>
+          </a:p>
+        </p:txBody>
+      </p:sp>
+      <p:sp>
+        <p:nvSpPr>
+          <p:cNvPr id="3" name="标题 2"/>
+          <p:cNvSpPr>
+            <a:spLocks noGrp="1"/>
+          </p:cNvSpPr>
+          <p:nvPr>
+            <p:ph type="title"/>
+          </p:nvPr>
+        </p:nvSpPr>
+        <p:spPr>
+          <a:xfrm>
+            <a:off x="230832" y="-20538"/>
+            <a:ext cx="8229600" cy="702078"/>
+          </a:xfrm>
+        </p:spPr>
+        <p:txBody>
+          <a:bodyPr>
+            <a:normAutofit/>
+          </a:bodyPr>
+          <a:lstStyle/>
+          <a:p>
+            <a:pPr lvl="1" algn="ctr" rtl="0">
+              <a:spcBef>
+                <a:spcPct val="0"/>
+              </a:spcBef>
+            </a:pPr>
+            <a:r>
+              <a:rPr lang="zh-CN" altLang="en-US" sz="4000" b="1" kern="1200" dirty="0">
+                <a:solidFill>
+                  <a:schemeClr val="bg1"/>
+                </a:solidFill>
                 <a:latin typeface="+mn-ea"/>
                 <a:ea typeface="+mn-ea"/>
+                <a:cs typeface="+mj-cs"/>
               </a:rPr>
               <a:t>常见</a:t>
             </a:r>
             <a:r>
-              <a:rPr lang="en-US" altLang="zh-CN" dirty="0">
+              <a:rPr lang="en-US" altLang="zh-CN" sz="4000" b="1" kern="1200" dirty="0">
+                <a:solidFill>
+                  <a:schemeClr val="bg1"/>
+                </a:solidFill>
                 <a:latin typeface="+mn-ea"/>
                 <a:ea typeface="+mn-ea"/>
+                <a:cs typeface="+mj-cs"/>
               </a:rPr>
               <a:t>adb</a:t>
             </a:r>
             <a:r>
-              <a:rPr lang="zh-CN" altLang="en-US" dirty="0">
+              <a:rPr lang="zh-CN" altLang="en-US" sz="4000" b="1" kern="1200" dirty="0">
+                <a:solidFill>
+                  <a:schemeClr val="bg1"/>
+                </a:solidFill>
                 <a:latin typeface="+mn-ea"/>
                 <a:ea typeface="+mn-ea"/>
+                <a:cs typeface="+mj-cs"/>
               </a:rPr>
               <a:t>命令</a:t>
             </a:r>
           </a:p>
         </p:txBody>
       </p:sp>
-      <p:pic>
-        <p:nvPicPr>
-          <p:cNvPr id="4" name="Picture 2"/>
-          <p:cNvPicPr>
-            <a:picLocks noChangeAspect="1" noChangeArrowheads="1"/>
-          </p:cNvPicPr>
-          <p:nvPr/>
-        </p:nvPicPr>
-        <p:blipFill>
-          <a:blip r:embed="rId2">
-            <a:extLst>
-              <a:ext uri="{28A0092B-C50C-407E-A947-70E740481C1C}">
-                <a14:useLocalDpi xmlns:a14="http://schemas.microsoft.com/office/drawing/2010/main" val="0"/>
-              </a:ext>
-            </a:extLst>
-          </a:blip>
-          <a:srcRect/>
-          <a:stretch>
-            <a:fillRect/>
-          </a:stretch>
-        </p:blipFill>
-        <p:spPr bwMode="auto">
-          <a:xfrm>
-            <a:off x="4139952" y="2346068"/>
-            <a:ext cx="3838575" cy="1000125"/>
-          </a:xfrm>
-          <a:prstGeom prst="rect">
-            <a:avLst/>
-          </a:prstGeom>
-          <a:noFill/>
-          <a:ln>
-            <a:noFill/>
-          </a:ln>
-          <a:effectLst/>
-          <a:extLst>
-            <a:ext uri="{909E8E84-426E-40DD-AFC4-6F175D3DCCD1}">
-              <a14:hiddenFill xmlns:a14="http://schemas.microsoft.com/office/drawing/2010/main">
-                <a:solidFill>
-                  <a:schemeClr val="accent1"/>
-                </a:solidFill>
-              </a14:hiddenFill>
-            </a:ext>
-            <a:ext uri="{91240B29-F687-4F45-9708-019B960494DF}">
-              <a14:hiddenLine xmlns:a14="http://schemas.microsoft.com/office/drawing/2010/main" w="9525">
-                <a:solidFill>
-                  <a:schemeClr val="tx1"/>
-                </a:solidFill>
-                <a:miter lim="800000"/>
-                <a:headEnd/>
-                <a:tailEnd/>
-              </a14:hiddenLine>
-            </a:ext>
-            <a:ext uri="{AF507438-7753-43E0-B8FC-AC1667EBCBE1}">
-              <a14:hiddenEffects xmlns:a14="http://schemas.microsoft.com/office/drawing/2010/main">
-                <a:effectLst>
-                  <a:outerShdw dist="35921" dir="2700000" algn="ctr" rotWithShape="0">
-                    <a:schemeClr val="bg2"/>
-                  </a:outerShdw>
-                </a:effectLst>
-              </a14:hiddenEffects>
-            </a:ext>
-          </a:extLst>
-        </p:spPr>
-      </p:pic>
     </p:spTree>
     <p:extLst>
       <p:ext uri="{BB962C8B-B14F-4D97-AF65-F5344CB8AC3E}">
-        <p14:creationId xmlns:p14="http://schemas.microsoft.com/office/powerpoint/2010/main" val="300455095"/>
+        <p14:creationId xmlns:p14="http://schemas.microsoft.com/office/powerpoint/2010/main" val="3796182550"/>
       </p:ext>
     </p:extLst>
   </p:cSld>
@@ -5517,12 +4503,14 @@
         </p:nvSpPr>
         <p:spPr>
           <a:xfrm>
-            <a:off x="539552" y="897565"/>
-            <a:ext cx="8229600" cy="3394472"/>
+            <a:off x="539552" y="897564"/>
+            <a:ext cx="8229600" cy="4338481"/>
           </a:xfrm>
         </p:spPr>
         <p:txBody>
-          <a:bodyPr/>
+          <a:bodyPr>
+            <a:normAutofit fontScale="92500" lnSpcReduction="20000"/>
+          </a:bodyPr>
           <a:lstStyle/>
           <a:p>
             <a:pPr marL="342900" lvl="1" indent="-342900">
@@ -5610,6 +4598,101 @@
               </a:rPr>
               <a:t>：表示没有设备连接。</a:t>
             </a:r>
+            <a:endParaRPr lang="en-US" altLang="zh-CN" sz="2400" dirty="0">
+              <a:latin typeface="+mn-ea"/>
+            </a:endParaRPr>
+          </a:p>
+          <a:p>
+            <a:pPr marL="342900" lvl="1" indent="-342900">
+              <a:lnSpc>
+                <a:spcPct val="150000"/>
+              </a:lnSpc>
+              <a:buFont typeface="Arial" pitchFamily="34" charset="0"/>
+              <a:buChar char="•"/>
+            </a:pPr>
+            <a:r>
+              <a:rPr lang="zh-CN" altLang="en-US" dirty="0">
+                <a:latin typeface="+mn-ea"/>
+              </a:rPr>
+              <a:t>获得模拟器的列表 </a:t>
+            </a:r>
+            <a:endParaRPr lang="en-US" altLang="zh-CN" dirty="0">
+              <a:latin typeface="+mn-ea"/>
+            </a:endParaRPr>
+          </a:p>
+          <a:p>
+            <a:pPr marL="400050" lvl="2" indent="0">
+              <a:lnSpc>
+                <a:spcPct val="150000"/>
+              </a:lnSpc>
+              <a:buNone/>
+            </a:pPr>
+            <a:r>
+              <a:rPr lang="en-US" altLang="zh-CN" dirty="0">
+                <a:latin typeface="+mn-ea"/>
+              </a:rPr>
+              <a:t>emulator -list-</a:t>
+            </a:r>
+            <a:r>
+              <a:rPr lang="en-US" altLang="zh-CN" dirty="0" err="1">
+                <a:latin typeface="+mn-ea"/>
+              </a:rPr>
+              <a:t>avds</a:t>
+            </a:r>
+            <a:endParaRPr lang="en-US" altLang="zh-CN" dirty="0">
+              <a:latin typeface="+mn-ea"/>
+            </a:endParaRPr>
+          </a:p>
+          <a:p>
+            <a:pPr marL="342900" lvl="1" indent="-342900">
+              <a:lnSpc>
+                <a:spcPct val="150000"/>
+              </a:lnSpc>
+              <a:buFont typeface="Arial" pitchFamily="34" charset="0"/>
+              <a:buChar char="•"/>
+            </a:pPr>
+            <a:r>
+              <a:rPr lang="zh-CN" altLang="en-US" dirty="0">
+                <a:latin typeface="+mn-ea"/>
+              </a:rPr>
+              <a:t>启动模拟器 </a:t>
+            </a:r>
+            <a:endParaRPr lang="en-US" altLang="zh-CN" dirty="0">
+              <a:latin typeface="+mn-ea"/>
+            </a:endParaRPr>
+          </a:p>
+          <a:p>
+            <a:pPr marL="400050" lvl="2" indent="0">
+              <a:lnSpc>
+                <a:spcPct val="150000"/>
+              </a:lnSpc>
+              <a:buNone/>
+            </a:pPr>
+            <a:r>
+              <a:rPr lang="en-US" altLang="zh-CN" dirty="0">
+                <a:latin typeface="+mn-ea"/>
+              </a:rPr>
+              <a:t>emulator -</a:t>
+            </a:r>
+            <a:r>
+              <a:rPr lang="en-US" altLang="zh-CN" dirty="0" err="1">
+                <a:latin typeface="+mn-ea"/>
+              </a:rPr>
+              <a:t>avd</a:t>
+            </a:r>
+            <a:r>
+              <a:rPr lang="en-US" altLang="zh-CN" dirty="0">
+                <a:latin typeface="+mn-ea"/>
+              </a:rPr>
+              <a:t> Nexus_6_API_25 -port 5555</a:t>
+            </a:r>
+          </a:p>
+          <a:p>
+            <a:pPr lvl="1">
+              <a:lnSpc>
+                <a:spcPct val="150000"/>
+              </a:lnSpc>
+            </a:pPr>
             <a:endParaRPr lang="en-US" altLang="zh-CN" sz="2400" dirty="0">
               <a:latin typeface="+mn-ea"/>
             </a:endParaRPr>
@@ -5997,21 +5080,7 @@
                 <a:latin typeface="+mn-ea"/>
                 <a:ea typeface="+mn-ea"/>
               </a:rPr>
-              <a:t>常见</a:t>
-            </a:r>
-            <a:r>
-              <a:rPr lang="en-US" altLang="zh-CN" dirty="0">
-                <a:latin typeface="+mn-ea"/>
-                <a:ea typeface="+mn-ea"/>
-              </a:rPr>
-              <a:t>adb</a:t>
-            </a:r>
-            <a:r>
-              <a:rPr lang="zh-CN" altLang="en-US" dirty="0">
-                <a:latin typeface="+mn-ea"/>
-                <a:ea typeface="+mn-ea"/>
-              </a:rPr>
-              <a:t>命令</a:t>
+              <a:t>安装应用</a:t>
             </a:r>
           </a:p>
         </p:txBody>
@@ -6446,29 +5515,7 @@
                 <a:ea typeface="+mn-ea"/>
                 <a:cs typeface="+mj-cs"/>
               </a:rPr>
-              <a:t>常见</a:t>
-            </a:r>
-            <a:r>
-              <a:rPr lang="en-US" altLang="zh-CN" sz="4000" b="1" kern="1200" dirty="0">
-                <a:solidFill>
-                  <a:schemeClr val="bg1"/>
-                </a:solidFill>
-                <a:latin typeface="+mn-ea"/>
-                <a:ea typeface="+mn-ea"/>
-                <a:cs typeface="+mj-cs"/>
-              </a:rPr>
-              <a:t>adb</a:t>
-            </a:r>
-            <a:r>
-              <a:rPr lang="zh-CN" altLang="en-US" sz="4000" b="1" kern="1200" dirty="0">
-                <a:solidFill>
-                  <a:schemeClr val="bg1"/>
-                </a:solidFill>
-                <a:latin typeface="+mn-ea"/>
-                <a:ea typeface="+mn-ea"/>
-                <a:cs typeface="+mj-cs"/>
-              </a:rPr>
-              <a:t>命令</a:t>
+              <a:t>卸载应用</a:t>
             </a:r>
           </a:p>
         </p:txBody>
@@ -6489,6 +5536,11 @@
 <file path=ppt/slides/slide15.xml><?xml version="1.0" encoding="utf-8"?>
 <p:sld xmlns:a="http://schemas.openxmlformats.org/drawingml/2006/main" xmlns:r="http://schemas.openxmlformats.org/officeDocument/2006/relationships" xmlns:p="http://schemas.openxmlformats.org/presentationml/2006/main">
   <p:cSld>
+    <p:bg>
+      <p:bgRef idx="1001">
+        <a:schemeClr val="bg1"/>
+      </p:bgRef>
+    </p:bg>
     <p:spTree>
       <p:nvGrpSpPr>
         <p:cNvPr id="1" name=""/>
@@ -6672,7 +5724,7 @@
               </a:spcBef>
             </a:pPr>
             <a:r>
-              <a:rPr lang="zh-CN" altLang="en-US" sz="4000" b="1" kern="1200" dirty="0">
+              <a:rPr lang="zh-CN" altLang="en-US" sz="3600" b="1" kern="1200" dirty="0">
                 <a:solidFill>
                   <a:schemeClr val="bg1"/>
                 </a:solidFill>
@@ -6680,10 +5732,10 @@
                 <a:ea typeface="+mn-ea"/>
                 <a:cs typeface="+mj-cs"/>
               </a:rPr>
-              <a:t>常见</a:t>
-            </a:r>
-            <a:r>
-              <a:rPr lang="en-US" altLang="zh-CN" sz="4000" b="1" kern="1200" dirty="0">
+              <a:t>将文件复制到设备</a:t>
+            </a:r>
+            <a:r>
+              <a:rPr lang="en-US" altLang="zh-CN" sz="3600" b="1" kern="1200" dirty="0">
                 <a:solidFill>
                   <a:schemeClr val="bg1"/>
                 </a:solidFill>
@@ -6691,10 +5743,10 @@
                 <a:ea typeface="+mn-ea"/>
                 <a:cs typeface="+mj-cs"/>
               </a:rPr>
-              <a:t>adb</a:t>
-            </a:r>
-            <a:r>
-              <a:rPr lang="zh-CN" altLang="en-US" sz="4000" b="1" kern="1200" dirty="0">
+              <a:t>/</a:t>
+            </a:r>
+            <a:r>
+              <a:rPr lang="zh-CN" altLang="en-US" sz="3600" b="1" kern="1200" dirty="0">
                 <a:solidFill>
                   <a:schemeClr val="bg1"/>
                 </a:solidFill>
@@ -6702,7 +5754,7 @@
                 <a:ea typeface="+mn-ea"/>
                 <a:cs typeface="+mj-cs"/>
               </a:rPr>
-              <a:t>命令</a:t>
+              <a:t>从设备复制文件</a:t>
             </a:r>
           </a:p>
         </p:txBody>
@@ -6715,7 +5767,7 @@
     </p:extLst>
   </p:cSld>
   <p:clrMapOvr>
-    <a:masterClrMapping/>
+    <a:overrideClrMapping bg1="lt1" tx1="dk1" bg2="lt2" tx2="dk2" accent1="accent1" accent2="accent2" accent3="accent3" accent4="accent4" accent5="accent5" accent6="accent6" hlink="hlink" folHlink="folHlink"/>
   </p:clrMapOvr>
 </p:sld>
 </file>
@@ -6749,8 +5801,321 @@
         </p:nvSpPr>
         <p:spPr>
           <a:xfrm>
-            <a:off x="467544" y="951571"/>
-            <a:ext cx="8568952" cy="3394472"/>
+            <a:off x="611560" y="843558"/>
+            <a:ext cx="7632848" cy="4230469"/>
+          </a:xfrm>
+        </p:spPr>
+        <p:txBody>
+          <a:bodyPr>
+            <a:normAutofit fontScale="25000" lnSpcReduction="20000"/>
+          </a:bodyPr>
+          <a:lstStyle/>
+          <a:p>
+            <a:pPr marL="365125" indent="-255588">
+              <a:lnSpc>
+                <a:spcPct val="120000"/>
+              </a:lnSpc>
+              <a:spcBef>
+                <a:spcPts val="0"/>
+              </a:spcBef>
+            </a:pPr>
+            <a:r>
+              <a:rPr lang="zh-CN" altLang="en-US" sz="8000" dirty="0">
+                <a:latin typeface="+mn-ea"/>
+              </a:rPr>
+              <a:t>adb logcat 将日志数据输出到屏幕上</a:t>
+            </a:r>
+          </a:p>
+          <a:p>
+            <a:pPr marL="365125" indent="-255588">
+              <a:lnSpc>
+                <a:spcPct val="120000"/>
+              </a:lnSpc>
+              <a:spcBef>
+                <a:spcPts val="0"/>
+              </a:spcBef>
+            </a:pPr>
+            <a:r>
+              <a:rPr lang="en-US" altLang="zh-CN" sz="8000" dirty="0" err="1">
+                <a:latin typeface="+mn-ea"/>
+              </a:rPr>
+              <a:t>adb</a:t>
+            </a:r>
+            <a:r>
+              <a:rPr lang="en-US" altLang="zh-CN" sz="8000" dirty="0">
+                <a:latin typeface="+mn-ea"/>
+              </a:rPr>
+              <a:t> logcat &gt; E:/demo/test.log</a:t>
+            </a:r>
+            <a:r>
+              <a:rPr lang="zh-CN" altLang="en-US" sz="8000" dirty="0">
+                <a:latin typeface="+mn-ea"/>
+              </a:rPr>
+              <a:t>（查找包名）</a:t>
+            </a:r>
+            <a:endParaRPr lang="en-US" altLang="zh-CN" sz="8000" dirty="0">
+              <a:latin typeface="+mn-ea"/>
+            </a:endParaRPr>
+          </a:p>
+          <a:p>
+            <a:pPr marL="365125" indent="-255588">
+              <a:lnSpc>
+                <a:spcPct val="120000"/>
+              </a:lnSpc>
+              <a:spcBef>
+                <a:spcPts val="0"/>
+              </a:spcBef>
+            </a:pPr>
+            <a:r>
+              <a:rPr lang="zh-CN" altLang="en-US" sz="8000" dirty="0">
+                <a:latin typeface="+mn-ea"/>
+              </a:rPr>
+              <a:t>优先级按照从低到高顺利排列</a:t>
+            </a:r>
+            <a:endParaRPr lang="en-US" altLang="zh-CN" sz="8000" dirty="0">
+              <a:latin typeface="+mn-ea"/>
+            </a:endParaRPr>
+          </a:p>
+          <a:p>
+            <a:pPr marL="400050" lvl="1" indent="0">
+              <a:lnSpc>
+                <a:spcPct val="120000"/>
+              </a:lnSpc>
+              <a:spcBef>
+                <a:spcPts val="0"/>
+              </a:spcBef>
+              <a:buNone/>
+            </a:pPr>
+            <a:r>
+              <a:rPr lang="en-US" altLang="zh-CN" sz="7200" dirty="0">
+                <a:latin typeface="+mn-ea"/>
+              </a:rPr>
+              <a:t>V	Verbose</a:t>
+            </a:r>
+          </a:p>
+          <a:p>
+            <a:pPr marL="400050" lvl="1" indent="0">
+              <a:lnSpc>
+                <a:spcPct val="120000"/>
+              </a:lnSpc>
+              <a:spcBef>
+                <a:spcPts val="0"/>
+              </a:spcBef>
+              <a:buNone/>
+            </a:pPr>
+            <a:r>
+              <a:rPr lang="en-US" altLang="zh-CN" sz="7200" dirty="0">
+                <a:latin typeface="+mn-ea"/>
+              </a:rPr>
+              <a:t>D	Debug</a:t>
+            </a:r>
+          </a:p>
+          <a:p>
+            <a:pPr marL="400050" lvl="1" indent="0">
+              <a:lnSpc>
+                <a:spcPct val="120000"/>
+              </a:lnSpc>
+              <a:spcBef>
+                <a:spcPts val="0"/>
+              </a:spcBef>
+              <a:buNone/>
+            </a:pPr>
+            <a:r>
+              <a:rPr lang="en-US" altLang="zh-CN" sz="7200" dirty="0">
+                <a:latin typeface="+mn-ea"/>
+              </a:rPr>
+              <a:t>I	Info</a:t>
+            </a:r>
+          </a:p>
+          <a:p>
+            <a:pPr marL="400050" lvl="1" indent="0">
+              <a:lnSpc>
+                <a:spcPct val="120000"/>
+              </a:lnSpc>
+              <a:spcBef>
+                <a:spcPts val="0"/>
+              </a:spcBef>
+              <a:buNone/>
+            </a:pPr>
+            <a:r>
+              <a:rPr lang="en-US" altLang="zh-CN" sz="7200" dirty="0">
+                <a:latin typeface="+mn-ea"/>
+              </a:rPr>
+              <a:t>W	Warning</a:t>
+            </a:r>
+          </a:p>
+          <a:p>
+            <a:pPr marL="400050" lvl="1" indent="0">
+              <a:lnSpc>
+                <a:spcPct val="120000"/>
+              </a:lnSpc>
+              <a:spcBef>
+                <a:spcPts val="0"/>
+              </a:spcBef>
+              <a:buNone/>
+            </a:pPr>
+            <a:r>
+              <a:rPr lang="en-US" altLang="zh-CN" sz="7200" dirty="0">
+                <a:latin typeface="+mn-ea"/>
+              </a:rPr>
+              <a:t>E	Error</a:t>
+            </a:r>
+          </a:p>
+          <a:p>
+            <a:pPr marL="400050" lvl="1" indent="0">
+              <a:lnSpc>
+                <a:spcPct val="120000"/>
+              </a:lnSpc>
+              <a:spcBef>
+                <a:spcPts val="0"/>
+              </a:spcBef>
+              <a:buNone/>
+            </a:pPr>
+            <a:r>
+              <a:rPr lang="en-US" altLang="zh-CN" sz="7200" dirty="0">
+                <a:latin typeface="+mn-ea"/>
+              </a:rPr>
+              <a:t>F	Fatal</a:t>
+            </a:r>
+          </a:p>
+          <a:p>
+            <a:pPr marL="400050" lvl="1" indent="0">
+              <a:lnSpc>
+                <a:spcPct val="120000"/>
+              </a:lnSpc>
+              <a:spcBef>
+                <a:spcPts val="0"/>
+              </a:spcBef>
+              <a:buNone/>
+            </a:pPr>
+            <a:r>
+              <a:rPr lang="en-US" altLang="zh-CN" sz="7200" dirty="0">
+                <a:latin typeface="+mn-ea"/>
+              </a:rPr>
+              <a:t>S	Silent</a:t>
+            </a:r>
+          </a:p>
+          <a:p>
+            <a:pPr marL="109537" indent="0">
+              <a:lnSpc>
+                <a:spcPct val="120000"/>
+              </a:lnSpc>
+              <a:spcBef>
+                <a:spcPts val="0"/>
+              </a:spcBef>
+              <a:buNone/>
+            </a:pPr>
+            <a:r>
+              <a:rPr lang="zh-CN" altLang="en-US" sz="8000" dirty="0">
+                <a:latin typeface="+mn-ea"/>
+              </a:rPr>
+              <a:t>例：下面的过滤语句指显示优先级为</a:t>
+            </a:r>
+            <a:r>
+              <a:rPr lang="en-US" altLang="zh-CN" sz="8000" dirty="0">
+                <a:latin typeface="+mn-ea"/>
+              </a:rPr>
+              <a:t>waring</a:t>
+            </a:r>
+            <a:r>
+              <a:rPr lang="zh-CN" altLang="en-US" sz="8000" dirty="0">
+                <a:latin typeface="+mn-ea"/>
+              </a:rPr>
+              <a:t>或更高的日志信息</a:t>
+            </a:r>
+            <a:endParaRPr lang="en-US" altLang="zh-CN" sz="8000" dirty="0">
+              <a:latin typeface="+mn-ea"/>
+            </a:endParaRPr>
+          </a:p>
+          <a:p>
+            <a:pPr marL="0" indent="0">
+              <a:lnSpc>
+                <a:spcPct val="120000"/>
+              </a:lnSpc>
+              <a:spcBef>
+                <a:spcPts val="0"/>
+              </a:spcBef>
+              <a:buNone/>
+            </a:pPr>
+            <a:r>
+              <a:rPr lang="en-US" altLang="zh-CN" sz="8000" dirty="0" err="1">
+                <a:latin typeface="+mn-ea"/>
+              </a:rPr>
+              <a:t>adb</a:t>
+            </a:r>
+            <a:r>
+              <a:rPr lang="en-US" altLang="zh-CN" sz="8000" dirty="0">
+                <a:latin typeface="+mn-ea"/>
+              </a:rPr>
+              <a:t>  logcat *:W</a:t>
+            </a:r>
+          </a:p>
+          <a:p>
+            <a:pPr marL="0" indent="0">
+              <a:lnSpc>
+                <a:spcPct val="120000"/>
+              </a:lnSpc>
+              <a:spcBef>
+                <a:spcPts val="0"/>
+              </a:spcBef>
+              <a:buNone/>
+            </a:pPr>
+            <a:r>
+              <a:rPr lang="en-US" altLang="zh-CN" sz="8000" dirty="0" err="1">
+                <a:latin typeface="+mn-ea"/>
+              </a:rPr>
+              <a:t>adb</a:t>
+            </a:r>
+            <a:r>
+              <a:rPr lang="en-US" altLang="zh-CN" sz="8000" dirty="0">
+                <a:latin typeface="+mn-ea"/>
+              </a:rPr>
+              <a:t>  logcat *:W |</a:t>
+            </a:r>
+            <a:r>
+              <a:rPr lang="en-US" altLang="zh-CN" sz="8000" dirty="0" err="1">
+                <a:latin typeface="+mn-ea"/>
+              </a:rPr>
+              <a:t>findstr</a:t>
+            </a:r>
+            <a:r>
+              <a:rPr lang="en-US" altLang="zh-CN" sz="8000" dirty="0">
+                <a:latin typeface="+mn-ea"/>
+              </a:rPr>
+              <a:t> </a:t>
+            </a:r>
+            <a:r>
+              <a:rPr lang="en-US" altLang="zh-CN" sz="8000" dirty="0" err="1">
+                <a:latin typeface="+mn-ea"/>
+              </a:rPr>
+              <a:t>PackageManager</a:t>
+            </a:r>
+            <a:endParaRPr lang="en-US" altLang="zh-CN" sz="8000" dirty="0">
+              <a:latin typeface="+mn-ea"/>
+            </a:endParaRPr>
+          </a:p>
+          <a:p>
+            <a:pPr marL="0" indent="0">
+              <a:buNone/>
+            </a:pPr>
+            <a:endParaRPr lang="zh-CN" altLang="en-US" dirty="0"/>
+          </a:p>
+        </p:txBody>
+      </p:sp>
+      <p:sp>
+        <p:nvSpPr>
+          <p:cNvPr id="3" name="标题 2"/>
+          <p:cNvSpPr>
+            <a:spLocks noGrp="1"/>
+          </p:cNvSpPr>
+          <p:nvPr>
+            <p:ph type="title"/>
+          </p:nvPr>
+        </p:nvSpPr>
+        <p:spPr>
+          <a:xfrm>
+            <a:off x="-73587" y="-236562"/>
+            <a:ext cx="9217024" cy="857250"/>
           </a:xfrm>
         </p:spPr>
         <p:txBody>
@@ -6759,65 +6124,13 @@
           </a:bodyPr>
           <a:lstStyle/>
           <a:p>
-            <a:pPr marL="365125" indent="-255588">
-              <a:lnSpc>
-                <a:spcPct val="150000"/>
-              </a:lnSpc>
-            </a:pPr>
-            <a:r>
-              <a:rPr lang="zh-CN" altLang="en-US" sz="2800" dirty="0">
-                <a:latin typeface="+mn-ea"/>
-              </a:rPr>
-              <a:t>adb start-server	启动adb服务进程	</a:t>
-            </a:r>
-            <a:endParaRPr lang="en-US" altLang="zh-CN" sz="2800" dirty="0">
-              <a:latin typeface="+mn-ea"/>
-            </a:endParaRPr>
-          </a:p>
-          <a:p>
-            <a:pPr marL="365125" indent="-255588">
-              <a:lnSpc>
-                <a:spcPct val="150000"/>
-              </a:lnSpc>
-            </a:pPr>
-            <a:r>
-              <a:rPr lang="zh-CN" altLang="en-US" sz="2800" dirty="0">
-                <a:latin typeface="+mn-ea"/>
-              </a:rPr>
-              <a:t>adb kill-server	终止adb服务进程</a:t>
-            </a:r>
-          </a:p>
-        </p:txBody>
-      </p:sp>
-      <p:sp>
-        <p:nvSpPr>
-          <p:cNvPr id="3" name="标题 2"/>
-          <p:cNvSpPr>
-            <a:spLocks noGrp="1"/>
-          </p:cNvSpPr>
-          <p:nvPr>
-            <p:ph type="title"/>
-          </p:nvPr>
-        </p:nvSpPr>
-        <p:spPr>
-          <a:xfrm>
-            <a:off x="230832" y="-20538"/>
-            <a:ext cx="8229600" cy="702078"/>
-          </a:xfrm>
-        </p:spPr>
-        <p:txBody>
-          <a:bodyPr>
-            <a:normAutofit/>
-          </a:bodyPr>
-          <a:lstStyle/>
-          <a:p>
             <a:pPr lvl="1" algn="ctr" rtl="0">
               <a:spcBef>
                 <a:spcPct val="0"/>
               </a:spcBef>
             </a:pPr>
             <a:r>
-              <a:rPr lang="zh-CN" altLang="en-US" sz="4000" b="1" kern="1200" dirty="0">
+              <a:rPr lang="zh-CN" altLang="en-US" sz="3600" b="1" kern="1200" dirty="0">
                 <a:solidFill>
                   <a:schemeClr val="bg1"/>
                 </a:solidFill>
@@ -6825,29 +6138,7 @@
                 <a:ea typeface="+mn-ea"/>
                 <a:cs typeface="+mj-cs"/>
               </a:rPr>
-              <a:t>常见</a:t>
-            </a:r>
-            <a:r>
-              <a:rPr lang="en-US" altLang="zh-CN" sz="4000" b="1" kern="1200" dirty="0">
-                <a:solidFill>
-                  <a:schemeClr val="bg1"/>
-                </a:solidFill>
-                <a:latin typeface="+mn-ea"/>
-                <a:ea typeface="+mn-ea"/>
-                <a:cs typeface="+mj-cs"/>
-              </a:rPr>
-              <a:t>adb</a:t>
-            </a:r>
-            <a:r>
-              <a:rPr lang="zh-CN" altLang="en-US" sz="4000" b="1" kern="1200" dirty="0">
-                <a:solidFill>
-                  <a:schemeClr val="bg1"/>
-                </a:solidFill>
-                <a:latin typeface="+mn-ea"/>
-                <a:ea typeface="+mn-ea"/>
-                <a:cs typeface="+mj-cs"/>
-              </a:rPr>
-              <a:t>命令</a:t>
+              <a:t>adb logcat</a:t>
             </a:r>
           </a:p>
         </p:txBody>
@@ -6855,7 +6146,7 @@
     </p:spTree>
     <p:extLst>
       <p:ext uri="{BB962C8B-B14F-4D97-AF65-F5344CB8AC3E}">
-        <p14:creationId xmlns:p14="http://schemas.microsoft.com/office/powerpoint/2010/main" val="4263351189"/>
+        <p14:creationId xmlns:p14="http://schemas.microsoft.com/office/powerpoint/2010/main" val="3822795184"/>
       </p:ext>
     </p:extLst>
   </p:cSld>
@@ -6884,138 +6175,199 @@
       </p:grpSpPr>
       <p:sp>
         <p:nvSpPr>
-          <p:cNvPr id="2" name="内容占位符 1"/>
+          <p:cNvPr id="3" name="标题 2">
+            <a:extLst>
+              <a:ext uri="{FF2B5EF4-FFF2-40B4-BE49-F238E27FC236}">
+                <a16:creationId xmlns:a16="http://schemas.microsoft.com/office/drawing/2014/main" id="{37B0F784-2697-4ED2-B0B5-D81FC923DFA2}"/>
+              </a:ext>
+            </a:extLst>
+          </p:cNvPr>
           <p:cNvSpPr>
             <a:spLocks noGrp="1"/>
           </p:cNvSpPr>
           <p:nvPr>
-            <p:ph idx="1"/>
+            <p:ph type="title"/>
           </p:nvPr>
         </p:nvSpPr>
         <p:spPr>
           <a:xfrm>
-            <a:off x="467544" y="627534"/>
-            <a:ext cx="8352928" cy="4230469"/>
+            <a:off x="-31349" y="-164554"/>
+            <a:ext cx="8229600" cy="857250"/>
           </a:xfrm>
         </p:spPr>
         <p:txBody>
           <a:bodyPr>
-            <a:normAutofit fontScale="25000" lnSpcReduction="20000"/>
+            <a:normAutofit/>
           </a:bodyPr>
           <a:lstStyle/>
           <a:p>
-            <a:pPr marL="365125" indent="-255588">
-              <a:lnSpc>
-                <a:spcPct val="120000"/>
+            <a:pPr lvl="1" algn="ctr" rtl="0">
+              <a:spcBef>
+                <a:spcPct val="0"/>
+              </a:spcBef>
+            </a:pPr>
+            <a:r>
+              <a:rPr lang="zh-CN" altLang="en-US" sz="3600" b="1" kern="1200" dirty="0">
+                <a:solidFill>
+                  <a:schemeClr val="bg1"/>
+                </a:solidFill>
+                <a:latin typeface="+mn-ea"/>
+                <a:ea typeface="+mn-ea"/>
+                <a:cs typeface="+mj-cs"/>
+              </a:rPr>
+              <a:t>设置端口转发</a:t>
+            </a:r>
+          </a:p>
+        </p:txBody>
+      </p:sp>
+      <p:sp>
+        <p:nvSpPr>
+          <p:cNvPr id="4" name="Rectangle 1">
+            <a:extLst>
+              <a:ext uri="{FF2B5EF4-FFF2-40B4-BE49-F238E27FC236}">
+                <a16:creationId xmlns:a16="http://schemas.microsoft.com/office/drawing/2014/main" id="{32460809-F430-4690-A5D0-4C7E7C12A8C1}"/>
+              </a:ext>
+            </a:extLst>
+          </p:cNvPr>
+          <p:cNvSpPr>
+            <a:spLocks noGrp="1" noChangeArrowheads="1"/>
+          </p:cNvSpPr>
+          <p:nvPr>
+            <p:ph idx="1"/>
+          </p:nvPr>
+        </p:nvSpPr>
+        <p:spPr bwMode="auto">
+          <a:xfrm>
+            <a:off x="395536" y="812538"/>
+            <a:ext cx="8018557" cy="3990003"/>
+          </a:xfrm>
+          <a:prstGeom prst="rect">
+            <a:avLst/>
+          </a:prstGeom>
+          <a:noFill/>
+          <a:ln>
+            <a:noFill/>
+          </a:ln>
+          <a:effectLst/>
+          <a:extLst>
+            <a:ext uri="{909E8E84-426E-40DD-AFC4-6F175D3DCCD1}">
+              <a14:hiddenFill xmlns:a14="http://schemas.microsoft.com/office/drawing/2010/main">
+                <a:solidFill>
+                  <a:schemeClr val="accent1"/>
+                </a:solidFill>
+              </a14:hiddenFill>
+            </a:ext>
+            <a:ext uri="{91240B29-F687-4F45-9708-019B960494DF}">
+              <a14:hiddenLine xmlns:a14="http://schemas.microsoft.com/office/drawing/2010/main" w="9525">
+                <a:solidFill>
+                  <a:schemeClr val="tx1"/>
+                </a:solidFill>
+                <a:miter lim="800000"/>
+                <a:headEnd/>
+                <a:tailEnd/>
+              </a14:hiddenLine>
+            </a:ext>
+            <a:ext uri="{AF507438-7753-43E0-B8FC-AC1667EBCBE1}">
+              <a14:hiddenEffects xmlns:a14="http://schemas.microsoft.com/office/drawing/2010/main">
+                <a:effectLst>
+                  <a:outerShdw dist="35921" dir="2700000" algn="ctr" rotWithShape="0">
+                    <a:schemeClr val="bg2"/>
+                  </a:outerShdw>
+                </a:effectLst>
+              </a14:hiddenEffects>
+            </a:ext>
+          </a:extLst>
+        </p:spPr>
+        <p:txBody>
+          <a:bodyPr vert="horz" wrap="square" lIns="91440" tIns="45720" rIns="91440" bIns="45720" numCol="1" anchor="ctr" anchorCtr="0" compatLnSpc="1">
+            <a:prstTxWarp prst="textNoShape">
+              <a:avLst/>
+            </a:prstTxWarp>
+            <a:spAutoFit/>
+          </a:bodyPr>
+          <a:lstStyle/>
+          <a:p>
+            <a:pPr marL="0" marR="0" lvl="0" indent="0" fontAlgn="base">
+              <a:lnSpc>
+                <a:spcPct val="150000"/>
               </a:lnSpc>
               <a:spcBef>
                 <a:spcPts val="0"/>
               </a:spcBef>
-            </a:pPr>
-            <a:r>
-              <a:rPr lang="zh-CN" altLang="en-US" sz="8000" dirty="0">
-                <a:latin typeface="+mn-ea"/>
-              </a:rPr>
-              <a:t>adb logcat 将日志数据输出到屏幕上</a:t>
-            </a:r>
-          </a:p>
-          <a:p>
-            <a:pPr marL="365125" indent="-255588">
-              <a:lnSpc>
-                <a:spcPct val="120000"/>
+              <a:spcAft>
+                <a:spcPct val="0"/>
+              </a:spcAft>
+              <a:buClrTx/>
+              <a:buSzTx/>
+              <a:buNone/>
+              <a:tabLst/>
+            </a:pPr>
+            <a:r>
+              <a:rPr lang="zh-CN" altLang="zh-CN" sz="2400" dirty="0">
+                <a:solidFill>
+                  <a:srgbClr val="FF0000"/>
+                </a:solidFill>
+              </a:rPr>
+              <a:t>forward</a:t>
+            </a:r>
+            <a:r>
+              <a:rPr lang="zh-CN" altLang="zh-CN" sz="2400" dirty="0"/>
+              <a:t> 命令设置任意端口转发，将特定主机端口上的请求转发到设备上的其他端口。</a:t>
+            </a:r>
+            <a:endParaRPr lang="en-US" altLang="zh-CN" sz="2400" dirty="0"/>
+          </a:p>
+          <a:p>
+            <a:pPr marL="0" marR="0" lvl="0" indent="0" fontAlgn="base">
+              <a:lnSpc>
+                <a:spcPct val="150000"/>
               </a:lnSpc>
               <a:spcBef>
                 <a:spcPts val="0"/>
               </a:spcBef>
-            </a:pPr>
-            <a:r>
-              <a:rPr lang="en-US" altLang="zh-CN" sz="8000" dirty="0" err="1">
-                <a:latin typeface="+mn-ea"/>
-              </a:rPr>
-              <a:t>adb</a:t>
-            </a:r>
-            <a:r>
-              <a:rPr lang="en-US" altLang="zh-CN" sz="8000" dirty="0">
-                <a:latin typeface="+mn-ea"/>
-              </a:rPr>
-              <a:t> logcat &gt; E:/demo/test.log</a:t>
-            </a:r>
-            <a:r>
-              <a:rPr lang="zh-CN" altLang="en-US" sz="8000" dirty="0">
-                <a:latin typeface="+mn-ea"/>
-              </a:rPr>
-              <a:t>（查找包名）</a:t>
-            </a:r>
-            <a:endParaRPr lang="en-US" altLang="zh-CN" sz="8000" dirty="0">
-              <a:latin typeface="+mn-ea"/>
-            </a:endParaRPr>
-          </a:p>
-          <a:p>
-            <a:pPr marL="365125" indent="-255588">
-              <a:lnSpc>
-                <a:spcPct val="120000"/>
+              <a:spcAft>
+                <a:spcPct val="0"/>
+              </a:spcAft>
+              <a:buClrTx/>
+              <a:buSzTx/>
+              <a:buNone/>
+              <a:tabLst/>
+            </a:pPr>
+            <a:r>
+              <a:rPr lang="zh-CN" altLang="en-US" sz="2400" dirty="0"/>
+              <a:t>例：</a:t>
+            </a:r>
+            <a:r>
+              <a:rPr lang="zh-CN" altLang="zh-CN" sz="2400" dirty="0"/>
+              <a:t>设置了主机端口 6100 到设备端口 7100 的转发 </a:t>
+            </a:r>
+            <a:endParaRPr lang="en-US" altLang="zh-CN" sz="2400" dirty="0"/>
+          </a:p>
+          <a:p>
+            <a:pPr marL="0" marR="0" lvl="0" indent="0" fontAlgn="base">
+              <a:lnSpc>
+                <a:spcPct val="150000"/>
               </a:lnSpc>
               <a:spcBef>
                 <a:spcPts val="0"/>
               </a:spcBef>
-            </a:pPr>
-            <a:r>
-              <a:rPr lang="en-US" altLang="zh-CN" sz="8000" dirty="0" err="1">
-                <a:latin typeface="+mn-ea"/>
-              </a:rPr>
-              <a:t>adb</a:t>
-            </a:r>
-            <a:r>
-              <a:rPr lang="en-US" altLang="zh-CN" sz="8000" dirty="0">
-                <a:latin typeface="+mn-ea"/>
-              </a:rPr>
-              <a:t> logcat *:W |</a:t>
-            </a:r>
-            <a:r>
-              <a:rPr lang="en-US" altLang="zh-CN" sz="8000" dirty="0" err="1">
-                <a:latin typeface="+mn-ea"/>
-              </a:rPr>
-              <a:t>findstr</a:t>
-            </a:r>
-            <a:r>
-              <a:rPr lang="en-US" altLang="zh-CN" sz="8000" dirty="0">
-                <a:latin typeface="+mn-ea"/>
-              </a:rPr>
-              <a:t> </a:t>
-            </a:r>
-            <a:r>
-              <a:rPr lang="en-US" altLang="zh-CN" sz="8000" dirty="0" err="1">
-                <a:latin typeface="+mn-ea"/>
-              </a:rPr>
-              <a:t>PackageManager</a:t>
-            </a:r>
-            <a:endParaRPr lang="en-US" altLang="zh-CN" sz="8000" dirty="0">
-              <a:latin typeface="+mn-ea"/>
-            </a:endParaRPr>
-          </a:p>
-          <a:p>
-            <a:pPr marL="365125" indent="-255588">
-              <a:lnSpc>
-                <a:spcPct val="120000"/>
-              </a:lnSpc>
-              <a:spcBef>
-                <a:spcPts val="0"/>
-              </a:spcBef>
-            </a:pPr>
-            <a:r>
-              <a:rPr lang="zh-CN" altLang="en-US" sz="8000" dirty="0">
-                <a:latin typeface="+mn-ea"/>
-              </a:rPr>
-              <a:t>优先级按照从低到高顺利排列</a:t>
-            </a:r>
-            <a:endParaRPr lang="en-US" altLang="zh-CN" sz="8000" dirty="0">
-              <a:latin typeface="+mn-ea"/>
-            </a:endParaRPr>
-          </a:p>
-          <a:p>
-            <a:pPr marL="400050" lvl="1" indent="0">
-              <a:lnSpc>
-                <a:spcPct val="120000"/>
+              <a:spcAft>
+                <a:spcPct val="0"/>
+              </a:spcAft>
+              <a:buClrTx/>
+              <a:buSzTx/>
+              <a:buNone/>
+              <a:tabLst/>
+            </a:pPr>
+            <a:r>
+              <a:rPr lang="zh-CN" altLang="zh-CN" sz="2400" dirty="0"/>
+              <a:t>adb forward tcp:6100 tcp:7100</a:t>
+            </a:r>
+            <a:endParaRPr lang="en-US" altLang="zh-CN" sz="2400" dirty="0"/>
+          </a:p>
+          <a:p>
+            <a:pPr marL="0" indent="0">
+              <a:lnSpc>
+                <a:spcPct val="150000"/>
               </a:lnSpc>
               <a:spcBef>
                 <a:spcPts val="0"/>
@@ -7023,16 +6375,14 @@
               <a:buNone/>
             </a:pPr>
             <a:r>
-              <a:rPr lang="en-US" altLang="zh-CN" sz="8000" dirty="0">
-                <a:latin typeface="+mn-ea"/>
-              </a:rPr>
-              <a:t>V	Verbose</a:t>
-            </a:r>
-          </a:p>
-          <a:p>
-            <a:pPr marL="400050" lvl="1" indent="0">
-              <a:lnSpc>
-                <a:spcPct val="120000"/>
+              <a:rPr lang="zh-CN" altLang="en-US" sz="2400" dirty="0"/>
+              <a:t>例：查看设置的设置端口转发</a:t>
+            </a:r>
+          </a:p>
+          <a:p>
+            <a:pPr marL="0" indent="0">
+              <a:lnSpc>
+                <a:spcPct val="150000"/>
               </a:lnSpc>
               <a:spcBef>
                 <a:spcPts val="0"/>
@@ -7040,228 +6390,131 @@
               <a:buNone/>
             </a:pPr>
             <a:r>
-              <a:rPr lang="en-US" altLang="zh-CN" sz="8000" dirty="0">
-                <a:latin typeface="+mn-ea"/>
-              </a:rPr>
-              <a:t>D	Debug</a:t>
-            </a:r>
-          </a:p>
-          <a:p>
-            <a:pPr marL="400050" lvl="1" indent="0">
-              <a:lnSpc>
-                <a:spcPct val="120000"/>
+              <a:rPr lang="en-US" altLang="zh-CN" sz="2400" dirty="0"/>
+              <a:t>	</a:t>
+            </a:r>
+            <a:r>
+              <a:rPr lang="en-US" altLang="zh-CN" sz="2400" dirty="0" err="1"/>
+              <a:t>adb</a:t>
+            </a:r>
+            <a:r>
+              <a:rPr lang="en-US" altLang="zh-CN" sz="2400" dirty="0"/>
+              <a:t> forward --list</a:t>
+            </a:r>
+          </a:p>
+          <a:p>
+            <a:pPr marL="0" marR="0" lvl="0" indent="0" algn="l" defTabSz="914400" rtl="0" eaLnBrk="0" fontAlgn="base" latinLnBrk="0" hangingPunct="0">
+              <a:lnSpc>
+                <a:spcPct val="150000"/>
               </a:lnSpc>
               <a:spcBef>
-                <a:spcPts val="0"/>
+                <a:spcPts val="600"/>
               </a:spcBef>
+              <a:spcAft>
+                <a:spcPct val="0"/>
+              </a:spcAft>
+              <a:buClrTx/>
+              <a:buSzTx/>
+              <a:buFontTx/>
               <a:buNone/>
-            </a:pPr>
-            <a:r>
-              <a:rPr lang="en-US" altLang="zh-CN" sz="8000" dirty="0">
-                <a:latin typeface="+mn-ea"/>
-              </a:rPr>
-              <a:t>I	Info</a:t>
-            </a:r>
-          </a:p>
-          <a:p>
-            <a:pPr marL="400050" lvl="1" indent="0">
-              <a:lnSpc>
-                <a:spcPct val="120000"/>
-              </a:lnSpc>
-              <a:spcBef>
-                <a:spcPts val="0"/>
-              </a:spcBef>
-              <a:buNone/>
-            </a:pPr>
-            <a:r>
-              <a:rPr lang="en-US" altLang="zh-CN" sz="8000" dirty="0">
-                <a:latin typeface="+mn-ea"/>
-              </a:rPr>
-              <a:t>W	Warning</a:t>
-            </a:r>
-          </a:p>
-          <a:p>
-            <a:pPr marL="400050" lvl="1" indent="0">
-              <a:lnSpc>
-                <a:spcPct val="120000"/>
-              </a:lnSpc>
-              <a:spcBef>
-                <a:spcPts val="0"/>
-              </a:spcBef>
-              <a:buNone/>
-            </a:pPr>
-            <a:r>
-              <a:rPr lang="en-US" altLang="zh-CN" sz="8000" dirty="0">
-                <a:latin typeface="+mn-ea"/>
-              </a:rPr>
-              <a:t>E	Error</a:t>
-            </a:r>
-          </a:p>
-          <a:p>
-            <a:pPr marL="400050" lvl="1" indent="0">
-              <a:lnSpc>
-                <a:spcPct val="120000"/>
-              </a:lnSpc>
-              <a:spcBef>
-                <a:spcPts val="0"/>
-              </a:spcBef>
-              <a:buNone/>
-            </a:pPr>
-            <a:r>
-              <a:rPr lang="en-US" altLang="zh-CN" sz="8000" dirty="0">
-                <a:latin typeface="+mn-ea"/>
-              </a:rPr>
-              <a:t>F	Fatal</a:t>
-            </a:r>
-          </a:p>
-          <a:p>
-            <a:pPr marL="400050" lvl="1" indent="0">
-              <a:lnSpc>
-                <a:spcPct val="120000"/>
-              </a:lnSpc>
-              <a:spcBef>
-                <a:spcPts val="0"/>
-              </a:spcBef>
-              <a:buNone/>
-            </a:pPr>
-            <a:r>
-              <a:rPr lang="en-US" altLang="zh-CN" sz="8000" dirty="0">
-                <a:latin typeface="+mn-ea"/>
-              </a:rPr>
-              <a:t>S	Silent</a:t>
-            </a:r>
-          </a:p>
-          <a:p>
-            <a:pPr marL="365125" indent="-255588">
-              <a:lnSpc>
-                <a:spcPct val="120000"/>
-              </a:lnSpc>
-              <a:spcBef>
-                <a:spcPts val="0"/>
-              </a:spcBef>
-            </a:pPr>
-            <a:r>
-              <a:rPr lang="zh-CN" altLang="en-US" sz="8000" dirty="0">
-                <a:latin typeface="+mn-ea"/>
-              </a:rPr>
-              <a:t>下面的过滤语句指显示优先级为</a:t>
-            </a:r>
-            <a:r>
-              <a:rPr lang="en-US" altLang="zh-CN" sz="8000" dirty="0" err="1">
-                <a:latin typeface="+mn-ea"/>
-              </a:rPr>
-              <a:t>waring</a:t>
-            </a:r>
-            <a:r>
-              <a:rPr lang="zh-CN" altLang="en-US" sz="8000" dirty="0">
-                <a:latin typeface="+mn-ea"/>
-              </a:rPr>
-              <a:t>或更高的日志信息</a:t>
-            </a:r>
-            <a:endParaRPr lang="en-US" altLang="zh-CN" sz="8000" dirty="0">
-              <a:latin typeface="+mn-ea"/>
-            </a:endParaRPr>
-          </a:p>
-          <a:p>
-            <a:pPr marL="0" indent="0">
-              <a:lnSpc>
-                <a:spcPct val="120000"/>
-              </a:lnSpc>
-              <a:spcBef>
-                <a:spcPts val="0"/>
-              </a:spcBef>
-              <a:buNone/>
-            </a:pPr>
-            <a:r>
-              <a:rPr lang="en-US" altLang="zh-CN" sz="9600" dirty="0" err="1">
-                <a:latin typeface="+mn-ea"/>
-              </a:rPr>
-              <a:t>adb</a:t>
-            </a:r>
-            <a:r>
-              <a:rPr lang="en-US" altLang="zh-CN" sz="9600" dirty="0">
-                <a:latin typeface="+mn-ea"/>
-              </a:rPr>
-              <a:t> logcat *:W</a:t>
-            </a:r>
-          </a:p>
-          <a:p>
-            <a:pPr marL="0" indent="0">
-              <a:buNone/>
-            </a:pPr>
-            <a:endParaRPr lang="zh-CN" altLang="en-US" dirty="0"/>
-          </a:p>
-        </p:txBody>
-      </p:sp>
-      <p:sp>
-        <p:nvSpPr>
-          <p:cNvPr id="3" name="标题 2"/>
-          <p:cNvSpPr>
-            <a:spLocks noGrp="1"/>
-          </p:cNvSpPr>
-          <p:nvPr>
-            <p:ph type="title"/>
-          </p:nvPr>
-        </p:nvSpPr>
-        <p:spPr>
+              <a:tabLst/>
+            </a:pPr>
+            <a:endParaRPr lang="zh-CN" altLang="zh-CN" sz="2400" dirty="0"/>
+          </a:p>
+        </p:txBody>
+      </p:sp>
+      <p:sp>
+        <p:nvSpPr>
+          <p:cNvPr id="6" name="Rectangle 3">
+            <a:extLst>
+              <a:ext uri="{FF2B5EF4-FFF2-40B4-BE49-F238E27FC236}">
+                <a16:creationId xmlns:a16="http://schemas.microsoft.com/office/drawing/2014/main" id="{727A9E85-7D88-494F-BE65-A38E33131730}"/>
+              </a:ext>
+            </a:extLst>
+          </p:cNvPr>
+          <p:cNvSpPr>
+            <a:spLocks noChangeArrowheads="1"/>
+          </p:cNvSpPr>
+          <p:nvPr/>
+        </p:nvSpPr>
+        <p:spPr bwMode="auto">
           <a:xfrm>
-            <a:off x="-73587" y="-236562"/>
-            <a:ext cx="9217024" cy="857250"/>
+            <a:off x="1115616" y="3485787"/>
+            <a:ext cx="253596" cy="461665"/>
           </a:xfrm>
+          <a:prstGeom prst="rect">
+            <a:avLst/>
+          </a:prstGeom>
+          <a:noFill/>
+          <a:ln>
+            <a:noFill/>
+          </a:ln>
+          <a:effectLst/>
+          <a:extLst>
+            <a:ext uri="{909E8E84-426E-40DD-AFC4-6F175D3DCCD1}">
+              <a14:hiddenFill xmlns:a14="http://schemas.microsoft.com/office/drawing/2010/main">
+                <a:solidFill>
+                  <a:schemeClr val="accent1"/>
+                </a:solidFill>
+              </a14:hiddenFill>
+            </a:ext>
+            <a:ext uri="{91240B29-F687-4F45-9708-019B960494DF}">
+              <a14:hiddenLine xmlns:a14="http://schemas.microsoft.com/office/drawing/2010/main" w="9525">
+                <a:solidFill>
+                  <a:schemeClr val="tx1"/>
+                </a:solidFill>
+                <a:miter lim="800000"/>
+                <a:headEnd/>
+                <a:tailEnd/>
+              </a14:hiddenLine>
+            </a:ext>
+            <a:ext uri="{AF507438-7753-43E0-B8FC-AC1667EBCBE1}">
+              <a14:hiddenEffects xmlns:a14="http://schemas.microsoft.com/office/drawing/2010/main">
+                <a:effectLst>
+                  <a:outerShdw dist="35921" dir="2700000" algn="ctr" rotWithShape="0">
+                    <a:schemeClr val="bg2"/>
+                  </a:outerShdw>
+                </a:effectLst>
+              </a14:hiddenEffects>
+            </a:ext>
+          </a:extLst>
         </p:spPr>
         <p:txBody>
-          <a:bodyPr>
-            <a:normAutofit/>
+          <a:bodyPr vert="horz" wrap="none" lIns="91440" tIns="45720" rIns="91440" bIns="45720" numCol="1" anchor="ctr" anchorCtr="0" compatLnSpc="1">
+            <a:prstTxWarp prst="textNoShape">
+              <a:avLst/>
+            </a:prstTxWarp>
+            <a:spAutoFit/>
           </a:bodyPr>
           <a:lstStyle/>
           <a:p>
-            <a:pPr lvl="1" algn="ctr" rtl="0">
+            <a:pPr marL="0" marR="0" lvl="0" indent="0" algn="l" defTabSz="914400" rtl="0" eaLnBrk="0" fontAlgn="base" latinLnBrk="0" hangingPunct="0">
+              <a:lnSpc>
+                <a:spcPct val="100000"/>
+              </a:lnSpc>
               <a:spcBef>
                 <a:spcPct val="0"/>
               </a:spcBef>
-            </a:pPr>
-            <a:r>
-              <a:rPr lang="zh-CN" altLang="en-US" sz="4000" b="1" kern="1200" dirty="0">
-                <a:solidFill>
-                  <a:schemeClr val="bg1"/>
-                </a:solidFill>
-                <a:latin typeface="+mn-ea"/>
-              </a:rPr>
-              <a:t>常见</a:t>
-            </a:r>
-            <a:r>
-              <a:rPr lang="en-US" altLang="zh-CN" sz="4000" b="1" kern="1200" dirty="0" err="1">
-                <a:solidFill>
-                  <a:schemeClr val="bg1"/>
-                </a:solidFill>
-                <a:latin typeface="+mn-ea"/>
-              </a:rPr>
-              <a:t>adb</a:t>
-            </a:r>
-            <a:r>
-              <a:rPr lang="zh-CN" altLang="en-US" sz="4000" b="1" kern="1200" dirty="0">
-                <a:solidFill>
-                  <a:schemeClr val="bg1"/>
-                </a:solidFill>
-                <a:latin typeface="+mn-ea"/>
-              </a:rPr>
-              <a:t>命令</a:t>
-            </a:r>
-            <a:endParaRPr lang="zh-CN" altLang="en-US" sz="4000" b="1" kern="1200" dirty="0">
-              <a:solidFill>
-                <a:schemeClr val="bg1"/>
-              </a:solidFill>
-              <a:latin typeface="+mn-ea"/>
-              <a:ea typeface="+mn-ea"/>
-              <a:cs typeface="+mj-cs"/>
-            </a:endParaRPr>
+              <a:spcAft>
+                <a:spcPct val="0"/>
+              </a:spcAft>
+              <a:buClrTx/>
+              <a:buSzTx/>
+              <a:buFontTx/>
+              <a:buNone/>
+              <a:tabLst/>
+            </a:pPr>
+            <a:r>
+              <a:rPr lang="zh-CN" altLang="zh-CN" sz="2400" dirty="0"/>
+              <a:t> </a:t>
+            </a:r>
           </a:p>
         </p:txBody>
       </p:sp>
     </p:spTree>
     <p:extLst>
       <p:ext uri="{BB962C8B-B14F-4D97-AF65-F5344CB8AC3E}">
-        <p14:creationId xmlns:p14="http://schemas.microsoft.com/office/powerpoint/2010/main" val="3822795184"/>
+        <p14:creationId xmlns:p14="http://schemas.microsoft.com/office/powerpoint/2010/main" val="2343701988"/>
       </p:ext>
     </p:extLst>
   </p:cSld>
@@ -7290,7 +6543,7 @@
       </p:grpSpPr>
       <p:sp>
         <p:nvSpPr>
-          <p:cNvPr id="2" name="内容占位符 1"/>
+          <p:cNvPr id="3" name="内容占位符 2"/>
           <p:cNvSpPr>
             <a:spLocks noGrp="1"/>
           </p:cNvSpPr>
@@ -7300,299 +6553,7 @@
         </p:nvSpPr>
         <p:spPr>
           <a:xfrm>
-            <a:off x="179512" y="782706"/>
-            <a:ext cx="9361040" cy="3394472"/>
-          </a:xfrm>
-        </p:spPr>
-        <p:txBody>
-          <a:bodyPr>
-            <a:noAutofit/>
-          </a:bodyPr>
-          <a:lstStyle/>
-          <a:p>
-            <a:pPr>
-              <a:lnSpc>
-                <a:spcPct val="150000"/>
-              </a:lnSpc>
-            </a:pPr>
-            <a:r>
-              <a:rPr lang="zh-CN" altLang="zh-CN" sz="2400" dirty="0"/>
-              <a:t>使用</a:t>
-            </a:r>
-            <a:r>
-              <a:rPr lang="en-US" altLang="zh-CN" sz="2400" dirty="0" err="1"/>
-              <a:t>adb</a:t>
-            </a:r>
-            <a:r>
-              <a:rPr lang="zh-CN" altLang="zh-CN" sz="2400" dirty="0"/>
-              <a:t>启动停止一个</a:t>
-            </a:r>
-            <a:r>
-              <a:rPr lang="en-US" altLang="zh-CN" sz="2400" dirty="0"/>
-              <a:t>app</a:t>
-            </a:r>
-          </a:p>
-          <a:p>
-            <a:pPr lvl="1">
-              <a:lnSpc>
-                <a:spcPct val="150000"/>
-              </a:lnSpc>
-              <a:buFont typeface="Wingdings" panose="05000000000000000000" pitchFamily="2" charset="2"/>
-              <a:buChar char="Ø"/>
-            </a:pPr>
-            <a:r>
-              <a:rPr lang="en-US" altLang="zh-CN" sz="2000" dirty="0"/>
-              <a:t>-W </a:t>
-            </a:r>
-            <a:r>
-              <a:rPr lang="zh-CN" altLang="zh-CN" sz="2000" dirty="0"/>
-              <a:t>等待启动完成</a:t>
-            </a:r>
-            <a:endParaRPr lang="en-US" altLang="zh-CN" sz="2000" dirty="0"/>
-          </a:p>
-          <a:p>
-            <a:pPr lvl="1">
-              <a:lnSpc>
-                <a:spcPct val="150000"/>
-              </a:lnSpc>
-              <a:buFont typeface="Wingdings" panose="05000000000000000000" pitchFamily="2" charset="2"/>
-              <a:buChar char="Ø"/>
-            </a:pPr>
-            <a:r>
-              <a:rPr lang="zh-CN" altLang="zh-CN" sz="2000" dirty="0"/>
-              <a:t> </a:t>
-            </a:r>
-            <a:r>
-              <a:rPr lang="en-US" altLang="zh-CN" sz="2000" dirty="0"/>
-              <a:t>–S</a:t>
-            </a:r>
-            <a:r>
-              <a:rPr lang="zh-CN" altLang="zh-CN" sz="2000" dirty="0"/>
-              <a:t>强制停止再次启动</a:t>
-            </a:r>
-          </a:p>
-          <a:p>
-            <a:pPr lvl="1">
-              <a:lnSpc>
-                <a:spcPct val="150000"/>
-              </a:lnSpc>
-              <a:buFont typeface="Wingdings" panose="05000000000000000000" pitchFamily="2" charset="2"/>
-              <a:buChar char="Ø"/>
-            </a:pPr>
-            <a:r>
-              <a:rPr lang="en-US" altLang="zh-CN" sz="2000" dirty="0" err="1"/>
-              <a:t>adb</a:t>
-            </a:r>
-            <a:r>
-              <a:rPr lang="en-US" altLang="zh-CN" sz="2000" dirty="0"/>
-              <a:t> shell  am  start  –W  –S  package/activity</a:t>
-            </a:r>
-            <a:endParaRPr lang="zh-CN" altLang="zh-CN" sz="2000" dirty="0"/>
-          </a:p>
-          <a:p>
-            <a:pPr lvl="1">
-              <a:lnSpc>
-                <a:spcPct val="150000"/>
-              </a:lnSpc>
-              <a:buFont typeface="Wingdings" panose="05000000000000000000" pitchFamily="2" charset="2"/>
-              <a:buChar char="Ø"/>
-            </a:pPr>
-            <a:r>
-              <a:rPr lang="en-US" altLang="zh-CN" sz="2000" dirty="0" err="1"/>
-              <a:t>adb</a:t>
-            </a:r>
-            <a:r>
-              <a:rPr lang="en-US" altLang="zh-CN" sz="2000" dirty="0"/>
-              <a:t> shell  am  force-stop   package</a:t>
-            </a:r>
-          </a:p>
-          <a:p>
-            <a:pPr marL="457200" lvl="1" indent="0">
-              <a:lnSpc>
-                <a:spcPct val="150000"/>
-              </a:lnSpc>
-              <a:buNone/>
-            </a:pPr>
-            <a:r>
-              <a:rPr lang="zh-CN" altLang="en-US" sz="2000" dirty="0">
-                <a:latin typeface="+mn-ea"/>
-              </a:rPr>
-              <a:t>查看包名</a:t>
-            </a:r>
-            <a:endParaRPr lang="en-US" altLang="zh-CN" sz="2000" dirty="0">
-              <a:latin typeface="+mn-ea"/>
-            </a:endParaRPr>
-          </a:p>
-          <a:p>
-            <a:pPr marL="457200" lvl="1" indent="0">
-              <a:lnSpc>
-                <a:spcPct val="150000"/>
-              </a:lnSpc>
-              <a:buNone/>
-            </a:pPr>
-            <a:r>
-              <a:rPr lang="en-US" altLang="zh-CN" sz="2000" dirty="0" err="1"/>
-              <a:t>aapt</a:t>
-            </a:r>
-            <a:r>
-              <a:rPr lang="en-US" altLang="zh-CN" sz="2000" dirty="0"/>
-              <a:t> dump badging d:\group-612_0-meituan.apk | </a:t>
-            </a:r>
-            <a:r>
-              <a:rPr lang="en-US" altLang="zh-CN" sz="2000" dirty="0" err="1"/>
-              <a:t>findstr</a:t>
-            </a:r>
-            <a:r>
-              <a:rPr lang="en-US" altLang="zh-CN" sz="2000" dirty="0"/>
-              <a:t> launchable-activity</a:t>
-            </a:r>
-          </a:p>
-          <a:p>
-            <a:pPr marL="457200" lvl="1" indent="0">
-              <a:lnSpc>
-                <a:spcPct val="150000"/>
-              </a:lnSpc>
-              <a:buNone/>
-            </a:pPr>
-            <a:r>
-              <a:rPr lang="zh-CN" altLang="en-US" sz="2000" dirty="0">
-                <a:latin typeface="+mn-ea"/>
-              </a:rPr>
-              <a:t>启动程序：</a:t>
-            </a:r>
-            <a:r>
-              <a:rPr lang="en-US" altLang="zh-CN" sz="2000" dirty="0" err="1"/>
-              <a:t>adb</a:t>
-            </a:r>
-            <a:r>
-              <a:rPr lang="en-US" altLang="zh-CN" sz="2000" dirty="0"/>
-              <a:t> shell am start –W –S </a:t>
-            </a:r>
-            <a:r>
-              <a:rPr lang="en-US" altLang="zh-CN" sz="2000" dirty="0" err="1"/>
-              <a:t>com.sankuai.meituan</a:t>
-            </a:r>
-            <a:r>
-              <a:rPr lang="en-US" altLang="zh-CN" sz="2000" dirty="0"/>
-              <a:t>/.</a:t>
-            </a:r>
-            <a:r>
-              <a:rPr lang="en-US" altLang="zh-CN" sz="2000" dirty="0" err="1"/>
-              <a:t>acvity.Welcome</a:t>
-            </a:r>
-            <a:endParaRPr lang="zh-CN" altLang="zh-CN" sz="2000" dirty="0"/>
-          </a:p>
-          <a:p>
-            <a:endParaRPr lang="zh-CN" altLang="en-US" sz="2400" dirty="0"/>
-          </a:p>
-        </p:txBody>
-      </p:sp>
-      <p:sp>
-        <p:nvSpPr>
-          <p:cNvPr id="3" name="标题 2"/>
-          <p:cNvSpPr>
-            <a:spLocks noGrp="1"/>
-          </p:cNvSpPr>
-          <p:nvPr>
-            <p:ph type="title"/>
-          </p:nvPr>
-        </p:nvSpPr>
-        <p:spPr>
-          <a:xfrm>
-            <a:off x="323528" y="-74544"/>
-            <a:ext cx="8229600" cy="857250"/>
-          </a:xfrm>
-        </p:spPr>
-        <p:txBody>
-          <a:bodyPr>
-            <a:normAutofit/>
-          </a:bodyPr>
-          <a:lstStyle/>
-          <a:p>
-            <a:pPr lvl="1" algn="ctr" rtl="0">
-              <a:spcBef>
-                <a:spcPct val="0"/>
-              </a:spcBef>
-            </a:pPr>
-            <a:r>
-              <a:rPr lang="zh-CN" altLang="en-US" sz="4000" b="1" kern="1200" dirty="0">
-                <a:solidFill>
-                  <a:schemeClr val="bg1"/>
-                </a:solidFill>
-                <a:latin typeface="+mn-ea"/>
-                <a:ea typeface="+mn-ea"/>
-                <a:cs typeface="+mj-cs"/>
-              </a:rPr>
-              <a:t>常见</a:t>
-            </a:r>
-            <a:r>
-              <a:rPr lang="en-US" altLang="zh-CN" sz="4000" b="1" kern="1200" dirty="0" err="1">
-                <a:solidFill>
-                  <a:schemeClr val="bg1"/>
-                </a:solidFill>
-                <a:latin typeface="+mn-ea"/>
-                <a:ea typeface="+mn-ea"/>
-                <a:cs typeface="+mj-cs"/>
-              </a:rPr>
-              <a:t>adb</a:t>
-            </a:r>
-            <a:r>
-              <a:rPr lang="zh-CN" altLang="en-US" sz="4000" b="1" kern="1200" dirty="0">
-                <a:solidFill>
-                  <a:schemeClr val="bg1"/>
-                </a:solidFill>
-                <a:latin typeface="+mn-ea"/>
-                <a:ea typeface="+mn-ea"/>
-                <a:cs typeface="+mj-cs"/>
-              </a:rPr>
-              <a:t>命令</a:t>
-            </a:r>
-          </a:p>
-        </p:txBody>
-      </p:sp>
-    </p:spTree>
-    <p:extLst>
-      <p:ext uri="{BB962C8B-B14F-4D97-AF65-F5344CB8AC3E}">
-        <p14:creationId xmlns:p14="http://schemas.microsoft.com/office/powerpoint/2010/main" val="3031376555"/>
-      </p:ext>
-    </p:extLst>
-  </p:cSld>
-  <p:clrMapOvr>
-    <a:masterClrMapping/>
-  </p:clrMapOvr>
-</p:sld>
-</file>
-
-<file path=ppt/slides/slide19.xml><?xml version="1.0" encoding="utf-8"?>
-<p:sld xmlns:a="http://schemas.openxmlformats.org/drawingml/2006/main" xmlns:r="http://schemas.openxmlformats.org/officeDocument/2006/relationships" xmlns:p="http://schemas.openxmlformats.org/presentationml/2006/main">
-  <p:cSld>
-    <p:spTree>
-      <p:nvGrpSpPr>
-        <p:cNvPr id="1" name=""/>
-        <p:cNvGrpSpPr/>
-        <p:nvPr/>
-      </p:nvGrpSpPr>
-      <p:grpSpPr>
-        <a:xfrm>
-          <a:off x="0" y="0"/>
-          <a:ext cx="0" cy="0"/>
-          <a:chOff x="0" y="0"/>
-          <a:chExt cx="0" cy="0"/>
-        </a:xfrm>
-      </p:grpSpPr>
-      <p:sp>
-        <p:nvSpPr>
-          <p:cNvPr id="3" name="内容占位符 2"/>
-          <p:cNvSpPr>
-            <a:spLocks noGrp="1"/>
-          </p:cNvSpPr>
-          <p:nvPr>
-            <p:ph idx="1"/>
-          </p:nvPr>
-        </p:nvSpPr>
-        <p:spPr>
-          <a:xfrm>
-            <a:off x="539552" y="843558"/>
+            <a:off x="457200" y="802310"/>
             <a:ext cx="8229600" cy="4299942"/>
           </a:xfrm>
         </p:spPr>
@@ -8056,6 +7017,360 @@
 </p:sld>
 </file>
 
+<file path=ppt/slides/slide19.xml><?xml version="1.0" encoding="utf-8"?>
+<p:sld xmlns:a="http://schemas.openxmlformats.org/drawingml/2006/main" xmlns:r="http://schemas.openxmlformats.org/officeDocument/2006/relationships" xmlns:p="http://schemas.openxmlformats.org/presentationml/2006/main">
+  <p:cSld>
+    <p:spTree>
+      <p:nvGrpSpPr>
+        <p:cNvPr id="1" name=""/>
+        <p:cNvGrpSpPr/>
+        <p:nvPr/>
+      </p:nvGrpSpPr>
+      <p:grpSpPr>
+        <a:xfrm>
+          <a:off x="0" y="0"/>
+          <a:ext cx="0" cy="0"/>
+          <a:chOff x="0" y="0"/>
+          <a:chExt cx="0" cy="0"/>
+        </a:xfrm>
+      </p:grpSpPr>
+      <p:sp>
+        <p:nvSpPr>
+          <p:cNvPr id="2" name="内容占位符 1"/>
+          <p:cNvSpPr>
+            <a:spLocks noGrp="1"/>
+          </p:cNvSpPr>
+          <p:nvPr>
+            <p:ph idx="1"/>
+          </p:nvPr>
+        </p:nvSpPr>
+        <p:spPr>
+          <a:xfrm>
+            <a:off x="179512" y="782706"/>
+            <a:ext cx="9361040" cy="3394472"/>
+          </a:xfrm>
+        </p:spPr>
+        <p:txBody>
+          <a:bodyPr>
+            <a:noAutofit/>
+          </a:bodyPr>
+          <a:lstStyle/>
+          <a:p>
+            <a:pPr>
+              <a:lnSpc>
+                <a:spcPct val="150000"/>
+              </a:lnSpc>
+            </a:pPr>
+            <a:r>
+              <a:rPr lang="zh-CN" altLang="zh-CN" sz="2400" dirty="0"/>
+              <a:t>使用</a:t>
+            </a:r>
+            <a:r>
+              <a:rPr lang="en-US" altLang="zh-CN" sz="2400" dirty="0" err="1"/>
+              <a:t>adb</a:t>
+            </a:r>
+            <a:r>
+              <a:rPr lang="zh-CN" altLang="zh-CN" sz="2400" dirty="0"/>
+              <a:t>启动停止一个</a:t>
+            </a:r>
+            <a:r>
+              <a:rPr lang="en-US" altLang="zh-CN" sz="2400" dirty="0"/>
+              <a:t>app</a:t>
+            </a:r>
+          </a:p>
+          <a:p>
+            <a:pPr lvl="1">
+              <a:lnSpc>
+                <a:spcPct val="150000"/>
+              </a:lnSpc>
+              <a:buFont typeface="Wingdings" panose="05000000000000000000" pitchFamily="2" charset="2"/>
+              <a:buChar char="Ø"/>
+            </a:pPr>
+            <a:r>
+              <a:rPr lang="en-US" altLang="zh-CN" sz="2000" dirty="0"/>
+              <a:t>-W </a:t>
+            </a:r>
+            <a:r>
+              <a:rPr lang="zh-CN" altLang="zh-CN" sz="2000" dirty="0"/>
+              <a:t>等待启动完成</a:t>
+            </a:r>
+            <a:endParaRPr lang="en-US" altLang="zh-CN" sz="2000" dirty="0"/>
+          </a:p>
+          <a:p>
+            <a:pPr lvl="1">
+              <a:lnSpc>
+                <a:spcPct val="150000"/>
+              </a:lnSpc>
+              <a:buFont typeface="Wingdings" panose="05000000000000000000" pitchFamily="2" charset="2"/>
+              <a:buChar char="Ø"/>
+            </a:pPr>
+            <a:r>
+              <a:rPr lang="zh-CN" altLang="zh-CN" sz="2000" dirty="0"/>
+              <a:t> </a:t>
+            </a:r>
+            <a:r>
+              <a:rPr lang="en-US" altLang="zh-CN" sz="2000" dirty="0"/>
+              <a:t>–S</a:t>
+            </a:r>
+            <a:r>
+              <a:rPr lang="zh-CN" altLang="zh-CN" sz="2000" dirty="0"/>
+              <a:t>强制停止再次启动</a:t>
+            </a:r>
+          </a:p>
+          <a:p>
+            <a:pPr lvl="1">
+              <a:lnSpc>
+                <a:spcPct val="150000"/>
+              </a:lnSpc>
+              <a:buFont typeface="Wingdings" panose="05000000000000000000" pitchFamily="2" charset="2"/>
+              <a:buChar char="Ø"/>
+            </a:pPr>
+            <a:r>
+              <a:rPr lang="en-US" altLang="zh-CN" sz="2000" dirty="0" err="1"/>
+              <a:t>adb</a:t>
+            </a:r>
+            <a:r>
+              <a:rPr lang="en-US" altLang="zh-CN" sz="2000" dirty="0"/>
+              <a:t> shell  am  start  –W  –S  package/activity</a:t>
+            </a:r>
+            <a:endParaRPr lang="zh-CN" altLang="zh-CN" sz="2000" dirty="0"/>
+          </a:p>
+          <a:p>
+            <a:pPr lvl="1">
+              <a:lnSpc>
+                <a:spcPct val="150000"/>
+              </a:lnSpc>
+              <a:buFont typeface="Wingdings" panose="05000000000000000000" pitchFamily="2" charset="2"/>
+              <a:buChar char="Ø"/>
+            </a:pPr>
+            <a:r>
+              <a:rPr lang="en-US" altLang="zh-CN" sz="2000" dirty="0" err="1"/>
+              <a:t>adb</a:t>
+            </a:r>
+            <a:r>
+              <a:rPr lang="en-US" altLang="zh-CN" sz="2000" dirty="0"/>
+              <a:t> shell  am  force-stop   package</a:t>
+            </a:r>
+          </a:p>
+          <a:p>
+            <a:pPr marL="457200" lvl="1" indent="0">
+              <a:lnSpc>
+                <a:spcPct val="150000"/>
+              </a:lnSpc>
+              <a:buNone/>
+            </a:pPr>
+            <a:r>
+              <a:rPr lang="zh-CN" altLang="en-US" sz="2000" dirty="0">
+                <a:latin typeface="+mn-ea"/>
+              </a:rPr>
+              <a:t>查看包名</a:t>
+            </a:r>
+            <a:endParaRPr lang="en-US" altLang="zh-CN" sz="2000" dirty="0">
+              <a:latin typeface="+mn-ea"/>
+            </a:endParaRPr>
+          </a:p>
+          <a:p>
+            <a:pPr marL="457200" lvl="1" indent="0">
+              <a:lnSpc>
+                <a:spcPct val="150000"/>
+              </a:lnSpc>
+              <a:buNone/>
+            </a:pPr>
+            <a:r>
+              <a:rPr lang="en-US" altLang="zh-CN" sz="2000" dirty="0" err="1"/>
+              <a:t>aapt</a:t>
+            </a:r>
+            <a:r>
+              <a:rPr lang="en-US" altLang="zh-CN" sz="2000" dirty="0"/>
+              <a:t> dump badging d:\meituan.apk | </a:t>
+            </a:r>
+            <a:r>
+              <a:rPr lang="en-US" altLang="zh-CN" sz="2000" dirty="0" err="1"/>
+              <a:t>findstr</a:t>
+            </a:r>
+            <a:r>
+              <a:rPr lang="en-US" altLang="zh-CN" sz="2000" dirty="0"/>
+              <a:t> launchable-activity</a:t>
+            </a:r>
+          </a:p>
+          <a:p>
+            <a:pPr marL="457200" lvl="1" indent="0">
+              <a:lnSpc>
+                <a:spcPct val="150000"/>
+              </a:lnSpc>
+              <a:buNone/>
+            </a:pPr>
+            <a:r>
+              <a:rPr lang="zh-CN" altLang="en-US" sz="2000" dirty="0">
+                <a:latin typeface="+mn-ea"/>
+              </a:rPr>
+              <a:t>启动程序：</a:t>
+            </a:r>
+            <a:r>
+              <a:rPr lang="en-US" altLang="zh-CN" sz="2000" dirty="0" err="1"/>
+              <a:t>adb</a:t>
+            </a:r>
+            <a:r>
+              <a:rPr lang="en-US" altLang="zh-CN" sz="2000" dirty="0"/>
+              <a:t> shell am start –W –S </a:t>
+            </a:r>
+            <a:r>
+              <a:rPr lang="en-US" altLang="zh-CN" sz="2000" dirty="0" err="1"/>
+              <a:t>com.sankuai.meituan</a:t>
+            </a:r>
+            <a:r>
+              <a:rPr lang="en-US" altLang="zh-CN" sz="2000" dirty="0"/>
+              <a:t>/.</a:t>
+            </a:r>
+            <a:r>
+              <a:rPr lang="en-US" altLang="zh-CN" sz="2000" dirty="0" err="1"/>
+              <a:t>acvity.Welcome</a:t>
+            </a:r>
+            <a:endParaRPr lang="zh-CN" altLang="zh-CN" sz="2000" dirty="0"/>
+          </a:p>
+          <a:p>
+            <a:endParaRPr lang="zh-CN" altLang="en-US" sz="2400" dirty="0"/>
+          </a:p>
+        </p:txBody>
+      </p:sp>
+      <p:sp>
+        <p:nvSpPr>
+          <p:cNvPr id="5" name="Rectangle 2">
+            <a:extLst>
+              <a:ext uri="{FF2B5EF4-FFF2-40B4-BE49-F238E27FC236}">
+                <a16:creationId xmlns:a16="http://schemas.microsoft.com/office/drawing/2014/main" id="{041D28E9-31DE-4104-ACEF-7B9D4E73FDED}"/>
+              </a:ext>
+            </a:extLst>
+          </p:cNvPr>
+          <p:cNvSpPr>
+            <a:spLocks noGrp="1" noChangeArrowheads="1"/>
+          </p:cNvSpPr>
+          <p:nvPr>
+            <p:ph type="title"/>
+          </p:nvPr>
+        </p:nvSpPr>
+        <p:spPr bwMode="auto">
+          <a:xfrm>
+            <a:off x="1590755" y="-76875"/>
+            <a:ext cx="5695790" cy="861774"/>
+          </a:xfrm>
+          <a:prstGeom prst="rect">
+            <a:avLst/>
+          </a:prstGeom>
+          <a:noFill/>
+          <a:ln>
+            <a:noFill/>
+          </a:ln>
+          <a:effectLst/>
+          <a:extLst>
+            <a:ext uri="{909E8E84-426E-40DD-AFC4-6F175D3DCCD1}">
+              <a14:hiddenFill xmlns:a14="http://schemas.microsoft.com/office/drawing/2010/main">
+                <a:solidFill>
+                  <a:schemeClr val="accent1"/>
+                </a:solidFill>
+              </a14:hiddenFill>
+            </a:ext>
+            <a:ext uri="{91240B29-F687-4F45-9708-019B960494DF}">
+              <a14:hiddenLine xmlns:a14="http://schemas.microsoft.com/office/drawing/2010/main" w="9525">
+                <a:solidFill>
+                  <a:schemeClr val="tx1"/>
+                </a:solidFill>
+                <a:miter lim="800000"/>
+                <a:headEnd/>
+                <a:tailEnd/>
+              </a14:hiddenLine>
+            </a:ext>
+            <a:ext uri="{AF507438-7753-43E0-B8FC-AC1667EBCBE1}">
+              <a14:hiddenEffects xmlns:a14="http://schemas.microsoft.com/office/drawing/2010/main">
+                <a:effectLst>
+                  <a:outerShdw dist="35921" dir="2700000" algn="ctr" rotWithShape="0">
+                    <a:schemeClr val="bg2"/>
+                  </a:outerShdw>
+                </a:effectLst>
+              </a14:hiddenEffects>
+            </a:ext>
+          </a:extLst>
+        </p:spPr>
+        <p:txBody>
+          <a:bodyPr vert="horz" wrap="none" lIns="91440" tIns="45720" rIns="91440" bIns="45720" numCol="1" anchor="ctr" anchorCtr="0" compatLnSpc="1">
+            <a:prstTxWarp prst="textNoShape">
+              <a:avLst/>
+            </a:prstTxWarp>
+            <a:spAutoFit/>
+          </a:bodyPr>
+          <a:lstStyle/>
+          <a:p>
+            <a:pPr marL="0" marR="0" lvl="1" indent="0" algn="ctr" defTabSz="914400" rtl="0" eaLnBrk="0" fontAlgn="base" latinLnBrk="0" hangingPunct="0">
+              <a:lnSpc>
+                <a:spcPct val="100000"/>
+              </a:lnSpc>
+              <a:spcBef>
+                <a:spcPct val="0"/>
+              </a:spcBef>
+              <a:spcAft>
+                <a:spcPct val="0"/>
+              </a:spcAft>
+              <a:buClrTx/>
+              <a:buSzTx/>
+              <a:buFontTx/>
+              <a:buNone/>
+              <a:tabLst/>
+            </a:pPr>
+            <a:r>
+              <a:rPr lang="zh-CN" altLang="zh-CN" sz="3200" b="1" kern="1200" dirty="0">
+                <a:solidFill>
+                  <a:schemeClr val="bg1"/>
+                </a:solidFill>
+                <a:latin typeface="+mn-ea"/>
+                <a:ea typeface="+mn-ea"/>
+                <a:cs typeface="+mj-cs"/>
+              </a:rPr>
+              <a:t>调用 Activity 管理器 (am)</a:t>
+            </a:r>
+          </a:p>
+          <a:p>
+            <a:pPr marL="0" marR="0" lvl="0" indent="0" algn="l" defTabSz="914400" rtl="0" eaLnBrk="0" fontAlgn="base" latinLnBrk="0" hangingPunct="0">
+              <a:lnSpc>
+                <a:spcPct val="100000"/>
+              </a:lnSpc>
+              <a:spcBef>
+                <a:spcPct val="0"/>
+              </a:spcBef>
+              <a:spcAft>
+                <a:spcPct val="0"/>
+              </a:spcAft>
+              <a:buClrTx/>
+              <a:buSzTx/>
+              <a:buFontTx/>
+              <a:buNone/>
+              <a:tabLst/>
+            </a:pPr>
+            <a:endParaRPr kumimoji="0" lang="zh-CN" altLang="zh-CN" sz="1800" b="0" i="0" u="none" strike="noStrike" cap="none" normalizeH="0" baseline="0" dirty="0">
+              <a:ln>
+                <a:noFill/>
+              </a:ln>
+              <a:solidFill>
+                <a:schemeClr val="tx1"/>
+              </a:solidFill>
+              <a:effectLst/>
+              <a:latin typeface="Arial" panose="020B0604020202020204" pitchFamily="34" charset="0"/>
+            </a:endParaRPr>
+          </a:p>
+        </p:txBody>
+      </p:sp>
+    </p:spTree>
+    <p:extLst>
+      <p:ext uri="{BB962C8B-B14F-4D97-AF65-F5344CB8AC3E}">
+        <p14:creationId xmlns:p14="http://schemas.microsoft.com/office/powerpoint/2010/main" val="3646043043"/>
+      </p:ext>
+    </p:extLst>
+  </p:cSld>
+  <p:clrMapOvr>
+    <a:masterClrMapping/>
+  </p:clrMapOvr>
+</p:sld>
+</file>
+
 <file path=ppt/slides/slide2.xml><?xml version="1.0" encoding="utf-8"?>
 <p:sld xmlns:a="http://schemas.openxmlformats.org/drawingml/2006/main" xmlns:r="http://schemas.openxmlformats.org/officeDocument/2006/relationships" xmlns:p="http://schemas.openxmlformats.org/presentationml/2006/main">
   <p:cSld>
@@ -8199,18 +7514,26 @@
               </a:lnSpc>
             </a:pPr>
             <a:r>
-              <a:rPr lang="zh-CN" altLang="zh-CN" dirty="0"/>
+              <a:rPr lang="zh-CN" altLang="zh-CN" dirty="0">
+                <a:latin typeface="+mn-ea"/>
+              </a:rPr>
               <a:t>获取</a:t>
             </a:r>
             <a:r>
-              <a:rPr lang="en-US" altLang="zh-CN" dirty="0"/>
+              <a:rPr lang="en-US" altLang="zh-CN" dirty="0">
+                <a:latin typeface="+mn-ea"/>
+              </a:rPr>
               <a:t>CPU</a:t>
             </a:r>
             <a:r>
-              <a:rPr lang="zh-CN" altLang="zh-CN" dirty="0"/>
+              <a:rPr lang="zh-CN" altLang="zh-CN" dirty="0">
+                <a:latin typeface="+mn-ea"/>
+              </a:rPr>
               <a:t>、内存状态</a:t>
             </a:r>
-            <a:endParaRPr lang="en-US" altLang="zh-CN" dirty="0"/>
+            <a:endParaRPr lang="en-US" altLang="zh-CN" dirty="0">
+              <a:latin typeface="+mn-ea"/>
+            </a:endParaRPr>
           </a:p>
           <a:p>
             <a:pPr lvl="1">
@@ -8219,26 +7542,38 @@
               </a:lnSpc>
             </a:pPr>
             <a:r>
-              <a:rPr lang="en-US" altLang="zh-CN" dirty="0" err="1"/>
+              <a:rPr lang="en-US" altLang="zh-CN" dirty="0" err="1">
+                <a:latin typeface="+mn-ea"/>
+              </a:rPr>
               <a:t>adb</a:t>
             </a:r>
             <a:r>
-              <a:rPr lang="en-US" altLang="zh-CN" dirty="0"/>
+              <a:rPr lang="en-US" altLang="zh-CN" dirty="0">
+                <a:latin typeface="+mn-ea"/>
+              </a:rPr>
               <a:t> shell </a:t>
             </a:r>
             <a:r>
-              <a:rPr lang="en-US" altLang="zh-CN" dirty="0" err="1"/>
+              <a:rPr lang="en-US" altLang="zh-CN" dirty="0" err="1">
+                <a:latin typeface="+mn-ea"/>
+              </a:rPr>
               <a:t>dumpsys</a:t>
             </a:r>
             <a:r>
-              <a:rPr lang="en-US" altLang="zh-CN" dirty="0"/>
+              <a:rPr lang="en-US" altLang="zh-CN" dirty="0">
+                <a:latin typeface="+mn-ea"/>
+              </a:rPr>
               <a:t> </a:t>
             </a:r>
             <a:r>
-              <a:rPr lang="en-US" altLang="zh-CN" dirty="0" err="1"/>
+              <a:rPr lang="en-US" altLang="zh-CN" dirty="0" err="1">
+                <a:latin typeface="+mn-ea"/>
+              </a:rPr>
               <a:t>meminfo</a:t>
             </a:r>
-            <a:endParaRPr lang="zh-CN" altLang="zh-CN" dirty="0"/>
+            <a:endParaRPr lang="zh-CN" altLang="zh-CN" dirty="0">
+              <a:latin typeface="+mn-ea"/>
+            </a:endParaRPr>
           </a:p>
           <a:p>
             <a:pPr lvl="1">
@@ -8247,30 +7582,44 @@
               </a:lnSpc>
             </a:pPr>
             <a:r>
-              <a:rPr lang="en-US" altLang="zh-CN" dirty="0" err="1"/>
+              <a:rPr lang="en-US" altLang="zh-CN" dirty="0" err="1">
+                <a:latin typeface="+mn-ea"/>
+              </a:rPr>
               <a:t>adb</a:t>
             </a:r>
             <a:r>
-              <a:rPr lang="en-US" altLang="zh-CN" dirty="0"/>
+              <a:rPr lang="en-US" altLang="zh-CN" dirty="0">
+                <a:latin typeface="+mn-ea"/>
+              </a:rPr>
               <a:t> shell </a:t>
             </a:r>
             <a:r>
-              <a:rPr lang="en-US" altLang="zh-CN" dirty="0" err="1"/>
+              <a:rPr lang="en-US" altLang="zh-CN" dirty="0" err="1">
+                <a:latin typeface="+mn-ea"/>
+              </a:rPr>
               <a:t>dumpsys</a:t>
             </a:r>
             <a:r>
-              <a:rPr lang="en-US" altLang="zh-CN" dirty="0"/>
+              <a:rPr lang="en-US" altLang="zh-CN" dirty="0">
+                <a:latin typeface="+mn-ea"/>
+              </a:rPr>
               <a:t>  </a:t>
             </a:r>
             <a:r>
-              <a:rPr lang="en-US" altLang="zh-CN" dirty="0" err="1"/>
+              <a:rPr lang="en-US" altLang="zh-CN" dirty="0" err="1">
+                <a:latin typeface="+mn-ea"/>
+              </a:rPr>
               <a:t>cpuinfo</a:t>
             </a:r>
             <a:r>
-              <a:rPr lang="en-US" altLang="zh-CN" dirty="0"/>
+              <a:rPr lang="en-US" altLang="zh-CN" dirty="0">
+                <a:latin typeface="+mn-ea"/>
+              </a:rPr>
               <a:t> </a:t>
             </a:r>
-            <a:endParaRPr lang="zh-CN" altLang="en-US" dirty="0"/>
+            <a:endParaRPr lang="zh-CN" altLang="en-US" dirty="0">
+              <a:latin typeface="+mn-ea"/>
+            </a:endParaRPr>
           </a:p>
         </p:txBody>
       </p:sp>
@@ -8368,35 +7717,61 @@
           <a:bodyPr/>
           <a:lstStyle/>
           <a:p>
-            <a:r>
-              <a:rPr lang="en-US" altLang="zh-CN" dirty="0" err="1"/>
+            <a:pPr>
+              <a:lnSpc>
+                <a:spcPct val="150000"/>
+              </a:lnSpc>
+            </a:pPr>
+            <a:r>
+              <a:rPr lang="en-US" altLang="zh-CN" sz="2800" dirty="0" err="1">
+                <a:latin typeface="+mn-ea"/>
+              </a:rPr>
               <a:t>adb</a:t>
             </a:r>
             <a:r>
-              <a:rPr lang="en-US" altLang="zh-CN" dirty="0"/>
+              <a:rPr lang="en-US" altLang="zh-CN" sz="2800" dirty="0">
+                <a:latin typeface="+mn-ea"/>
+              </a:rPr>
               <a:t> shell screencap /data/local/test1.png</a:t>
             </a:r>
-            <a:endParaRPr lang="zh-CN" altLang="zh-CN" dirty="0"/>
-          </a:p>
-          <a:p>
-            <a:r>
-              <a:rPr lang="en-US" altLang="zh-CN" dirty="0" err="1"/>
+            <a:endParaRPr lang="zh-CN" altLang="zh-CN" sz="2800" dirty="0">
+              <a:latin typeface="+mn-ea"/>
+            </a:endParaRPr>
+          </a:p>
+          <a:p>
+            <a:pPr>
+              <a:lnSpc>
+                <a:spcPct val="150000"/>
+              </a:lnSpc>
+            </a:pPr>
+            <a:r>
+              <a:rPr lang="en-US" altLang="zh-CN" sz="2800" dirty="0" err="1">
+                <a:latin typeface="+mn-ea"/>
+              </a:rPr>
               <a:t>adb</a:t>
             </a:r>
             <a:r>
-              <a:rPr lang="en-US" altLang="zh-CN" dirty="0"/>
+              <a:rPr lang="en-US" altLang="zh-CN" sz="2800" dirty="0">
+                <a:latin typeface="+mn-ea"/>
+              </a:rPr>
               <a:t> shell </a:t>
             </a:r>
             <a:r>
-              <a:rPr lang="en-US" altLang="zh-CN" dirty="0" err="1"/>
+              <a:rPr lang="en-US" altLang="zh-CN" sz="2800" dirty="0" err="1">
+                <a:latin typeface="+mn-ea"/>
+              </a:rPr>
               <a:t>screenrecord</a:t>
             </a:r>
             <a:r>
-              <a:rPr lang="en-US" altLang="zh-CN" dirty="0"/>
+              <a:rPr lang="en-US" altLang="zh-CN" sz="2800" dirty="0">
+                <a:latin typeface="+mn-ea"/>
+              </a:rPr>
               <a:t>  /data/local/test2.mp4</a:t>
             </a:r>
             <a:r>
-              <a:rPr lang="zh-CN" altLang="zh-CN" dirty="0"/>
+              <a:rPr lang="zh-CN" altLang="zh-CN" sz="2800" dirty="0">
+                <a:latin typeface="+mn-ea"/>
+              </a:rPr>
               <a:t>（模拟器不支持）</a:t>
             </a:r>
           </a:p>
@@ -8422,11 +7797,13 @@
           </a:xfrm>
         </p:spPr>
         <p:txBody>
-          <a:bodyPr/>
+          <a:bodyPr>
+            <a:normAutofit/>
+          </a:bodyPr>
           <a:lstStyle/>
           <a:p>
             <a:r>
-              <a:rPr lang="zh-CN" altLang="en-US" dirty="0">
+              <a:rPr lang="zh-CN" altLang="en-US" sz="3600" dirty="0">
                 <a:latin typeface="+mn-ea"/>
                 <a:ea typeface="+mn-ea"/>
               </a:rPr>
@@ -9081,91 +8458,110 @@
               </a:spcBef>
             </a:pPr>
             <a:r>
-              <a:rPr lang="en-US" altLang="zh-CN" sz="2200" dirty="0">
+              <a:rPr lang="zh-CN" altLang="en-US" sz="2200" dirty="0">
+                <a:latin typeface="+mn-ea"/>
+              </a:rPr>
+              <a:t>用途</a:t>
+            </a:r>
+            <a:endParaRPr lang="en-US" altLang="zh-CN" sz="2200" dirty="0">
+              <a:latin typeface="+mn-ea"/>
+            </a:endParaRPr>
+          </a:p>
+          <a:p>
+            <a:pPr lvl="1">
+              <a:lnSpc>
+                <a:spcPct val="160000"/>
+              </a:lnSpc>
+              <a:spcBef>
+                <a:spcPts val="300"/>
+              </a:spcBef>
+            </a:pPr>
+            <a:r>
+              <a:rPr lang="en-US" altLang="zh-CN" sz="1800" dirty="0" err="1">
                 <a:latin typeface="+mn-ea"/>
               </a:rPr>
               <a:t>adb</a:t>
             </a:r>
             <a:r>
-              <a:rPr lang="zh-CN" altLang="en-US" sz="2200" dirty="0">
+              <a:rPr lang="zh-CN" altLang="en-US" sz="1800" dirty="0">
                 <a:latin typeface="+mn-ea"/>
               </a:rPr>
               <a:t>（</a:t>
             </a:r>
             <a:r>
-              <a:rPr lang="en-US" altLang="zh-CN" sz="2200" dirty="0">
+              <a:rPr lang="en-US" altLang="zh-CN" sz="1800" dirty="0">
                 <a:latin typeface="+mn-ea"/>
               </a:rPr>
               <a:t>Android Debug Bridge</a:t>
             </a:r>
             <a:r>
-              <a:rPr lang="zh-CN" altLang="en-US" sz="2200" dirty="0">
+              <a:rPr lang="zh-CN" altLang="en-US" sz="1800" dirty="0">
                 <a:latin typeface="+mn-ea"/>
               </a:rPr>
               <a:t>）是</a:t>
             </a:r>
             <a:r>
-              <a:rPr lang="en-US" altLang="zh-CN" sz="2200" dirty="0">
+              <a:rPr lang="en-US" altLang="zh-CN" sz="1800" dirty="0">
                 <a:latin typeface="+mn-ea"/>
               </a:rPr>
               <a:t>Android</a:t>
             </a:r>
             <a:r>
-              <a:rPr lang="zh-CN" altLang="en-US" sz="2200" dirty="0">
+              <a:rPr lang="zh-CN" altLang="en-US" sz="1800" dirty="0">
                 <a:latin typeface="+mn-ea"/>
               </a:rPr>
               <a:t>的主要调试工具，它可以通过网络或者</a:t>
             </a:r>
             <a:r>
-              <a:rPr lang="en-US" altLang="zh-CN" sz="2200" dirty="0">
+              <a:rPr lang="en-US" altLang="zh-CN" sz="1800" dirty="0">
                 <a:latin typeface="+mn-ea"/>
               </a:rPr>
               <a:t>USB</a:t>
             </a:r>
             <a:r>
-              <a:rPr lang="zh-CN" altLang="en-US" sz="2200" dirty="0">
+              <a:rPr lang="zh-CN" altLang="en-US" sz="1800" dirty="0">
                 <a:latin typeface="+mn-ea"/>
               </a:rPr>
               <a:t>连接真实设备，也可以连接虚拟设备。</a:t>
             </a:r>
             <a:r>
-              <a:rPr lang="en-US" altLang="zh-CN" sz="2200" dirty="0">
+              <a:rPr lang="en-US" altLang="zh-CN" sz="1800" dirty="0">
                 <a:latin typeface="+mn-ea"/>
               </a:rPr>
               <a:t>adb</a:t>
             </a:r>
             <a:r>
-              <a:rPr lang="zh-CN" altLang="en-US" sz="2200" dirty="0">
+              <a:rPr lang="zh-CN" altLang="en-US" sz="1800" dirty="0">
                 <a:latin typeface="+mn-ea"/>
               </a:rPr>
               <a:t>就是连接</a:t>
             </a:r>
             <a:r>
-              <a:rPr lang="en-US" altLang="zh-CN" sz="2200" dirty="0">
+              <a:rPr lang="en-US" altLang="zh-CN" sz="1800" dirty="0">
                 <a:latin typeface="+mn-ea"/>
               </a:rPr>
               <a:t>android</a:t>
             </a:r>
             <a:r>
-              <a:rPr lang="zh-CN" altLang="en-US" sz="2200" dirty="0">
+              <a:rPr lang="zh-CN" altLang="en-US" sz="1800" dirty="0">
                 <a:latin typeface="+mn-ea"/>
               </a:rPr>
               <a:t>手机与</a:t>
             </a:r>
             <a:r>
-              <a:rPr lang="en-US" altLang="zh-CN" sz="2200" dirty="0">
+              <a:rPr lang="en-US" altLang="zh-CN" sz="1800" dirty="0">
                 <a:latin typeface="+mn-ea"/>
               </a:rPr>
               <a:t>pc</a:t>
             </a:r>
             <a:r>
-              <a:rPr lang="zh-CN" altLang="en-US" sz="2200" dirty="0">
+              <a:rPr lang="zh-CN" altLang="en-US" sz="1800" dirty="0">
                 <a:latin typeface="+mn-ea"/>
               </a:rPr>
               <a:t>的</a:t>
             </a:r>
             <a:r>
-              <a:rPr lang="zh-CN" altLang="en-US" sz="2200" dirty="0">
+              <a:rPr lang="zh-CN" altLang="en-US" sz="1800" dirty="0">
                 <a:solidFill>
                   <a:srgbClr val="FF0000"/>
                 </a:solidFill>
@@ -9174,17 +8570,17 @@
               <a:t>桥梁</a:t>
             </a:r>
             <a:r>
-              <a:rPr lang="zh-CN" altLang="en-US" sz="2200" dirty="0">
+              <a:rPr lang="zh-CN" altLang="en-US" sz="1800" dirty="0">
                 <a:latin typeface="+mn-ea"/>
               </a:rPr>
               <a:t>，可以让用户在电脑上对手机进行全面的操作。</a:t>
             </a:r>
-            <a:endParaRPr lang="en-US" altLang="zh-CN" sz="2200" dirty="0">
+            <a:endParaRPr lang="en-US" altLang="zh-CN" sz="1800" dirty="0">
               <a:latin typeface="+mn-ea"/>
             </a:endParaRPr>
           </a:p>
           <a:p>
-            <a:pPr>
+            <a:pPr lvl="1">
               <a:lnSpc>
                 <a:spcPct val="160000"/>
               </a:lnSpc>
@@ -9193,36 +8589,36 @@
               </a:spcBef>
             </a:pPr>
             <a:r>
-              <a:rPr lang="zh-CN" altLang="en-US" sz="2200" dirty="0">
+              <a:rPr lang="zh-CN" altLang="en-US" sz="1800" dirty="0">
                 <a:latin typeface="+mn-ea"/>
               </a:rPr>
               <a:t>借助</a:t>
             </a:r>
             <a:r>
-              <a:rPr lang="en-US" altLang="zh-CN" sz="2200" dirty="0">
+              <a:rPr lang="en-US" altLang="zh-CN" sz="1800" dirty="0">
                 <a:latin typeface="+mn-ea"/>
               </a:rPr>
               <a:t>adb</a:t>
             </a:r>
             <a:r>
-              <a:rPr lang="zh-CN" altLang="en-US" sz="2200" dirty="0">
+              <a:rPr lang="zh-CN" altLang="en-US" sz="1800" dirty="0">
                 <a:latin typeface="+mn-ea"/>
               </a:rPr>
               <a:t>工具，可以管理设备或手机模拟器的状态。还可以进行很多手机操作，如安装软件、系统升级、运行</a:t>
             </a:r>
             <a:r>
-              <a:rPr lang="en-US" altLang="zh-CN" sz="2200" dirty="0">
+              <a:rPr lang="en-US" altLang="zh-CN" sz="1800" dirty="0">
                 <a:latin typeface="+mn-ea"/>
               </a:rPr>
               <a:t>shell</a:t>
             </a:r>
             <a:r>
-              <a:rPr lang="zh-CN" altLang="en-US" sz="2200" dirty="0">
+              <a:rPr lang="zh-CN" altLang="en-US" sz="1800" dirty="0">
                 <a:latin typeface="+mn-ea"/>
               </a:rPr>
               <a:t>命令等待。</a:t>
             </a:r>
-            <a:endParaRPr lang="en-US" altLang="zh-CN" sz="2200" dirty="0">
+            <a:endParaRPr lang="en-US" altLang="zh-CN" sz="1800" dirty="0">
               <a:latin typeface="+mn-ea"/>
             </a:endParaRPr>
           </a:p>
@@ -10190,23 +9586,113 @@
               <a:rPr lang="zh-CN" altLang="en-US" sz="2000" dirty="0">
                 <a:latin typeface="+mn-ea"/>
               </a:rPr>
-              <a:t>当用户启动一个adb客户端，客户端先检查是否已有一个adb服务进程在运行。如果没有，则启动服务进程。当服务器运行， adb服务器就会绑定本地的TCP端口</a:t>
+              <a:t>当用户启动一个adb客户端，客户端先检查是否已有一个adb服务进程在运行。如果没有，则启动服务器进程。服务器在启动后会与本地 </a:t>
+            </a:r>
+            <a:r>
+              <a:rPr lang="en-US" altLang="zh-CN" sz="2000" dirty="0">
+                <a:latin typeface="+mn-ea"/>
+              </a:rPr>
+              <a:t>TCP </a:t>
             </a:r>
             <a:r>
               <a:rPr lang="zh-CN" altLang="en-US" sz="2000" dirty="0">
-                <a:highlight>
-                  <a:srgbClr val="FFFF00"/>
-                </a:highlight>
-                <a:latin typeface="+mn-ea"/>
-              </a:rPr>
-              <a:t>5037</a:t>
+                <a:latin typeface="+mn-ea"/>
+              </a:rPr>
+              <a:t>端口 </a:t>
+            </a:r>
+            <a:r>
+              <a:rPr lang="en-US" altLang="zh-CN" sz="2000" dirty="0">
+                <a:latin typeface="+mn-ea"/>
+              </a:rPr>
+              <a:t>5037 </a:t>
             </a:r>
             <a:r>
               <a:rPr lang="zh-CN" altLang="en-US" sz="2000" dirty="0">
                 <a:latin typeface="+mn-ea"/>
               </a:rPr>
-              <a:t>，并监听adb客户端发来的命令，所有的adb客户端都是用端口 5037与adb服务器进行通信的。</a:t>
-            </a:r>
+              <a:t>绑定，并监听 </a:t>
+            </a:r>
+            <a:r>
+              <a:rPr lang="en-US" altLang="zh-CN" sz="2000" dirty="0" err="1">
+                <a:latin typeface="+mn-ea"/>
+              </a:rPr>
+              <a:t>adb</a:t>
+            </a:r>
+            <a:r>
+              <a:rPr lang="en-US" altLang="zh-CN" sz="2000" dirty="0">
+                <a:latin typeface="+mn-ea"/>
+              </a:rPr>
+              <a:t> </a:t>
+            </a:r>
+            <a:r>
+              <a:rPr lang="zh-CN" altLang="en-US" sz="2000" dirty="0">
+                <a:latin typeface="+mn-ea"/>
+              </a:rPr>
+              <a:t>客户端发出的命令 </a:t>
+            </a:r>
+            <a:r>
+              <a:rPr lang="en-US" altLang="zh-CN" sz="2000" dirty="0">
+                <a:latin typeface="+mn-ea"/>
+              </a:rPr>
+              <a:t>- </a:t>
+            </a:r>
+            <a:r>
+              <a:rPr lang="zh-CN" altLang="en-US" sz="2000" dirty="0">
+                <a:latin typeface="+mn-ea"/>
+              </a:rPr>
+              <a:t>所有 </a:t>
+            </a:r>
+            <a:r>
+              <a:rPr lang="en-US" altLang="zh-CN" sz="2000" dirty="0" err="1">
+                <a:latin typeface="+mn-ea"/>
+              </a:rPr>
+              <a:t>adb</a:t>
+            </a:r>
+            <a:r>
+              <a:rPr lang="en-US" altLang="zh-CN" sz="2000" dirty="0">
+                <a:latin typeface="+mn-ea"/>
+              </a:rPr>
+              <a:t> </a:t>
+            </a:r>
+            <a:r>
+              <a:rPr lang="zh-CN" altLang="en-US" sz="2000" dirty="0">
+                <a:latin typeface="+mn-ea"/>
+              </a:rPr>
+              <a:t>客户端均通过端口 </a:t>
+            </a:r>
+            <a:r>
+              <a:rPr lang="en-US" altLang="zh-CN" sz="2000" dirty="0">
+                <a:latin typeface="+mn-ea"/>
+              </a:rPr>
+              <a:t>5037 </a:t>
+            </a:r>
+            <a:r>
+              <a:rPr lang="zh-CN" altLang="en-US" sz="2000" dirty="0">
+                <a:latin typeface="+mn-ea"/>
+              </a:rPr>
+              <a:t>与 </a:t>
+            </a:r>
+            <a:r>
+              <a:rPr lang="en-US" altLang="zh-CN" sz="2000" dirty="0" err="1">
+                <a:latin typeface="+mn-ea"/>
+              </a:rPr>
+              <a:t>adb</a:t>
+            </a:r>
+            <a:r>
+              <a:rPr lang="en-US" altLang="zh-CN" sz="2000" dirty="0">
+                <a:latin typeface="+mn-ea"/>
+              </a:rPr>
+              <a:t> </a:t>
+            </a:r>
+            <a:r>
+              <a:rPr lang="zh-CN" altLang="en-US" sz="2000" dirty="0">
+                <a:latin typeface="+mn-ea"/>
+              </a:rPr>
+              <a:t>服务器通信。</a:t>
+            </a:r>
+            <a:endParaRPr lang="en-US" altLang="zh-CN" sz="2000" dirty="0">
+              <a:latin typeface="+mn-ea"/>
+            </a:endParaRPr>
           </a:p>
           <a:p>
             <a:pPr>
@@ -10396,7 +9882,19 @@
               <a:rPr lang="zh-CN" altLang="en-US" sz="2000" dirty="0">
                 <a:latin typeface="+mn-ea"/>
               </a:rPr>
-              <a:t>服务器与所有设备均建立连接后，您便可以使用 </a:t>
+              <a:t>服务器与所有设备均建立连接</a:t>
+            </a:r>
+            <a:r>
+              <a:rPr lang="zh-CN" altLang="en-US" sz="2000">
+                <a:latin typeface="+mn-ea"/>
+              </a:rPr>
+              <a:t>后，用户可以</a:t>
+            </a:r>
+            <a:r>
+              <a:rPr lang="zh-CN" altLang="en-US" sz="2000" dirty="0">
+                <a:latin typeface="+mn-ea"/>
+              </a:rPr>
+              <a:t>使用 </a:t>
             </a:r>
             <a:r>
               <a:rPr lang="en-US" altLang="zh-CN" sz="2000" dirty="0" err="1">
@@ -10467,18 +9965,19 @@
           <a:lstStyle/>
           <a:p>
             <a:r>
-              <a:rPr lang="en-US" altLang="zh-CN" dirty="0">
-                <a:latin typeface="+mn-ea"/>
+              <a:rPr lang="en-US" altLang="zh-CN" sz="3600" dirty="0">
+                <a:latin typeface="+mn-ea"/>
+                <a:ea typeface="+mn-ea"/>
               </a:rPr>
               <a:t>ADB</a:t>
             </a:r>
             <a:r>
-              <a:rPr lang="zh-CN" altLang="en-US" dirty="0">
-                <a:latin typeface="+mn-ea"/>
+              <a:rPr lang="zh-CN" altLang="en-US" sz="3600" dirty="0">
+                <a:latin typeface="+mn-ea"/>
+                <a:ea typeface="+mn-ea"/>
               </a:rPr>
               <a:t>工作原理</a:t>
             </a:r>
-            <a:endParaRPr lang="zh-CN" altLang="en-US" dirty="0"/>
           </a:p>
         </p:txBody>
       </p:sp>
@@ -10538,19 +10037,7 @@
               <a:rPr lang="zh-CN" altLang="en-US" sz="2100" dirty="0">
                 <a:latin typeface="+mn-ea"/>
               </a:rPr>
-              <a:t>报错</a:t>
-            </a:r>
-            <a:r>
-              <a:rPr lang="en-US" altLang="zh-CN" sz="2100" dirty="0">
-                <a:latin typeface="+mn-ea"/>
-              </a:rPr>
-              <a:t>1</a:t>
-            </a:r>
-            <a:r>
-              <a:rPr lang="zh-CN" altLang="en-US" sz="2100" dirty="0">
-                <a:latin typeface="+mn-ea"/>
-              </a:rPr>
-              <a:t>：</a:t>
+              <a:t>报错：</a:t>
             </a:r>
             <a:endParaRPr lang="en-US" altLang="zh-CN" sz="2100" dirty="0">
               <a:latin typeface="+mn-ea"/>
@@ -10588,92 +10075,10 @@
           </a:p>
           <a:p>
             <a:r>
-              <a:rPr lang="zh-CN" altLang="en-US" sz="2400" dirty="0">
+              <a:rPr lang="zh-CN" altLang="en-US" sz="2100" dirty="0">
                 <a:latin typeface="+mn-ea"/>
               </a:rPr>
               <a:t>解决办法：端口被占用</a:t>
-            </a:r>
-            <a:endParaRPr lang="en-US" altLang="zh-CN" sz="2400" dirty="0">
-              <a:latin typeface="+mn-ea"/>
-            </a:endParaRPr>
-          </a:p>
-          <a:p>
-            <a:pPr marL="0" indent="0">
-              <a:buNone/>
-            </a:pPr>
-            <a:r>
-              <a:rPr lang="zh-CN" altLang="zh-CN" sz="2000" dirty="0">
-                <a:latin typeface="+mn-ea"/>
-              </a:rPr>
-              <a:t>输入</a:t>
-            </a:r>
-            <a:r>
-              <a:rPr lang="en-US" altLang="zh-CN" sz="2000" dirty="0">
-                <a:latin typeface="+mn-ea"/>
-              </a:rPr>
-              <a:t>netstat -</a:t>
-            </a:r>
-            <a:r>
-              <a:rPr lang="en-US" altLang="zh-CN" sz="2000" dirty="0" err="1">
-                <a:latin typeface="+mn-ea"/>
-              </a:rPr>
-              <a:t>ano</a:t>
-            </a:r>
-            <a:r>
-              <a:rPr lang="en-US" altLang="zh-CN" sz="2000" dirty="0">
-                <a:latin typeface="+mn-ea"/>
-              </a:rPr>
-              <a:t> | </a:t>
-            </a:r>
-            <a:r>
-              <a:rPr lang="en-US" altLang="zh-CN" sz="2000" dirty="0" err="1">
-                <a:latin typeface="+mn-ea"/>
-              </a:rPr>
-              <a:t>findstr</a:t>
-            </a:r>
-            <a:r>
-              <a:rPr lang="en-US" altLang="zh-CN" sz="2000" dirty="0">
-                <a:latin typeface="+mn-ea"/>
-              </a:rPr>
-              <a:t> "5037" |more</a:t>
-            </a:r>
-            <a:r>
-              <a:rPr lang="zh-CN" altLang="zh-CN" sz="2000" dirty="0">
-                <a:latin typeface="+mn-ea"/>
-              </a:rPr>
-              <a:t>，查看那些程序占用了</a:t>
-            </a:r>
-            <a:r>
-              <a:rPr lang="en-US" altLang="zh-CN" sz="2000" dirty="0">
-                <a:latin typeface="+mn-ea"/>
-              </a:rPr>
-              <a:t>5037</a:t>
-            </a:r>
-            <a:r>
-              <a:rPr lang="zh-CN" altLang="zh-CN" sz="2000" dirty="0">
-                <a:latin typeface="+mn-ea"/>
-              </a:rPr>
-              <a:t>端口</a:t>
-            </a:r>
-          </a:p>
-          <a:p>
-            <a:r>
-              <a:rPr lang="zh-CN" altLang="en-US" sz="2100" dirty="0">
-                <a:latin typeface="+mn-ea"/>
-              </a:rPr>
-              <a:t>报错</a:t>
-            </a:r>
-            <a:r>
-              <a:rPr lang="en-US" altLang="zh-CN" sz="2100" dirty="0">
-                <a:latin typeface="+mn-ea"/>
-              </a:rPr>
-              <a:t>2</a:t>
-            </a:r>
-            <a:r>
-              <a:rPr lang="zh-CN" altLang="en-US" sz="2100" dirty="0">
-                <a:latin typeface="+mn-ea"/>
-              </a:rPr>
-              <a:t>：</a:t>
             </a:r>
             <a:endParaRPr lang="en-US" altLang="zh-CN" sz="2100" dirty="0">
               <a:latin typeface="+mn-ea"/>
@@ -10684,8 +10089,58 @@
               <a:buNone/>
             </a:pPr>
             <a:r>
-              <a:rPr lang="en-US" altLang="zh-CN" sz="2000" dirty="0"/>
-              <a:t>cannot bind to 127.0.0.1:5037</a:t>
+              <a:rPr lang="zh-CN" altLang="zh-CN" sz="2000" dirty="0">
+                <a:latin typeface="+mn-ea"/>
+              </a:rPr>
+              <a:t>输入</a:t>
+            </a:r>
+            <a:r>
+              <a:rPr lang="en-US" altLang="zh-CN" sz="2000" dirty="0">
+                <a:latin typeface="+mn-ea"/>
+              </a:rPr>
+              <a:t>netstat -</a:t>
+            </a:r>
+            <a:r>
+              <a:rPr lang="en-US" altLang="zh-CN" sz="2000" dirty="0" err="1">
+                <a:latin typeface="+mn-ea"/>
+              </a:rPr>
+              <a:t>ano</a:t>
+            </a:r>
+            <a:r>
+              <a:rPr lang="en-US" altLang="zh-CN" sz="2000" dirty="0">
+                <a:latin typeface="+mn-ea"/>
+              </a:rPr>
+              <a:t> | </a:t>
+            </a:r>
+            <a:r>
+              <a:rPr lang="en-US" altLang="zh-CN" sz="2000" dirty="0" err="1">
+                <a:latin typeface="+mn-ea"/>
+              </a:rPr>
+              <a:t>findstr</a:t>
+            </a:r>
+            <a:r>
+              <a:rPr lang="en-US" altLang="zh-CN" sz="2000" dirty="0">
+                <a:latin typeface="+mn-ea"/>
+              </a:rPr>
+              <a:t> "5037" |more</a:t>
+            </a:r>
+            <a:r>
+              <a:rPr lang="zh-CN" altLang="zh-CN" sz="2000" dirty="0">
+                <a:latin typeface="+mn-ea"/>
+              </a:rPr>
+              <a:t>，查看那些程序占用了</a:t>
+            </a:r>
+            <a:r>
+              <a:rPr lang="en-US" altLang="zh-CN" sz="2000" dirty="0">
+                <a:latin typeface="+mn-ea"/>
+              </a:rPr>
+              <a:t>5037</a:t>
+            </a:r>
+            <a:r>
+              <a:rPr lang="zh-CN" altLang="zh-CN" sz="2000" dirty="0">
+                <a:latin typeface="+mn-ea"/>
+              </a:rPr>
+              <a:t>端口</a:t>
             </a:r>
           </a:p>
           <a:p>
@@ -10786,7 +10241,7 @@
         </p:blipFill>
         <p:spPr>
           <a:xfrm>
-            <a:off x="1115616" y="3744480"/>
+            <a:off x="1691680" y="3088910"/>
             <a:ext cx="6507691" cy="1311140"/>
           </a:xfrm>
           <a:prstGeom prst="rect">
@@ -11373,4 +10828,342 @@
   <a:objectDefaults/>
   <a:extraClrSchemeLst/>
 </a:theme>
+</file>
+
+<file path=ppt/theme/theme3.xml><?xml version="1.0" encoding="utf-8"?>
+<a:theme xmlns:a="http://schemas.openxmlformats.org/drawingml/2006/main" name="Office 主题​​">
+  <a:themeElements>
+    <a:clrScheme name="Office">
+      <a:dk1>
+        <a:sysClr val="windowText" lastClr="000000"/>
+      </a:dk1>
+      <a:lt1>
+        <a:sysClr val="window" lastClr="FFFFFF"/>
+      </a:lt1>
+      <a:dk2>
+        <a:srgbClr val="44546A"/>
+      </a:dk2>
+      <a:lt2>
+        <a:srgbClr val="E7E6E6"/>
+      </a:lt2>
+      <a:accent1>
+        <a:srgbClr val="4472C4"/>
+      </a:accent1>
+      <a:accent2>
+        <a:srgbClr val="ED7D31"/>
+      </a:accent2>
+      <a:accent3>
+        <a:srgbClr val="A5A5A5"/>
+      </a:accent3>
+      <a:accent4>
+        <a:srgbClr val="FFC000"/>
+      </a:accent4>
+      <a:accent5>
+        <a:srgbClr val="5B9BD5"/>
+      </a:accent5>
+      <a:accent6>
+        <a:srgbClr val="70AD47"/>
+      </a:accent6>
+      <a:hlink>
+        <a:srgbClr val="0563C1"/>
+      </a:hlink>
+      <a:folHlink>
+        <a:srgbClr val="954F72"/>
+      </a:folHlink>
+    </a:clrScheme>
+    <a:fontScheme name="Office">
+      <a:majorFont>
+        <a:latin typeface="等线 Light" panose="020F0302020204030204"/>
+        <a:ea typeface=""/>
+        <a:cs typeface=""/>
+        <a:font script="Jpan" typeface="游ゴシック Light"/>
+        <a:font script="Hang" typeface="맑은 고딕"/>
+        <a:font script="Hans" typeface="等线 Light"/>
+        <a:font script="Hant" typeface="新細明體"/>
+        <a:font script="Arab" typeface="Times New Roman"/>
+        <a:font script="Hebr" typeface="Times New Roman"/>
+        <a:font script="Thai" typeface="Angsana New"/>
+        <a:font script="Ethi" typeface="Nyala"/>
+        <a:font script="Beng" typeface="Vrinda"/>
+        <a:font script="Gujr" typeface="Shruti"/>
+        <a:font script="Khmr" typeface="MoolBoran"/>
+        <a:font script="Knda" typeface="Tunga"/>
+        <a:font script="Guru" typeface="Raavi"/>
+        <a:font script="Cans" typeface="Euphemia"/>
+        <a:font script="Cher" typeface="Plantagenet Cherokee"/>
+        <a:font script="Yiii" typeface="Microsoft Yi Baiti"/>
+        <a:font script="Tibt" typeface="Microsoft Himalaya"/>
+        <a:font script="Thaa" typeface="MV Boli"/>
+        <a:font script="Deva" typeface="Mangal"/>
+        <a:font script="Telu" typeface="Gautami"/>
+        <a:font script="Taml" typeface="Latha"/>
+        <a:font script="Syrc" typeface="Estrangelo Edessa"/>
+        <a:font script="Orya" typeface="Kalinga"/>
+        <a:font script="Mlym" typeface="Kartika"/>
+        <a:font script="Laoo" typeface="DokChampa"/>
+        <a:font script="Sinh" typeface="Iskoola Pota"/>
+        <a:font script="Mong" typeface="Mongolian Baiti"/>
+        <a:font script="Viet" typeface="Times New Roman"/>
+        <a:font script="Uigh" typeface="Microsoft Uighur"/>
+        <a:font script="Geor" typeface="Sylfaen"/>
+        <a:font script="Armn" typeface="Arial"/>
+        <a:font script="Bugi" typeface="Leelawadee UI"/>
+        <a:font script="Bopo" typeface="Microsoft JhengHei"/>
+        <a:font script="Java" typeface="Javanese Text"/>
+        <a:font script="Lisu" typeface="Segoe UI"/>
+        <a:font script="Mymr" typeface="Myanmar Text"/>
+        <a:font script="Nkoo" typeface="Ebrima"/>
+        <a:font script="Olck" typeface="Nirmala UI"/>
+        <a:font script="Osma" typeface="Ebrima"/>
+        <a:font script="Phag" typeface="Phagspa"/>
+        <a:font script="Syrn" typeface="Estrangelo Edessa"/>
+        <a:font script="Syrj" typeface="Estrangelo Edessa"/>
+        <a:font script="Syre" typeface="Estrangelo Edessa"/>
+        <a:font script="Sora" typeface="Nirmala UI"/>
+        <a:font script="Tale" typeface="Microsoft Tai Le"/>
+        <a:font script="Talu" typeface="Microsoft New Tai Lue"/>
+        <a:font script="Tfng" typeface="Ebrima"/>
+      </a:majorFont>
+      <a:minorFont>
+        <a:latin typeface="等线" panose="020F0502020204030204"/>
+        <a:ea typeface=""/>
+        <a:cs typeface=""/>
+        <a:font script="Jpan" typeface="游ゴシック"/>
+        <a:font script="Hang" typeface="맑은 고딕"/>
+        <a:font script="Hans" typeface="等线"/>
+        <a:font script="Hant" typeface="新細明體"/>
+        <a:font script="Arab" typeface="Arial"/>
+        <a:font script="Hebr" typeface="Arial"/>
+        <a:font script="Thai" typeface="Cordia New"/>
+        <a:font script="Ethi" typeface="Nyala"/>
+        <a:font script="Beng" typeface="Vrinda"/>
+        <a:font script="Gujr" typeface="Shruti"/>
+        <a:font script="Khmr" typeface="DaunPenh"/>
+        <a:font script="Knda" typeface="Tunga"/>
+        <a:font script="Guru" typeface="Raavi"/>
+        <a:font script="Cans" typeface="Euphemia"/>
+        <a:font script="Cher" typeface="Plantagenet Cherokee"/>
+        <a:font script="Yiii" typeface="Microsoft Yi Baiti"/>
+        <a:font script="Tibt" typeface="Microsoft Himalaya"/>
+        <a:font script="Thaa" typeface="MV Boli"/>
+        <a:font script="Deva" typeface="Mangal"/>
+        <a:font script="Telu" typeface="Gautami"/>
+        <a:font script="Taml" typeface="Latha"/>
+        <a:font script="Syrc" typeface="Estrangelo Edessa"/>
+        <a:font script="Orya" typeface="Kalinga"/>
+        <a:font script="Mlym" typeface="Kartika"/>
+        <a:font script="Laoo" typeface="DokChampa"/>
+        <a:font script="Sinh" typeface="Iskoola Pota"/>
+        <a:font script="Mong" typeface="Mongolian Baiti"/>
+        <a:font script="Viet" typeface="Arial"/>
+        <a:font script="Uigh" typeface="Microsoft Uighur"/>
+        <a:font script="Geor" typeface="Sylfaen"/>
+        <a:font script="Armn" typeface="Arial"/>
+        <a:font script="Bugi" typeface="Leelawadee UI"/>
+        <a:font script="Bopo" typeface="Microsoft JhengHei"/>
+        <a:font script="Java" typeface="Javanese Text"/>
+        <a:font script="Lisu" typeface="Segoe UI"/>
+        <a:font script="Mymr" typeface="Myanmar Text"/>
+        <a:font script="Nkoo" typeface="Ebrima"/>
+        <a:font script="Olck" typeface="Nirmala UI"/>
+        <a:font script="Osma" typeface="Ebrima"/>
+        <a:font script="Phag" typeface="Phagspa"/>
+        <a:font script="Syrn" typeface="Estrangelo Edessa"/>
+        <a:font script="Syrj" typeface="Estrangelo Edessa"/>
+        <a:font script="Syre" typeface="Estrangelo Edessa"/>
+        <a:font script="Sora" typeface="Nirmala UI"/>
+        <a:font script="Tale" typeface="Microsoft Tai Le"/>
+        <a:font script="Talu" typeface="Microsoft New Tai Lue"/>
+        <a:font script="Tfng" typeface="Ebrima"/>
+      </a:minorFont>
+    </a:fontScheme>
+    <a:fmtScheme name="Office">
+      <a:fillStyleLst>
+        <a:solidFill>
+          <a:schemeClr val="phClr"/>
+        </a:solidFill>
+        <a:gradFill rotWithShape="1">
+          <a:gsLst>
+            <a:gs pos="0">
+              <a:schemeClr val="phClr">
+                <a:lumMod val="110000"/>
+                <a:satMod val="105000"/>
+                <a:tint val="67000"/>
+              </a:schemeClr>
+            </a:gs>
+            <a:gs pos="50000">
+              <a:schemeClr val="phClr">
+                <a:lumMod val="105000"/>
+                <a:satMod val="103000"/>
+                <a:tint val="73000"/>
+              </a:schemeClr>
+            </a:gs>
+            <a:gs pos="100000">
+              <a:schemeClr val="phClr">
+                <a:lumMod val="105000"/>
+                <a:satMod val="109000"/>
+                <a:tint val="81000"/>
+              </a:schemeClr>
+            </a:gs>
+          </a:gsLst>
+          <a:lin ang="5400000" scaled="0"/>
+        </a:gradFill>
+        <a:gradFill rotWithShape="1">
+          <a:gsLst>
+            <a:gs pos="0">
+              <a:schemeClr val="phClr">
+                <a:satMod val="103000"/>
+                <a:lumMod val="102000"/>
+                <a:tint val="94000"/>
+              </a:schemeClr>
+            </a:gs>
+            <a:gs pos="50000">
+              <a:schemeClr val="phClr">
+                <a:satMod val="110000"/>
+                <a:lumMod val="100000"/>
+                <a:shade val="100000"/>
+              </a:schemeClr>
+            </a:gs>
+            <a:gs pos="100000">
+              <a:schemeClr val="phClr">
+                <a:lumMod val="99000"/>
+                <a:satMod val="120000"/>
+                <a:shade val="78000"/>
+              </a:schemeClr>
+            </a:gs>
+          </a:gsLst>
+          <a:lin ang="5400000" scaled="0"/>
+        </a:gradFill>
+      </a:fillStyleLst>
+      <a:lnStyleLst>
+        <a:ln w="6350" cap="flat" cmpd="sng" algn="ctr">
+          <a:solidFill>
+            <a:schemeClr val="phClr"/>
+          </a:solidFill>
+          <a:prstDash val="solid"/>
+          <a:miter lim="800000"/>
+        </a:ln>
+        <a:ln w="12700" cap="flat" cmpd="sng" algn="ctr">
+          <a:solidFill>
+            <a:schemeClr val="phClr"/>
+          </a:solidFill>
+          <a:prstDash val="solid"/>
+          <a:miter lim="800000"/>
+        </a:ln>
+        <a:ln w="19050" cap="flat" cmpd="sng" algn="ctr">
+          <a:solidFill>
+            <a:schemeClr val="phClr"/>
+          </a:solidFill>
+          <a:prstDash val="solid"/>
+          <a:miter lim="800000"/>
+        </a:ln>
+      </a:lnStyleLst>
+      <a:effectStyleLst>
+        <a:effectStyle>
+          <a:effectLst/>
+        </a:effectStyle>
+        <a:effectStyle>
+          <a:effectLst/>
+        </a:effectStyle>
+        <a:effectStyle>
+          <a:effectLst>
+            <a:outerShdw blurRad="57150" dist="19050" dir="5400000" algn="ctr" rotWithShape="0">
+              <a:srgbClr val="000000">
+                <a:alpha val="63000"/>
+              </a:srgbClr>
+            </a:outerShdw>
+          </a:effectLst>
+        </a:effectStyle>
+      </a:effectStyleLst>
+      <a:bgFillStyleLst>
+        <a:solidFill>
+          <a:schemeClr val="phClr"/>
+        </a:solidFill>
+        <a:solidFill>
+          <a:schemeClr val="phClr">
+            <a:tint val="95000"/>
+            <a:satMod val="170000"/>
+          </a:schemeClr>
+        </a:solidFill>
+        <a:gradFill rotWithShape="1">
+          <a:gsLst>
+            <a:gs pos="0">
+              <a:schemeClr val="phClr">
+                <a:tint val="93000"/>
+                <a:satMod val="150000"/>
+                <a:shade val="98000"/>
+                <a:lumMod val="102000"/>
+              </a:schemeClr>
+            </a:gs>
+            <a:gs pos="50000">
+              <a:schemeClr val="phClr">
+                <a:tint val="98000"/>
+                <a:satMod val="130000"/>
+                <a:shade val="90000"/>
+                <a:lumMod val="103000"/>
+              </a:schemeClr>
+            </a:gs>
+            <a:gs pos="100000">
+              <a:schemeClr val="phClr">
+                <a:shade val="63000"/>
+                <a:satMod val="120000"/>
+              </a:schemeClr>
+            </a:gs>
+          </a:gsLst>
+          <a:lin ang="5400000" scaled="0"/>
+        </a:gradFill>
+      </a:bgFillStyleLst>
+    </a:fmtScheme>
+  </a:themeElements>
+  <a:objectDefaults/>
+  <a:extraClrSchemeLst/>
+  <a:extLst>
+    <a:ext uri="{05A4C25C-085E-4340-85A3-A5531E510DB2}">
+      <thm15:themeFamily xmlns:thm15="http://schemas.microsoft.com/office/thememl/2012/main" name="Office Theme" id="{62F939B6-93AF-4DB8-9C6B-D6C7DFDC589F}" vid="{4A3C46E8-61CC-4603-A589-7422A47A8E4A}"/>
+    </a:ext>
+  </a:extLst>
+</a:theme>
+</file>
+
+<file path=ppt/theme/themeOverride1.xml><?xml version="1.0" encoding="utf-8"?>
+<a:themeOverride xmlns:a="http://schemas.openxmlformats.org/drawingml/2006/main">
+  <a:clrScheme name="Office">
+    <a:dk1>
+      <a:sysClr val="windowText" lastClr="000000"/>
+    </a:dk1>
+    <a:lt1>
+      <a:sysClr val="window" lastClr="FFFFFF"/>
+    </a:lt1>
+    <a:dk2>
+      <a:srgbClr val="1F497D"/>
+    </a:dk2>
+    <a:lt2>
+      <a:srgbClr val="EEECE1"/>
+    </a:lt2>
+    <a:accent1>
+      <a:srgbClr val="4F81BD"/>
+    </a:accent1>
+    <a:accent2>
+      <a:srgbClr val="C0504D"/>
+    </a:accent2>
+    <a:accent3>
+      <a:srgbClr val="9BBB59"/>
+    </a:accent3>
+    <a:accent4>
+      <a:srgbClr val="8064A2"/>
+    </a:accent4>
+    <a:accent5>
+      <a:srgbClr val="4BACC6"/>
+    </a:accent5>
+    <a:accent6>
+      <a:srgbClr val="F79646"/>
+    </a:accent6>
+    <a:hlink>
+      <a:srgbClr val="0000FF"/>
+    </a:hlink>
+    <a:folHlink>
+      <a:srgbClr val="800080"/>
+    </a:folHlink>
+  </a:clrScheme>
+</a:themeOverride>
 </file>